--- a/project-sports-analytics-nhl3.0.pptx
+++ b/project-sports-analytics-nhl3.0.pptx
@@ -5,7 +5,7 @@
     <p:sldMasterId id="2147483718" r:id="rId4"/>
   </p:sldMasterIdLst>
   <p:notesMasterIdLst>
-    <p:notesMasterId r:id="rId16"/>
+    <p:notesMasterId r:id="rId23"/>
   </p:notesMasterIdLst>
   <p:sldIdLst>
     <p:sldId id="1029" r:id="rId5"/>
@@ -19,6 +19,13 @@
     <p:sldId id="1056" r:id="rId13"/>
     <p:sldId id="1057" r:id="rId14"/>
     <p:sldId id="1058" r:id="rId15"/>
+    <p:sldId id="1061" r:id="rId16"/>
+    <p:sldId id="1059" r:id="rId17"/>
+    <p:sldId id="1060" r:id="rId18"/>
+    <p:sldId id="1062" r:id="rId19"/>
+    <p:sldId id="1063" r:id="rId20"/>
+    <p:sldId id="1064" r:id="rId21"/>
+    <p:sldId id="1065" r:id="rId22"/>
   </p:sldIdLst>
   <p:sldSz cx="12192000" cy="6858000"/>
   <p:notesSz cx="6858000" cy="9144000"/>
@@ -229,7 +236,7 @@
           <a:p>
             <a:fld id="{5EA28068-AFBD-4979-B752-9EB6F90B1386}" type="datetimeFigureOut">
               <a:rPr lang="en-US" smtClean="0"/>
-              <a:t>9/27/2023</a:t>
+              <a:t>9/28/2023</a:t>
             </a:fld>
             <a:endParaRPr lang="en-US" dirty="0"/>
           </a:p>
@@ -943,6 +950,158 @@
     <p:extLst>
       <p:ext uri="{BB962C8B-B14F-4D97-AF65-F5344CB8AC3E}">
         <p14:creationId xmlns:p14="http://schemas.microsoft.com/office/powerpoint/2010/main" val="3471083749"/>
+      </p:ext>
+    </p:extLst>
+  </p:cSld>
+  <p:clrMapOvr>
+    <a:masterClrMapping/>
+  </p:clrMapOvr>
+</p:notes>
+</file>
+
+<file path=ppt/notesSlides/notesSlide12.xml><?xml version="1.0" encoding="utf-8"?>
+<p:notes xmlns:a="http://schemas.openxmlformats.org/drawingml/2006/main" xmlns:r="http://schemas.openxmlformats.org/officeDocument/2006/relationships" xmlns:p="http://schemas.openxmlformats.org/presentationml/2006/main">
+  <p:cSld>
+    <p:spTree>
+      <p:nvGrpSpPr>
+        <p:cNvPr id="1" name=""/>
+        <p:cNvGrpSpPr/>
+        <p:nvPr/>
+      </p:nvGrpSpPr>
+      <p:grpSpPr>
+        <a:xfrm>
+          <a:off x="0" y="0"/>
+          <a:ext cx="0" cy="0"/>
+          <a:chOff x="0" y="0"/>
+          <a:chExt cx="0" cy="0"/>
+        </a:xfrm>
+      </p:grpSpPr>
+      <p:sp>
+        <p:nvSpPr>
+          <p:cNvPr id="2" name="Slide Image Placeholder 1"/>
+          <p:cNvSpPr>
+            <a:spLocks noGrp="1" noRot="1" noChangeAspect="1"/>
+          </p:cNvSpPr>
+          <p:nvPr>
+            <p:ph type="sldImg"/>
+          </p:nvPr>
+        </p:nvSpPr>
+        <p:spPr/>
+      </p:sp>
+      <p:sp>
+        <p:nvSpPr>
+          <p:cNvPr id="3" name="Notes Placeholder 2"/>
+          <p:cNvSpPr>
+            <a:spLocks noGrp="1"/>
+          </p:cNvSpPr>
+          <p:nvPr>
+            <p:ph type="body" idx="1"/>
+          </p:nvPr>
+        </p:nvSpPr>
+        <p:spPr/>
+        <p:txBody>
+          <a:bodyPr/>
+          <a:lstStyle/>
+          <a:p>
+            <a:r>
+              <a:rPr lang="en-US" sz="1200">
+                <a:solidFill>
+                  <a:prstClr val="black"/>
+                </a:solidFill>
+              </a:rPr>
+              <a:t>© Copyright Showeet.com – Free PowerPoint Templates</a:t>
+            </a:r>
+            <a:endParaRPr lang="en-US"/>
+          </a:p>
+        </p:txBody>
+      </p:sp>
+      <p:sp>
+        <p:nvSpPr>
+          <p:cNvPr id="4" name="Slide Number Placeholder 3"/>
+          <p:cNvSpPr>
+            <a:spLocks noGrp="1"/>
+          </p:cNvSpPr>
+          <p:nvPr>
+            <p:ph type="sldNum" sz="quarter" idx="10"/>
+          </p:nvPr>
+        </p:nvSpPr>
+        <p:spPr/>
+        <p:txBody>
+          <a:bodyPr/>
+          <a:lstStyle/>
+          <a:p>
+            <a:pPr marL="0" marR="0" lvl="0" indent="0" algn="r" defTabSz="914400" rtl="0" eaLnBrk="1" fontAlgn="auto" latinLnBrk="0" hangingPunct="1">
+              <a:lnSpc>
+                <a:spcPct val="100000"/>
+              </a:lnSpc>
+              <a:spcBef>
+                <a:spcPts val="0"/>
+              </a:spcBef>
+              <a:spcAft>
+                <a:spcPts val="0"/>
+              </a:spcAft>
+              <a:buClrTx/>
+              <a:buSzTx/>
+              <a:buFontTx/>
+              <a:buNone/>
+              <a:tabLst/>
+              <a:defRPr/>
+            </a:pPr>
+            <a:fld id="{46B9B405-4F4D-4594-A1A1-988AA5F62729}" type="slidenum">
+              <a:rPr kumimoji="0" lang="en-US" sz="1200" b="0" i="0" u="none" strike="noStrike" kern="1200" cap="none" spc="0" normalizeH="0" baseline="0" noProof="0" smtClean="0">
+                <a:ln>
+                  <a:noFill/>
+                </a:ln>
+                <a:solidFill>
+                  <a:prstClr val="black"/>
+                </a:solidFill>
+                <a:effectLst/>
+                <a:uLnTx/>
+                <a:uFillTx/>
+                <a:latin typeface="Calibri" panose="020F0502020204030204"/>
+                <a:ea typeface="+mn-ea"/>
+                <a:cs typeface="+mn-cs"/>
+              </a:rPr>
+              <a:pPr marL="0" marR="0" lvl="0" indent="0" algn="r" defTabSz="914400" rtl="0" eaLnBrk="1" fontAlgn="auto" latinLnBrk="0" hangingPunct="1">
+                <a:lnSpc>
+                  <a:spcPct val="100000"/>
+                </a:lnSpc>
+                <a:spcBef>
+                  <a:spcPts val="0"/>
+                </a:spcBef>
+                <a:spcAft>
+                  <a:spcPts val="0"/>
+                </a:spcAft>
+                <a:buClrTx/>
+                <a:buSzTx/>
+                <a:buFontTx/>
+                <a:buNone/>
+                <a:tabLst/>
+                <a:defRPr/>
+              </a:pPr>
+              <a:t>14</a:t>
+            </a:fld>
+            <a:endParaRPr kumimoji="0" lang="en-US" sz="1200" b="0" i="0" u="none" strike="noStrike" kern="1200" cap="none" spc="0" normalizeH="0" baseline="0" noProof="0">
+              <a:ln>
+                <a:noFill/>
+              </a:ln>
+              <a:solidFill>
+                <a:prstClr val="black"/>
+              </a:solidFill>
+              <a:effectLst/>
+              <a:uLnTx/>
+              <a:uFillTx/>
+              <a:latin typeface="Calibri" panose="020F0502020204030204"/>
+              <a:ea typeface="+mn-ea"/>
+              <a:cs typeface="+mn-cs"/>
+            </a:endParaRPr>
+          </a:p>
+        </p:txBody>
+      </p:sp>
+    </p:spTree>
+    <p:extLst>
+      <p:ext uri="{BB962C8B-B14F-4D97-AF65-F5344CB8AC3E}">
+        <p14:creationId xmlns:p14="http://schemas.microsoft.com/office/powerpoint/2010/main" val="2998005153"/>
       </p:ext>
     </p:extLst>
   </p:cSld>
@@ -13015,6 +13174,730 @@
     <p:extLst>
       <p:ext uri="{BB962C8B-B14F-4D97-AF65-F5344CB8AC3E}">
         <p14:creationId xmlns:p14="http://schemas.microsoft.com/office/powerpoint/2010/main" val="248949194"/>
+      </p:ext>
+    </p:extLst>
+  </p:cSld>
+  <p:clrMapOvr>
+    <a:masterClrMapping/>
+  </p:clrMapOvr>
+</p:sld>
+</file>
+
+<file path=ppt/slides/slide12.xml><?xml version="1.0" encoding="utf-8"?>
+<p:sld xmlns:a="http://schemas.openxmlformats.org/drawingml/2006/main" xmlns:r="http://schemas.openxmlformats.org/officeDocument/2006/relationships" xmlns:p="http://schemas.openxmlformats.org/presentationml/2006/main">
+  <p:cSld>
+    <p:spTree>
+      <p:nvGrpSpPr>
+        <p:cNvPr id="1" name=""/>
+        <p:cNvGrpSpPr/>
+        <p:nvPr/>
+      </p:nvGrpSpPr>
+      <p:grpSpPr>
+        <a:xfrm>
+          <a:off x="0" y="0"/>
+          <a:ext cx="0" cy="0"/>
+          <a:chOff x="0" y="0"/>
+          <a:chExt cx="0" cy="0"/>
+        </a:xfrm>
+      </p:grpSpPr>
+      <p:sp>
+        <p:nvSpPr>
+          <p:cNvPr id="2" name="Title 1">
+            <a:extLst>
+              <a:ext uri="{FF2B5EF4-FFF2-40B4-BE49-F238E27FC236}">
+                <a16:creationId xmlns:a16="http://schemas.microsoft.com/office/drawing/2014/main" id="{CC63653E-CCFF-B5B8-21FF-1A0CC2A1CCFD}"/>
+              </a:ext>
+            </a:extLst>
+          </p:cNvPr>
+          <p:cNvSpPr>
+            <a:spLocks noGrp="1"/>
+          </p:cNvSpPr>
+          <p:nvPr>
+            <p:ph type="title"/>
+          </p:nvPr>
+        </p:nvSpPr>
+        <p:spPr/>
+        <p:txBody>
+          <a:bodyPr/>
+          <a:lstStyle/>
+          <a:p>
+            <a:r>
+              <a:rPr lang="en-US" dirty="0"/>
+              <a:t>Model accuracy via Tableau:</a:t>
+            </a:r>
+          </a:p>
+        </p:txBody>
+      </p:sp>
+      <p:sp>
+        <p:nvSpPr>
+          <p:cNvPr id="4" name="AutoShape 2">
+            <a:extLst>
+              <a:ext uri="{FF2B5EF4-FFF2-40B4-BE49-F238E27FC236}">
+                <a16:creationId xmlns:a16="http://schemas.microsoft.com/office/drawing/2014/main" id="{9C117B05-821E-B399-512D-62CC5CC3EF07}"/>
+              </a:ext>
+            </a:extLst>
+          </p:cNvPr>
+          <p:cNvSpPr>
+            <a:spLocks noChangeAspect="1" noChangeArrowheads="1"/>
+          </p:cNvSpPr>
+          <p:nvPr/>
+        </p:nvSpPr>
+        <p:spPr bwMode="auto">
+          <a:xfrm>
+            <a:off x="5943600" y="3276600"/>
+            <a:ext cx="304800" cy="304800"/>
+          </a:xfrm>
+          <a:prstGeom prst="rect">
+            <a:avLst/>
+          </a:prstGeom>
+          <a:noFill/>
+          <a:extLst>
+            <a:ext uri="{909E8E84-426E-40DD-AFC4-6F175D3DCCD1}">
+              <a14:hiddenFill xmlns:a14="http://schemas.microsoft.com/office/drawing/2010/main">
+                <a:solidFill>
+                  <a:srgbClr val="FFFFFF"/>
+                </a:solidFill>
+              </a14:hiddenFill>
+            </a:ext>
+          </a:extLst>
+        </p:spPr>
+        <p:txBody>
+          <a:bodyPr vert="horz" wrap="square" lIns="91440" tIns="45720" rIns="91440" bIns="45720" numCol="1" anchor="t" anchorCtr="0" compatLnSpc="1">
+            <a:prstTxWarp prst="textNoShape">
+              <a:avLst/>
+            </a:prstTxWarp>
+          </a:bodyPr>
+          <a:lstStyle/>
+          <a:p>
+            <a:endParaRPr lang="en-US"/>
+          </a:p>
+        </p:txBody>
+      </p:sp>
+      <p:sp>
+        <p:nvSpPr>
+          <p:cNvPr id="5" name="AutoShape 4">
+            <a:extLst>
+              <a:ext uri="{FF2B5EF4-FFF2-40B4-BE49-F238E27FC236}">
+                <a16:creationId xmlns:a16="http://schemas.microsoft.com/office/drawing/2014/main" id="{37D7F500-B338-D234-E94C-6B38EB2BB343}"/>
+              </a:ext>
+            </a:extLst>
+          </p:cNvPr>
+          <p:cNvSpPr>
+            <a:spLocks noChangeAspect="1" noChangeArrowheads="1"/>
+          </p:cNvSpPr>
+          <p:nvPr/>
+        </p:nvSpPr>
+        <p:spPr bwMode="auto">
+          <a:xfrm>
+            <a:off x="6096000" y="3429000"/>
+            <a:ext cx="304800" cy="304800"/>
+          </a:xfrm>
+          <a:prstGeom prst="rect">
+            <a:avLst/>
+          </a:prstGeom>
+          <a:noFill/>
+          <a:extLst>
+            <a:ext uri="{909E8E84-426E-40DD-AFC4-6F175D3DCCD1}">
+              <a14:hiddenFill xmlns:a14="http://schemas.microsoft.com/office/drawing/2010/main">
+                <a:solidFill>
+                  <a:srgbClr val="FFFFFF"/>
+                </a:solidFill>
+              </a14:hiddenFill>
+            </a:ext>
+          </a:extLst>
+        </p:spPr>
+        <p:txBody>
+          <a:bodyPr vert="horz" wrap="square" lIns="91440" tIns="45720" rIns="91440" bIns="45720" numCol="1" anchor="t" anchorCtr="0" compatLnSpc="1">
+            <a:prstTxWarp prst="textNoShape">
+              <a:avLst/>
+            </a:prstTxWarp>
+          </a:bodyPr>
+          <a:lstStyle/>
+          <a:p>
+            <a:endParaRPr lang="en-US"/>
+          </a:p>
+        </p:txBody>
+      </p:sp>
+      <p:pic>
+        <p:nvPicPr>
+          <p:cNvPr id="7" name="Picture 6">
+            <a:extLst>
+              <a:ext uri="{FF2B5EF4-FFF2-40B4-BE49-F238E27FC236}">
+                <a16:creationId xmlns:a16="http://schemas.microsoft.com/office/drawing/2014/main" id="{22CAA8E1-4E77-CDE7-FEA3-5087F096AF21}"/>
+              </a:ext>
+            </a:extLst>
+          </p:cNvPr>
+          <p:cNvPicPr>
+            <a:picLocks noChangeAspect="1"/>
+          </p:cNvPicPr>
+          <p:nvPr/>
+        </p:nvPicPr>
+        <p:blipFill>
+          <a:blip r:embed="rId2"/>
+          <a:stretch>
+            <a:fillRect/>
+          </a:stretch>
+        </p:blipFill>
+        <p:spPr>
+          <a:xfrm>
+            <a:off x="838200" y="1690691"/>
+            <a:ext cx="10429875" cy="5058481"/>
+          </a:xfrm>
+          <a:prstGeom prst="rect">
+            <a:avLst/>
+          </a:prstGeom>
+        </p:spPr>
+      </p:pic>
+    </p:spTree>
+    <p:extLst>
+      <p:ext uri="{BB962C8B-B14F-4D97-AF65-F5344CB8AC3E}">
+        <p14:creationId xmlns:p14="http://schemas.microsoft.com/office/powerpoint/2010/main" val="2463847851"/>
+      </p:ext>
+    </p:extLst>
+  </p:cSld>
+  <p:clrMapOvr>
+    <a:masterClrMapping/>
+  </p:clrMapOvr>
+</p:sld>
+</file>
+
+<file path=ppt/slides/slide13.xml><?xml version="1.0" encoding="utf-8"?>
+<p:sld xmlns:a="http://schemas.openxmlformats.org/drawingml/2006/main" xmlns:r="http://schemas.openxmlformats.org/officeDocument/2006/relationships" xmlns:p="http://schemas.openxmlformats.org/presentationml/2006/main">
+  <p:cSld>
+    <p:spTree>
+      <p:nvGrpSpPr>
+        <p:cNvPr id="1" name=""/>
+        <p:cNvGrpSpPr/>
+        <p:nvPr/>
+      </p:nvGrpSpPr>
+      <p:grpSpPr>
+        <a:xfrm>
+          <a:off x="0" y="0"/>
+          <a:ext cx="0" cy="0"/>
+          <a:chOff x="0" y="0"/>
+          <a:chExt cx="0" cy="0"/>
+        </a:xfrm>
+      </p:grpSpPr>
+      <p:pic>
+        <p:nvPicPr>
+          <p:cNvPr id="5" name="Content Placeholder 4">
+            <a:extLst>
+              <a:ext uri="{FF2B5EF4-FFF2-40B4-BE49-F238E27FC236}">
+                <a16:creationId xmlns:a16="http://schemas.microsoft.com/office/drawing/2014/main" id="{2B4C4436-4F30-FEF8-D8D1-EF971EF75BB7}"/>
+              </a:ext>
+            </a:extLst>
+          </p:cNvPr>
+          <p:cNvPicPr>
+            <a:picLocks noGrp="1" noChangeAspect="1"/>
+          </p:cNvPicPr>
+          <p:nvPr>
+            <p:ph idx="1"/>
+          </p:nvPr>
+        </p:nvPicPr>
+        <p:blipFill>
+          <a:blip r:embed="rId2"/>
+          <a:stretch>
+            <a:fillRect/>
+          </a:stretch>
+        </p:blipFill>
+        <p:spPr>
+          <a:xfrm>
+            <a:off x="838201" y="365128"/>
+            <a:ext cx="8620124" cy="5811835"/>
+          </a:xfrm>
+        </p:spPr>
+      </p:pic>
+      <p:pic>
+        <p:nvPicPr>
+          <p:cNvPr id="7" name="Picture 6">
+            <a:extLst>
+              <a:ext uri="{FF2B5EF4-FFF2-40B4-BE49-F238E27FC236}">
+                <a16:creationId xmlns:a16="http://schemas.microsoft.com/office/drawing/2014/main" id="{4207F4AA-84A0-563F-7E52-272177392817}"/>
+              </a:ext>
+            </a:extLst>
+          </p:cNvPr>
+          <p:cNvPicPr>
+            <a:picLocks noChangeAspect="1"/>
+          </p:cNvPicPr>
+          <p:nvPr/>
+        </p:nvPicPr>
+        <p:blipFill>
+          <a:blip r:embed="rId3"/>
+          <a:stretch>
+            <a:fillRect/>
+          </a:stretch>
+        </p:blipFill>
+        <p:spPr>
+          <a:xfrm>
+            <a:off x="9848757" y="365128"/>
+            <a:ext cx="1333686" cy="5811835"/>
+          </a:xfrm>
+          <a:prstGeom prst="rect">
+            <a:avLst/>
+          </a:prstGeom>
+        </p:spPr>
+      </p:pic>
+    </p:spTree>
+    <p:extLst>
+      <p:ext uri="{BB962C8B-B14F-4D97-AF65-F5344CB8AC3E}">
+        <p14:creationId xmlns:p14="http://schemas.microsoft.com/office/powerpoint/2010/main" val="1988924788"/>
+      </p:ext>
+    </p:extLst>
+  </p:cSld>
+  <p:clrMapOvr>
+    <a:masterClrMapping/>
+  </p:clrMapOvr>
+</p:sld>
+</file>
+
+<file path=ppt/slides/slide14.xml><?xml version="1.0" encoding="utf-8"?>
+<p:sld xmlns:a="http://schemas.openxmlformats.org/drawingml/2006/main" xmlns:r="http://schemas.openxmlformats.org/officeDocument/2006/relationships" xmlns:p="http://schemas.openxmlformats.org/presentationml/2006/main">
+  <p:cSld>
+    <p:spTree>
+      <p:nvGrpSpPr>
+        <p:cNvPr id="1" name=""/>
+        <p:cNvGrpSpPr/>
+        <p:nvPr/>
+      </p:nvGrpSpPr>
+      <p:grpSpPr>
+        <a:xfrm>
+          <a:off x="0" y="0"/>
+          <a:ext cx="0" cy="0"/>
+          <a:chOff x="0" y="0"/>
+          <a:chExt cx="0" cy="0"/>
+        </a:xfrm>
+      </p:grpSpPr>
+      <p:sp>
+        <p:nvSpPr>
+          <p:cNvPr id="6" name="Title 5"/>
+          <p:cNvSpPr>
+            <a:spLocks noGrp="1"/>
+          </p:cNvSpPr>
+          <p:nvPr>
+            <p:ph type="title"/>
+          </p:nvPr>
+        </p:nvSpPr>
+        <p:spPr>
+          <a:xfrm>
+            <a:off x="4133850" y="1709742"/>
+            <a:ext cx="7744724" cy="809172"/>
+          </a:xfrm>
+        </p:spPr>
+        <p:txBody>
+          <a:bodyPr>
+            <a:normAutofit fontScale="90000"/>
+          </a:bodyPr>
+          <a:lstStyle/>
+          <a:p>
+            <a:pPr algn="l"/>
+            <a:r>
+              <a:rPr lang="en-US" dirty="0"/>
+              <a:t>Team Stats –Tableau Visualization</a:t>
+            </a:r>
+          </a:p>
+        </p:txBody>
+      </p:sp>
+      <p:pic>
+        <p:nvPicPr>
+          <p:cNvPr id="8" name="Picture 7"/>
+          <p:cNvPicPr>
+            <a:picLocks noChangeAspect="1"/>
+          </p:cNvPicPr>
+          <p:nvPr/>
+        </p:nvPicPr>
+        <p:blipFill>
+          <a:blip r:embed="rId3">
+            <a:extLst>
+              <a:ext uri="{28A0092B-C50C-407E-A947-70E740481C1C}">
+                <a14:useLocalDpi xmlns:a14="http://schemas.microsoft.com/office/drawing/2010/main" val="0"/>
+              </a:ext>
+            </a:extLst>
+          </a:blip>
+          <a:stretch>
+            <a:fillRect/>
+          </a:stretch>
+        </p:blipFill>
+        <p:spPr>
+          <a:xfrm>
+            <a:off x="1742674" y="3338422"/>
+            <a:ext cx="3192062" cy="3519578"/>
+          </a:xfrm>
+          <a:prstGeom prst="rect">
+            <a:avLst/>
+          </a:prstGeom>
+        </p:spPr>
+      </p:pic>
+      <p:sp>
+        <p:nvSpPr>
+          <p:cNvPr id="2" name="TextBox 1">
+            <a:extLst>
+              <a:ext uri="{FF2B5EF4-FFF2-40B4-BE49-F238E27FC236}">
+                <a16:creationId xmlns:a16="http://schemas.microsoft.com/office/drawing/2014/main" id="{6BF1AAEA-4564-FCA6-C2F1-06BAFFCD3692}"/>
+              </a:ext>
+            </a:extLst>
+          </p:cNvPr>
+          <p:cNvSpPr txBox="1"/>
+          <p:nvPr/>
+        </p:nvSpPr>
+        <p:spPr>
+          <a:xfrm>
+            <a:off x="0" y="6550223"/>
+            <a:ext cx="2657012" cy="307777"/>
+          </a:xfrm>
+          <a:prstGeom prst="rect">
+            <a:avLst/>
+          </a:prstGeom>
+          <a:noFill/>
+        </p:spPr>
+        <p:txBody>
+          <a:bodyPr wrap="square">
+            <a:spAutoFit/>
+          </a:bodyPr>
+          <a:lstStyle/>
+          <a:p>
+            <a:r>
+              <a:rPr lang="en-US" sz="1400" dirty="0"/>
+              <a:t>© Copyright Showeet.com</a:t>
+            </a:r>
+          </a:p>
+        </p:txBody>
+      </p:sp>
+    </p:spTree>
+    <p:extLst>
+      <p:ext uri="{BB962C8B-B14F-4D97-AF65-F5344CB8AC3E}">
+        <p14:creationId xmlns:p14="http://schemas.microsoft.com/office/powerpoint/2010/main" val="1433583513"/>
+      </p:ext>
+    </p:extLst>
+  </p:cSld>
+  <p:clrMapOvr>
+    <a:masterClrMapping/>
+  </p:clrMapOvr>
+</p:sld>
+</file>
+
+<file path=ppt/slides/slide15.xml><?xml version="1.0" encoding="utf-8"?>
+<p:sld xmlns:a="http://schemas.openxmlformats.org/drawingml/2006/main" xmlns:r="http://schemas.openxmlformats.org/officeDocument/2006/relationships" xmlns:p="http://schemas.openxmlformats.org/presentationml/2006/main">
+  <p:cSld>
+    <p:spTree>
+      <p:nvGrpSpPr>
+        <p:cNvPr id="1" name=""/>
+        <p:cNvGrpSpPr/>
+        <p:nvPr/>
+      </p:nvGrpSpPr>
+      <p:grpSpPr>
+        <a:xfrm>
+          <a:off x="0" y="0"/>
+          <a:ext cx="0" cy="0"/>
+          <a:chOff x="0" y="0"/>
+          <a:chExt cx="0" cy="0"/>
+        </a:xfrm>
+      </p:grpSpPr>
+      <p:sp>
+        <p:nvSpPr>
+          <p:cNvPr id="2" name="Title 1">
+            <a:extLst>
+              <a:ext uri="{FF2B5EF4-FFF2-40B4-BE49-F238E27FC236}">
+                <a16:creationId xmlns:a16="http://schemas.microsoft.com/office/drawing/2014/main" id="{CC63653E-CCFF-B5B8-21FF-1A0CC2A1CCFD}"/>
+              </a:ext>
+            </a:extLst>
+          </p:cNvPr>
+          <p:cNvSpPr>
+            <a:spLocks noGrp="1"/>
+          </p:cNvSpPr>
+          <p:nvPr>
+            <p:ph type="title"/>
+          </p:nvPr>
+        </p:nvSpPr>
+        <p:spPr/>
+        <p:txBody>
+          <a:bodyPr/>
+          <a:lstStyle/>
+          <a:p>
+            <a:endParaRPr lang="en-US"/>
+          </a:p>
+        </p:txBody>
+      </p:sp>
+      <p:pic>
+        <p:nvPicPr>
+          <p:cNvPr id="5" name="Content Placeholder 4">
+            <a:extLst>
+              <a:ext uri="{FF2B5EF4-FFF2-40B4-BE49-F238E27FC236}">
+                <a16:creationId xmlns:a16="http://schemas.microsoft.com/office/drawing/2014/main" id="{9765AA08-9AF4-8A26-EDFB-FEC862E86333}"/>
+              </a:ext>
+            </a:extLst>
+          </p:cNvPr>
+          <p:cNvPicPr>
+            <a:picLocks noGrp="1" noChangeAspect="1"/>
+          </p:cNvPicPr>
+          <p:nvPr>
+            <p:ph idx="1"/>
+          </p:nvPr>
+        </p:nvPicPr>
+        <p:blipFill>
+          <a:blip r:embed="rId2"/>
+          <a:stretch>
+            <a:fillRect/>
+          </a:stretch>
+        </p:blipFill>
+        <p:spPr>
+          <a:xfrm>
+            <a:off x="838200" y="365128"/>
+            <a:ext cx="10515600" cy="5534415"/>
+          </a:xfrm>
+        </p:spPr>
+      </p:pic>
+    </p:spTree>
+    <p:extLst>
+      <p:ext uri="{BB962C8B-B14F-4D97-AF65-F5344CB8AC3E}">
+        <p14:creationId xmlns:p14="http://schemas.microsoft.com/office/powerpoint/2010/main" val="3819260133"/>
+      </p:ext>
+    </p:extLst>
+  </p:cSld>
+  <p:clrMapOvr>
+    <a:masterClrMapping/>
+  </p:clrMapOvr>
+</p:sld>
+</file>
+
+<file path=ppt/slides/slide16.xml><?xml version="1.0" encoding="utf-8"?>
+<p:sld xmlns:a="http://schemas.openxmlformats.org/drawingml/2006/main" xmlns:r="http://schemas.openxmlformats.org/officeDocument/2006/relationships" xmlns:p="http://schemas.openxmlformats.org/presentationml/2006/main">
+  <p:cSld>
+    <p:spTree>
+      <p:nvGrpSpPr>
+        <p:cNvPr id="1" name=""/>
+        <p:cNvGrpSpPr/>
+        <p:nvPr/>
+      </p:nvGrpSpPr>
+      <p:grpSpPr>
+        <a:xfrm>
+          <a:off x="0" y="0"/>
+          <a:ext cx="0" cy="0"/>
+          <a:chOff x="0" y="0"/>
+          <a:chExt cx="0" cy="0"/>
+        </a:xfrm>
+      </p:grpSpPr>
+      <p:sp>
+        <p:nvSpPr>
+          <p:cNvPr id="2" name="Title 1">
+            <a:extLst>
+              <a:ext uri="{FF2B5EF4-FFF2-40B4-BE49-F238E27FC236}">
+                <a16:creationId xmlns:a16="http://schemas.microsoft.com/office/drawing/2014/main" id="{CC63653E-CCFF-B5B8-21FF-1A0CC2A1CCFD}"/>
+              </a:ext>
+            </a:extLst>
+          </p:cNvPr>
+          <p:cNvSpPr>
+            <a:spLocks noGrp="1"/>
+          </p:cNvSpPr>
+          <p:nvPr>
+            <p:ph type="title"/>
+          </p:nvPr>
+        </p:nvSpPr>
+        <p:spPr/>
+        <p:txBody>
+          <a:bodyPr/>
+          <a:lstStyle/>
+          <a:p>
+            <a:endParaRPr lang="en-US"/>
+          </a:p>
+        </p:txBody>
+      </p:sp>
+      <p:pic>
+        <p:nvPicPr>
+          <p:cNvPr id="5" name="Content Placeholder 4">
+            <a:extLst>
+              <a:ext uri="{FF2B5EF4-FFF2-40B4-BE49-F238E27FC236}">
+                <a16:creationId xmlns:a16="http://schemas.microsoft.com/office/drawing/2014/main" id="{2A1553F5-7578-DF8D-E722-D8AF073012D9}"/>
+              </a:ext>
+            </a:extLst>
+          </p:cNvPr>
+          <p:cNvPicPr>
+            <a:picLocks noGrp="1" noChangeAspect="1"/>
+          </p:cNvPicPr>
+          <p:nvPr>
+            <p:ph idx="1"/>
+          </p:nvPr>
+        </p:nvPicPr>
+        <p:blipFill>
+          <a:blip r:embed="rId2"/>
+          <a:stretch>
+            <a:fillRect/>
+          </a:stretch>
+        </p:blipFill>
+        <p:spPr>
+          <a:xfrm>
+            <a:off x="838200" y="365129"/>
+            <a:ext cx="10515600" cy="5740732"/>
+          </a:xfrm>
+        </p:spPr>
+      </p:pic>
+    </p:spTree>
+    <p:extLst>
+      <p:ext uri="{BB962C8B-B14F-4D97-AF65-F5344CB8AC3E}">
+        <p14:creationId xmlns:p14="http://schemas.microsoft.com/office/powerpoint/2010/main" val="2544239131"/>
+      </p:ext>
+    </p:extLst>
+  </p:cSld>
+  <p:clrMapOvr>
+    <a:masterClrMapping/>
+  </p:clrMapOvr>
+</p:sld>
+</file>
+
+<file path=ppt/slides/slide17.xml><?xml version="1.0" encoding="utf-8"?>
+<p:sld xmlns:a="http://schemas.openxmlformats.org/drawingml/2006/main" xmlns:r="http://schemas.openxmlformats.org/officeDocument/2006/relationships" xmlns:p="http://schemas.openxmlformats.org/presentationml/2006/main">
+  <p:cSld>
+    <p:spTree>
+      <p:nvGrpSpPr>
+        <p:cNvPr id="1" name=""/>
+        <p:cNvGrpSpPr/>
+        <p:nvPr/>
+      </p:nvGrpSpPr>
+      <p:grpSpPr>
+        <a:xfrm>
+          <a:off x="0" y="0"/>
+          <a:ext cx="0" cy="0"/>
+          <a:chOff x="0" y="0"/>
+          <a:chExt cx="0" cy="0"/>
+        </a:xfrm>
+      </p:grpSpPr>
+      <p:sp>
+        <p:nvSpPr>
+          <p:cNvPr id="2" name="Title 1">
+            <a:extLst>
+              <a:ext uri="{FF2B5EF4-FFF2-40B4-BE49-F238E27FC236}">
+                <a16:creationId xmlns:a16="http://schemas.microsoft.com/office/drawing/2014/main" id="{CC63653E-CCFF-B5B8-21FF-1A0CC2A1CCFD}"/>
+              </a:ext>
+            </a:extLst>
+          </p:cNvPr>
+          <p:cNvSpPr>
+            <a:spLocks noGrp="1"/>
+          </p:cNvSpPr>
+          <p:nvPr>
+            <p:ph type="title"/>
+          </p:nvPr>
+        </p:nvSpPr>
+        <p:spPr/>
+        <p:txBody>
+          <a:bodyPr/>
+          <a:lstStyle/>
+          <a:p>
+            <a:endParaRPr lang="en-US"/>
+          </a:p>
+        </p:txBody>
+      </p:sp>
+      <p:sp>
+        <p:nvSpPr>
+          <p:cNvPr id="3" name="Content Placeholder 2">
+            <a:extLst>
+              <a:ext uri="{FF2B5EF4-FFF2-40B4-BE49-F238E27FC236}">
+                <a16:creationId xmlns:a16="http://schemas.microsoft.com/office/drawing/2014/main" id="{0285FB21-8F9F-8302-C966-CC17C0753E00}"/>
+              </a:ext>
+            </a:extLst>
+          </p:cNvPr>
+          <p:cNvSpPr>
+            <a:spLocks noGrp="1"/>
+          </p:cNvSpPr>
+          <p:nvPr>
+            <p:ph idx="1"/>
+          </p:nvPr>
+        </p:nvSpPr>
+        <p:spPr/>
+        <p:txBody>
+          <a:bodyPr/>
+          <a:lstStyle/>
+          <a:p>
+            <a:endParaRPr lang="en-US"/>
+          </a:p>
+        </p:txBody>
+      </p:sp>
+    </p:spTree>
+    <p:extLst>
+      <p:ext uri="{BB962C8B-B14F-4D97-AF65-F5344CB8AC3E}">
+        <p14:creationId xmlns:p14="http://schemas.microsoft.com/office/powerpoint/2010/main" val="3819994271"/>
+      </p:ext>
+    </p:extLst>
+  </p:cSld>
+  <p:clrMapOvr>
+    <a:masterClrMapping/>
+  </p:clrMapOvr>
+</p:sld>
+</file>
+
+<file path=ppt/slides/slide18.xml><?xml version="1.0" encoding="utf-8"?>
+<p:sld xmlns:a="http://schemas.openxmlformats.org/drawingml/2006/main" xmlns:r="http://schemas.openxmlformats.org/officeDocument/2006/relationships" xmlns:p="http://schemas.openxmlformats.org/presentationml/2006/main">
+  <p:cSld>
+    <p:spTree>
+      <p:nvGrpSpPr>
+        <p:cNvPr id="1" name=""/>
+        <p:cNvGrpSpPr/>
+        <p:nvPr/>
+      </p:nvGrpSpPr>
+      <p:grpSpPr>
+        <a:xfrm>
+          <a:off x="0" y="0"/>
+          <a:ext cx="0" cy="0"/>
+          <a:chOff x="0" y="0"/>
+          <a:chExt cx="0" cy="0"/>
+        </a:xfrm>
+      </p:grpSpPr>
+      <p:sp>
+        <p:nvSpPr>
+          <p:cNvPr id="2" name="Title 1">
+            <a:extLst>
+              <a:ext uri="{FF2B5EF4-FFF2-40B4-BE49-F238E27FC236}">
+                <a16:creationId xmlns:a16="http://schemas.microsoft.com/office/drawing/2014/main" id="{CC63653E-CCFF-B5B8-21FF-1A0CC2A1CCFD}"/>
+              </a:ext>
+            </a:extLst>
+          </p:cNvPr>
+          <p:cNvSpPr>
+            <a:spLocks noGrp="1"/>
+          </p:cNvSpPr>
+          <p:nvPr>
+            <p:ph type="title"/>
+          </p:nvPr>
+        </p:nvSpPr>
+        <p:spPr/>
+        <p:txBody>
+          <a:bodyPr/>
+          <a:lstStyle/>
+          <a:p>
+            <a:endParaRPr lang="en-US"/>
+          </a:p>
+        </p:txBody>
+      </p:sp>
+      <p:pic>
+        <p:nvPicPr>
+          <p:cNvPr id="5" name="Content Placeholder 4">
+            <a:extLst>
+              <a:ext uri="{FF2B5EF4-FFF2-40B4-BE49-F238E27FC236}">
+                <a16:creationId xmlns:a16="http://schemas.microsoft.com/office/drawing/2014/main" id="{0C4FC9A9-5264-D1A1-66D4-27FA94B9D911}"/>
+              </a:ext>
+            </a:extLst>
+          </p:cNvPr>
+          <p:cNvPicPr>
+            <a:picLocks noGrp="1" noChangeAspect="1"/>
+          </p:cNvPicPr>
+          <p:nvPr>
+            <p:ph idx="1"/>
+          </p:nvPr>
+        </p:nvPicPr>
+        <p:blipFill>
+          <a:blip r:embed="rId2"/>
+          <a:stretch>
+            <a:fillRect/>
+          </a:stretch>
+        </p:blipFill>
+        <p:spPr>
+          <a:xfrm>
+            <a:off x="838200" y="365129"/>
+            <a:ext cx="10515600" cy="5516724"/>
+          </a:xfrm>
+        </p:spPr>
+      </p:pic>
+    </p:spTree>
+    <p:extLst>
+      <p:ext uri="{BB962C8B-B14F-4D97-AF65-F5344CB8AC3E}">
+        <p14:creationId xmlns:p14="http://schemas.microsoft.com/office/powerpoint/2010/main" val="96397319"/>
       </p:ext>
     </p:extLst>
   </p:cSld>
@@ -15195,21 +16078,21 @@
 </file>
 
 <file path=customXml/item1.xml><?xml version="1.0" encoding="utf-8"?>
+<?mso-contentType ?>
+<FormTemplates xmlns="http://schemas.microsoft.com/sharepoint/v3/contenttype/forms">
+  <Display>DocumentLibraryForm</Display>
+  <Edit>DocumentLibraryForm</Edit>
+  <New>DocumentLibraryForm</New>
+</FormTemplates>
+</file>
+
+<file path=customXml/item2.xml><?xml version="1.0" encoding="utf-8"?>
 <p:properties xmlns:p="http://schemas.microsoft.com/office/2006/metadata/properties" xmlns:xsi="http://www.w3.org/2001/XMLSchema-instance" xmlns:pc="http://schemas.microsoft.com/office/infopath/2007/PartnerControls">
   <documentManagement>
     <Status xmlns="71af3243-3dd4-4a8d-8c0d-dd76da1f02a5">Not started</Status>
     <MediaServiceKeyPoints xmlns="71af3243-3dd4-4a8d-8c0d-dd76da1f02a5" xsi:nil="true"/>
   </documentManagement>
 </p:properties>
-</file>
-
-<file path=customXml/item2.xml><?xml version="1.0" encoding="utf-8"?>
-<?mso-contentType ?>
-<FormTemplates xmlns="http://schemas.microsoft.com/sharepoint/v3/contenttype/forms">
-  <Display>DocumentLibraryForm</Display>
-  <Edit>DocumentLibraryForm</Edit>
-  <New>DocumentLibraryForm</New>
-</FormTemplates>
 </file>
 
 <file path=customXml/item3.xml><?xml version="1.0" encoding="utf-8"?>
@@ -15434,19 +16317,19 @@
 </file>
 
 <file path=customXml/itemProps1.xml><?xml version="1.0" encoding="utf-8"?>
+<ds:datastoreItem xmlns:ds="http://schemas.openxmlformats.org/officeDocument/2006/customXml" ds:itemID="{3C8E00D1-8EA3-4E42-801D-0253E1EAFC21}">
+  <ds:schemaRefs>
+    <ds:schemaRef ds:uri="http://schemas.microsoft.com/sharepoint/v3/contenttype/forms"/>
+  </ds:schemaRefs>
+</ds:datastoreItem>
+</file>
+
+<file path=customXml/itemProps2.xml><?xml version="1.0" encoding="utf-8"?>
 <ds:datastoreItem xmlns:ds="http://schemas.openxmlformats.org/officeDocument/2006/customXml" ds:itemID="{99919F73-B6C2-4A43-95E2-833EC48925FE}">
   <ds:schemaRefs>
     <ds:schemaRef ds:uri="http://schemas.microsoft.com/office/2006/metadata/properties"/>
     <ds:schemaRef ds:uri="http://schemas.microsoft.com/office/infopath/2007/PartnerControls"/>
     <ds:schemaRef ds:uri="71af3243-3dd4-4a8d-8c0d-dd76da1f02a5"/>
-  </ds:schemaRefs>
-</ds:datastoreItem>
-</file>
-
-<file path=customXml/itemProps2.xml><?xml version="1.0" encoding="utf-8"?>
-<ds:datastoreItem xmlns:ds="http://schemas.openxmlformats.org/officeDocument/2006/customXml" ds:itemID="{3C8E00D1-8EA3-4E42-801D-0253E1EAFC21}">
-  <ds:schemaRefs>
-    <ds:schemaRef ds:uri="http://schemas.microsoft.com/sharepoint/v3/contenttype/forms"/>
   </ds:schemaRefs>
 </ds:datastoreItem>
 </file>

--- a/project-sports-analytics-nhl3.0.pptx
+++ b/project-sports-analytics-nhl3.0.pptx
@@ -5,7 +5,7 @@
     <p:sldMasterId id="2147483718" r:id="rId4"/>
   </p:sldMasterIdLst>
   <p:notesMasterIdLst>
-    <p:notesMasterId r:id="rId23"/>
+    <p:notesMasterId r:id="rId22"/>
   </p:notesMasterIdLst>
   <p:sldIdLst>
     <p:sldId id="1029" r:id="rId5"/>
@@ -24,8 +24,7 @@
     <p:sldId id="1060" r:id="rId18"/>
     <p:sldId id="1062" r:id="rId19"/>
     <p:sldId id="1063" r:id="rId20"/>
-    <p:sldId id="1064" r:id="rId21"/>
-    <p:sldId id="1065" r:id="rId22"/>
+    <p:sldId id="1065" r:id="rId21"/>
   </p:sldIdLst>
   <p:sldSz cx="12192000" cy="6858000"/>
   <p:notesSz cx="6858000" cy="9144000"/>
@@ -13785,86 +13784,6 @@
           </a:p>
         </p:txBody>
       </p:sp>
-      <p:sp>
-        <p:nvSpPr>
-          <p:cNvPr id="3" name="Content Placeholder 2">
-            <a:extLst>
-              <a:ext uri="{FF2B5EF4-FFF2-40B4-BE49-F238E27FC236}">
-                <a16:creationId xmlns:a16="http://schemas.microsoft.com/office/drawing/2014/main" id="{0285FB21-8F9F-8302-C966-CC17C0753E00}"/>
-              </a:ext>
-            </a:extLst>
-          </p:cNvPr>
-          <p:cNvSpPr>
-            <a:spLocks noGrp="1"/>
-          </p:cNvSpPr>
-          <p:nvPr>
-            <p:ph idx="1"/>
-          </p:nvPr>
-        </p:nvSpPr>
-        <p:spPr/>
-        <p:txBody>
-          <a:bodyPr/>
-          <a:lstStyle/>
-          <a:p>
-            <a:endParaRPr lang="en-US"/>
-          </a:p>
-        </p:txBody>
-      </p:sp>
-    </p:spTree>
-    <p:extLst>
-      <p:ext uri="{BB962C8B-B14F-4D97-AF65-F5344CB8AC3E}">
-        <p14:creationId xmlns:p14="http://schemas.microsoft.com/office/powerpoint/2010/main" val="3819994271"/>
-      </p:ext>
-    </p:extLst>
-  </p:cSld>
-  <p:clrMapOvr>
-    <a:masterClrMapping/>
-  </p:clrMapOvr>
-</p:sld>
-</file>
-
-<file path=ppt/slides/slide18.xml><?xml version="1.0" encoding="utf-8"?>
-<p:sld xmlns:a="http://schemas.openxmlformats.org/drawingml/2006/main" xmlns:r="http://schemas.openxmlformats.org/officeDocument/2006/relationships" xmlns:p="http://schemas.openxmlformats.org/presentationml/2006/main">
-  <p:cSld>
-    <p:spTree>
-      <p:nvGrpSpPr>
-        <p:cNvPr id="1" name=""/>
-        <p:cNvGrpSpPr/>
-        <p:nvPr/>
-      </p:nvGrpSpPr>
-      <p:grpSpPr>
-        <a:xfrm>
-          <a:off x="0" y="0"/>
-          <a:ext cx="0" cy="0"/>
-          <a:chOff x="0" y="0"/>
-          <a:chExt cx="0" cy="0"/>
-        </a:xfrm>
-      </p:grpSpPr>
-      <p:sp>
-        <p:nvSpPr>
-          <p:cNvPr id="2" name="Title 1">
-            <a:extLst>
-              <a:ext uri="{FF2B5EF4-FFF2-40B4-BE49-F238E27FC236}">
-                <a16:creationId xmlns:a16="http://schemas.microsoft.com/office/drawing/2014/main" id="{CC63653E-CCFF-B5B8-21FF-1A0CC2A1CCFD}"/>
-              </a:ext>
-            </a:extLst>
-          </p:cNvPr>
-          <p:cNvSpPr>
-            <a:spLocks noGrp="1"/>
-          </p:cNvSpPr>
-          <p:nvPr>
-            <p:ph type="title"/>
-          </p:nvPr>
-        </p:nvSpPr>
-        <p:spPr/>
-        <p:txBody>
-          <a:bodyPr/>
-          <a:lstStyle/>
-          <a:p>
-            <a:endParaRPr lang="en-US"/>
-          </a:p>
-        </p:txBody>
-      </p:sp>
       <p:pic>
         <p:nvPicPr>
           <p:cNvPr id="5" name="Content Placeholder 4">
@@ -14036,7 +13955,7 @@
                   </a:schemeClr>
                 </a:solidFill>
               </a:rPr>
-              <a:t>- Visualization</a:t>
+              <a:t>- Visualizations</a:t>
             </a:r>
           </a:p>
           <a:p>
@@ -16078,21 +15997,21 @@
 </file>
 
 <file path=customXml/item1.xml><?xml version="1.0" encoding="utf-8"?>
+<p:properties xmlns:p="http://schemas.microsoft.com/office/2006/metadata/properties" xmlns:xsi="http://www.w3.org/2001/XMLSchema-instance" xmlns:pc="http://schemas.microsoft.com/office/infopath/2007/PartnerControls">
+  <documentManagement>
+    <Status xmlns="71af3243-3dd4-4a8d-8c0d-dd76da1f02a5">Not started</Status>
+    <MediaServiceKeyPoints xmlns="71af3243-3dd4-4a8d-8c0d-dd76da1f02a5" xsi:nil="true"/>
+  </documentManagement>
+</p:properties>
+</file>
+
+<file path=customXml/item2.xml><?xml version="1.0" encoding="utf-8"?>
 <?mso-contentType ?>
 <FormTemplates xmlns="http://schemas.microsoft.com/sharepoint/v3/contenttype/forms">
   <Display>DocumentLibraryForm</Display>
   <Edit>DocumentLibraryForm</Edit>
   <New>DocumentLibraryForm</New>
 </FormTemplates>
-</file>
-
-<file path=customXml/item2.xml><?xml version="1.0" encoding="utf-8"?>
-<p:properties xmlns:p="http://schemas.microsoft.com/office/2006/metadata/properties" xmlns:xsi="http://www.w3.org/2001/XMLSchema-instance" xmlns:pc="http://schemas.microsoft.com/office/infopath/2007/PartnerControls">
-  <documentManagement>
-    <Status xmlns="71af3243-3dd4-4a8d-8c0d-dd76da1f02a5">Not started</Status>
-    <MediaServiceKeyPoints xmlns="71af3243-3dd4-4a8d-8c0d-dd76da1f02a5" xsi:nil="true"/>
-  </documentManagement>
-</p:properties>
 </file>
 
 <file path=customXml/item3.xml><?xml version="1.0" encoding="utf-8"?>
@@ -16317,19 +16236,19 @@
 </file>
 
 <file path=customXml/itemProps1.xml><?xml version="1.0" encoding="utf-8"?>
-<ds:datastoreItem xmlns:ds="http://schemas.openxmlformats.org/officeDocument/2006/customXml" ds:itemID="{3C8E00D1-8EA3-4E42-801D-0253E1EAFC21}">
+<ds:datastoreItem xmlns:ds="http://schemas.openxmlformats.org/officeDocument/2006/customXml" ds:itemID="{99919F73-B6C2-4A43-95E2-833EC48925FE}">
   <ds:schemaRefs>
-    <ds:schemaRef ds:uri="http://schemas.microsoft.com/sharepoint/v3/contenttype/forms"/>
+    <ds:schemaRef ds:uri="http://schemas.microsoft.com/office/2006/metadata/properties"/>
+    <ds:schemaRef ds:uri="http://schemas.microsoft.com/office/infopath/2007/PartnerControls"/>
+    <ds:schemaRef ds:uri="71af3243-3dd4-4a8d-8c0d-dd76da1f02a5"/>
   </ds:schemaRefs>
 </ds:datastoreItem>
 </file>
 
 <file path=customXml/itemProps2.xml><?xml version="1.0" encoding="utf-8"?>
-<ds:datastoreItem xmlns:ds="http://schemas.openxmlformats.org/officeDocument/2006/customXml" ds:itemID="{99919F73-B6C2-4A43-95E2-833EC48925FE}">
+<ds:datastoreItem xmlns:ds="http://schemas.openxmlformats.org/officeDocument/2006/customXml" ds:itemID="{3C8E00D1-8EA3-4E42-801D-0253E1EAFC21}">
   <ds:schemaRefs>
-    <ds:schemaRef ds:uri="http://schemas.microsoft.com/office/2006/metadata/properties"/>
-    <ds:schemaRef ds:uri="http://schemas.microsoft.com/office/infopath/2007/PartnerControls"/>
-    <ds:schemaRef ds:uri="71af3243-3dd4-4a8d-8c0d-dd76da1f02a5"/>
+    <ds:schemaRef ds:uri="http://schemas.microsoft.com/sharepoint/v3/contenttype/forms"/>
   </ds:schemaRefs>
 </ds:datastoreItem>
 </file>

--- a/project-sports-analytics-nhl3.0.pptx
+++ b/project-sports-analytics-nhl3.0.pptx
@@ -13430,6 +13430,36 @@
           <a:xfrm>
             <a:off x="9848757" y="365128"/>
             <a:ext cx="1333686" cy="5811835"/>
+          </a:xfrm>
+          <a:prstGeom prst="rect">
+            <a:avLst/>
+          </a:prstGeom>
+        </p:spPr>
+      </p:pic>
+      <p:pic>
+        <p:nvPicPr>
+          <p:cNvPr id="3" name="Picture 2">
+            <a:extLst>
+              <a:ext uri="{FF2B5EF4-FFF2-40B4-BE49-F238E27FC236}">
+                <a16:creationId xmlns:a16="http://schemas.microsoft.com/office/drawing/2014/main" id="{F0312B04-72E2-1331-3BE5-6D72C136C28B}"/>
+              </a:ext>
+            </a:extLst>
+          </p:cNvPr>
+          <p:cNvPicPr>
+            <a:picLocks noChangeAspect="1"/>
+          </p:cNvPicPr>
+          <p:nvPr/>
+        </p:nvPicPr>
+        <p:blipFill>
+          <a:blip r:embed="rId4"/>
+          <a:stretch>
+            <a:fillRect/>
+          </a:stretch>
+        </p:blipFill>
+        <p:spPr>
+          <a:xfrm>
+            <a:off x="600075" y="365129"/>
+            <a:ext cx="10753724" cy="5949946"/>
           </a:xfrm>
           <a:prstGeom prst="rect">
             <a:avLst/>
@@ -15997,21 +16027,21 @@
 </file>
 
 <file path=customXml/item1.xml><?xml version="1.0" encoding="utf-8"?>
+<?mso-contentType ?>
+<FormTemplates xmlns="http://schemas.microsoft.com/sharepoint/v3/contenttype/forms">
+  <Display>DocumentLibraryForm</Display>
+  <Edit>DocumentLibraryForm</Edit>
+  <New>DocumentLibraryForm</New>
+</FormTemplates>
+</file>
+
+<file path=customXml/item2.xml><?xml version="1.0" encoding="utf-8"?>
 <p:properties xmlns:p="http://schemas.microsoft.com/office/2006/metadata/properties" xmlns:xsi="http://www.w3.org/2001/XMLSchema-instance" xmlns:pc="http://schemas.microsoft.com/office/infopath/2007/PartnerControls">
   <documentManagement>
     <Status xmlns="71af3243-3dd4-4a8d-8c0d-dd76da1f02a5">Not started</Status>
     <MediaServiceKeyPoints xmlns="71af3243-3dd4-4a8d-8c0d-dd76da1f02a5" xsi:nil="true"/>
   </documentManagement>
 </p:properties>
-</file>
-
-<file path=customXml/item2.xml><?xml version="1.0" encoding="utf-8"?>
-<?mso-contentType ?>
-<FormTemplates xmlns="http://schemas.microsoft.com/sharepoint/v3/contenttype/forms">
-  <Display>DocumentLibraryForm</Display>
-  <Edit>DocumentLibraryForm</Edit>
-  <New>DocumentLibraryForm</New>
-</FormTemplates>
 </file>
 
 <file path=customXml/item3.xml><?xml version="1.0" encoding="utf-8"?>
@@ -16236,19 +16266,19 @@
 </file>
 
 <file path=customXml/itemProps1.xml><?xml version="1.0" encoding="utf-8"?>
+<ds:datastoreItem xmlns:ds="http://schemas.openxmlformats.org/officeDocument/2006/customXml" ds:itemID="{3C8E00D1-8EA3-4E42-801D-0253E1EAFC21}">
+  <ds:schemaRefs>
+    <ds:schemaRef ds:uri="http://schemas.microsoft.com/sharepoint/v3/contenttype/forms"/>
+  </ds:schemaRefs>
+</ds:datastoreItem>
+</file>
+
+<file path=customXml/itemProps2.xml><?xml version="1.0" encoding="utf-8"?>
 <ds:datastoreItem xmlns:ds="http://schemas.openxmlformats.org/officeDocument/2006/customXml" ds:itemID="{99919F73-B6C2-4A43-95E2-833EC48925FE}">
   <ds:schemaRefs>
     <ds:schemaRef ds:uri="http://schemas.microsoft.com/office/2006/metadata/properties"/>
     <ds:schemaRef ds:uri="http://schemas.microsoft.com/office/infopath/2007/PartnerControls"/>
     <ds:schemaRef ds:uri="71af3243-3dd4-4a8d-8c0d-dd76da1f02a5"/>
-  </ds:schemaRefs>
-</ds:datastoreItem>
-</file>
-
-<file path=customXml/itemProps2.xml><?xml version="1.0" encoding="utf-8"?>
-<ds:datastoreItem xmlns:ds="http://schemas.openxmlformats.org/officeDocument/2006/customXml" ds:itemID="{3C8E00D1-8EA3-4E42-801D-0253E1EAFC21}">
-  <ds:schemaRefs>
-    <ds:schemaRef ds:uri="http://schemas.microsoft.com/sharepoint/v3/contenttype/forms"/>
   </ds:schemaRefs>
 </ds:datastoreItem>
 </file>

--- a/project-sports-analytics-nhl3.0.pptx
+++ b/project-sports-analytics-nhl3.0.pptx
@@ -11,20 +11,20 @@
     <p:sldId id="1029" r:id="rId5"/>
     <p:sldId id="1031" r:id="rId6"/>
     <p:sldId id="1034" r:id="rId7"/>
-    <p:sldId id="1045" r:id="rId8"/>
-    <p:sldId id="1041" r:id="rId9"/>
-    <p:sldId id="1053" r:id="rId10"/>
-    <p:sldId id="1054" r:id="rId11"/>
-    <p:sldId id="1055" r:id="rId12"/>
-    <p:sldId id="1056" r:id="rId13"/>
-    <p:sldId id="1057" r:id="rId14"/>
-    <p:sldId id="1058" r:id="rId15"/>
-    <p:sldId id="1061" r:id="rId16"/>
-    <p:sldId id="1059" r:id="rId17"/>
-    <p:sldId id="1060" r:id="rId18"/>
-    <p:sldId id="1062" r:id="rId19"/>
-    <p:sldId id="1063" r:id="rId20"/>
-    <p:sldId id="1065" r:id="rId21"/>
+    <p:sldId id="1060" r:id="rId8"/>
+    <p:sldId id="1062" r:id="rId9"/>
+    <p:sldId id="1063" r:id="rId10"/>
+    <p:sldId id="1065" r:id="rId11"/>
+    <p:sldId id="1045" r:id="rId12"/>
+    <p:sldId id="1041" r:id="rId13"/>
+    <p:sldId id="1053" r:id="rId14"/>
+    <p:sldId id="1054" r:id="rId15"/>
+    <p:sldId id="1055" r:id="rId16"/>
+    <p:sldId id="1056" r:id="rId17"/>
+    <p:sldId id="1057" r:id="rId18"/>
+    <p:sldId id="1058" r:id="rId19"/>
+    <p:sldId id="1061" r:id="rId20"/>
+    <p:sldId id="1059" r:id="rId21"/>
   </p:sldIdLst>
   <p:sldSz cx="12192000" cy="6858000"/>
   <p:notesSz cx="6858000" cy="9144000"/>
@@ -774,6 +774,1222 @@
                 <a:tabLst/>
                 <a:defRPr/>
               </a:pPr>
+              <a:t>13</a:t>
+            </a:fld>
+            <a:endParaRPr kumimoji="0" lang="en-US" sz="1200" b="0" i="0" u="none" strike="noStrike" kern="1200" cap="none" spc="0" normalizeH="0" baseline="0" noProof="0">
+              <a:ln>
+                <a:noFill/>
+              </a:ln>
+              <a:solidFill>
+                <a:prstClr val="black"/>
+              </a:solidFill>
+              <a:effectLst/>
+              <a:uLnTx/>
+              <a:uFillTx/>
+              <a:latin typeface="Calibri" panose="020F0502020204030204"/>
+              <a:ea typeface="+mn-ea"/>
+              <a:cs typeface="+mn-cs"/>
+            </a:endParaRPr>
+          </a:p>
+        </p:txBody>
+      </p:sp>
+    </p:spTree>
+    <p:extLst>
+      <p:ext uri="{BB962C8B-B14F-4D97-AF65-F5344CB8AC3E}">
+        <p14:creationId xmlns:p14="http://schemas.microsoft.com/office/powerpoint/2010/main" val="3578084510"/>
+      </p:ext>
+    </p:extLst>
+  </p:cSld>
+  <p:clrMapOvr>
+    <a:masterClrMapping/>
+  </p:clrMapOvr>
+</p:notes>
+</file>
+
+<file path=ppt/notesSlides/notesSlide11.xml><?xml version="1.0" encoding="utf-8"?>
+<p:notes xmlns:a="http://schemas.openxmlformats.org/drawingml/2006/main" xmlns:r="http://schemas.openxmlformats.org/officeDocument/2006/relationships" xmlns:p="http://schemas.openxmlformats.org/presentationml/2006/main">
+  <p:cSld>
+    <p:spTree>
+      <p:nvGrpSpPr>
+        <p:cNvPr id="1" name=""/>
+        <p:cNvGrpSpPr/>
+        <p:nvPr/>
+      </p:nvGrpSpPr>
+      <p:grpSpPr>
+        <a:xfrm>
+          <a:off x="0" y="0"/>
+          <a:ext cx="0" cy="0"/>
+          <a:chOff x="0" y="0"/>
+          <a:chExt cx="0" cy="0"/>
+        </a:xfrm>
+      </p:grpSpPr>
+      <p:sp>
+        <p:nvSpPr>
+          <p:cNvPr id="2" name="Slide Image Placeholder 1"/>
+          <p:cNvSpPr>
+            <a:spLocks noGrp="1" noRot="1" noChangeAspect="1"/>
+          </p:cNvSpPr>
+          <p:nvPr>
+            <p:ph type="sldImg"/>
+          </p:nvPr>
+        </p:nvSpPr>
+        <p:spPr/>
+      </p:sp>
+      <p:sp>
+        <p:nvSpPr>
+          <p:cNvPr id="3" name="Notes Placeholder 2"/>
+          <p:cNvSpPr>
+            <a:spLocks noGrp="1"/>
+          </p:cNvSpPr>
+          <p:nvPr>
+            <p:ph type="body" idx="1"/>
+          </p:nvPr>
+        </p:nvSpPr>
+        <p:spPr/>
+        <p:txBody>
+          <a:bodyPr/>
+          <a:lstStyle/>
+          <a:p>
+            <a:r>
+              <a:rPr lang="en-US" sz="1200">
+                <a:solidFill>
+                  <a:prstClr val="black"/>
+                </a:solidFill>
+              </a:rPr>
+              <a:t>© Copyright Showeet.com – Free PowerPoint Templates</a:t>
+            </a:r>
+            <a:endParaRPr lang="en-US"/>
+          </a:p>
+        </p:txBody>
+      </p:sp>
+      <p:sp>
+        <p:nvSpPr>
+          <p:cNvPr id="4" name="Slide Number Placeholder 3"/>
+          <p:cNvSpPr>
+            <a:spLocks noGrp="1"/>
+          </p:cNvSpPr>
+          <p:nvPr>
+            <p:ph type="sldNum" sz="quarter" idx="10"/>
+          </p:nvPr>
+        </p:nvSpPr>
+        <p:spPr/>
+        <p:txBody>
+          <a:bodyPr/>
+          <a:lstStyle/>
+          <a:p>
+            <a:pPr marL="0" marR="0" lvl="0" indent="0" algn="r" defTabSz="914400" rtl="0" eaLnBrk="1" fontAlgn="auto" latinLnBrk="0" hangingPunct="1">
+              <a:lnSpc>
+                <a:spcPct val="100000"/>
+              </a:lnSpc>
+              <a:spcBef>
+                <a:spcPts val="0"/>
+              </a:spcBef>
+              <a:spcAft>
+                <a:spcPts val="0"/>
+              </a:spcAft>
+              <a:buClrTx/>
+              <a:buSzTx/>
+              <a:buFontTx/>
+              <a:buNone/>
+              <a:tabLst/>
+              <a:defRPr/>
+            </a:pPr>
+            <a:fld id="{46B9B405-4F4D-4594-A1A1-988AA5F62729}" type="slidenum">
+              <a:rPr kumimoji="0" lang="en-US" sz="1200" b="0" i="0" u="none" strike="noStrike" kern="1200" cap="none" spc="0" normalizeH="0" baseline="0" noProof="0" smtClean="0">
+                <a:ln>
+                  <a:noFill/>
+                </a:ln>
+                <a:solidFill>
+                  <a:prstClr val="black"/>
+                </a:solidFill>
+                <a:effectLst/>
+                <a:uLnTx/>
+                <a:uFillTx/>
+                <a:latin typeface="Calibri" panose="020F0502020204030204"/>
+                <a:ea typeface="+mn-ea"/>
+                <a:cs typeface="+mn-cs"/>
+              </a:rPr>
+              <a:pPr marL="0" marR="0" lvl="0" indent="0" algn="r" defTabSz="914400" rtl="0" eaLnBrk="1" fontAlgn="auto" latinLnBrk="0" hangingPunct="1">
+                <a:lnSpc>
+                  <a:spcPct val="100000"/>
+                </a:lnSpc>
+                <a:spcBef>
+                  <a:spcPts val="0"/>
+                </a:spcBef>
+                <a:spcAft>
+                  <a:spcPts val="0"/>
+                </a:spcAft>
+                <a:buClrTx/>
+                <a:buSzTx/>
+                <a:buFontTx/>
+                <a:buNone/>
+                <a:tabLst/>
+                <a:defRPr/>
+              </a:pPr>
+              <a:t>14</a:t>
+            </a:fld>
+            <a:endParaRPr kumimoji="0" lang="en-US" sz="1200" b="0" i="0" u="none" strike="noStrike" kern="1200" cap="none" spc="0" normalizeH="0" baseline="0" noProof="0">
+              <a:ln>
+                <a:noFill/>
+              </a:ln>
+              <a:solidFill>
+                <a:prstClr val="black"/>
+              </a:solidFill>
+              <a:effectLst/>
+              <a:uLnTx/>
+              <a:uFillTx/>
+              <a:latin typeface="Calibri" panose="020F0502020204030204"/>
+              <a:ea typeface="+mn-ea"/>
+              <a:cs typeface="+mn-cs"/>
+            </a:endParaRPr>
+          </a:p>
+        </p:txBody>
+      </p:sp>
+    </p:spTree>
+    <p:extLst>
+      <p:ext uri="{BB962C8B-B14F-4D97-AF65-F5344CB8AC3E}">
+        <p14:creationId xmlns:p14="http://schemas.microsoft.com/office/powerpoint/2010/main" val="3624117091"/>
+      </p:ext>
+    </p:extLst>
+  </p:cSld>
+  <p:clrMapOvr>
+    <a:masterClrMapping/>
+  </p:clrMapOvr>
+</p:notes>
+</file>
+
+<file path=ppt/notesSlides/notesSlide12.xml><?xml version="1.0" encoding="utf-8"?>
+<p:notes xmlns:a="http://schemas.openxmlformats.org/drawingml/2006/main" xmlns:r="http://schemas.openxmlformats.org/officeDocument/2006/relationships" xmlns:p="http://schemas.openxmlformats.org/presentationml/2006/main">
+  <p:cSld>
+    <p:spTree>
+      <p:nvGrpSpPr>
+        <p:cNvPr id="1" name=""/>
+        <p:cNvGrpSpPr/>
+        <p:nvPr/>
+      </p:nvGrpSpPr>
+      <p:grpSpPr>
+        <a:xfrm>
+          <a:off x="0" y="0"/>
+          <a:ext cx="0" cy="0"/>
+          <a:chOff x="0" y="0"/>
+          <a:chExt cx="0" cy="0"/>
+        </a:xfrm>
+      </p:grpSpPr>
+      <p:sp>
+        <p:nvSpPr>
+          <p:cNvPr id="2" name="Slide Image Placeholder 1"/>
+          <p:cNvSpPr>
+            <a:spLocks noGrp="1" noRot="1" noChangeAspect="1"/>
+          </p:cNvSpPr>
+          <p:nvPr>
+            <p:ph type="sldImg"/>
+          </p:nvPr>
+        </p:nvSpPr>
+        <p:spPr/>
+      </p:sp>
+      <p:sp>
+        <p:nvSpPr>
+          <p:cNvPr id="3" name="Notes Placeholder 2"/>
+          <p:cNvSpPr>
+            <a:spLocks noGrp="1"/>
+          </p:cNvSpPr>
+          <p:nvPr>
+            <p:ph type="body" idx="1"/>
+          </p:nvPr>
+        </p:nvSpPr>
+        <p:spPr/>
+        <p:txBody>
+          <a:bodyPr/>
+          <a:lstStyle/>
+          <a:p>
+            <a:r>
+              <a:rPr lang="en-US" sz="1200">
+                <a:solidFill>
+                  <a:prstClr val="black"/>
+                </a:solidFill>
+              </a:rPr>
+              <a:t>© Copyright Showeet.com – Free PowerPoint Templates</a:t>
+            </a:r>
+            <a:endParaRPr lang="en-US"/>
+          </a:p>
+        </p:txBody>
+      </p:sp>
+      <p:sp>
+        <p:nvSpPr>
+          <p:cNvPr id="4" name="Slide Number Placeholder 3"/>
+          <p:cNvSpPr>
+            <a:spLocks noGrp="1"/>
+          </p:cNvSpPr>
+          <p:nvPr>
+            <p:ph type="sldNum" sz="quarter" idx="10"/>
+          </p:nvPr>
+        </p:nvSpPr>
+        <p:spPr/>
+        <p:txBody>
+          <a:bodyPr/>
+          <a:lstStyle/>
+          <a:p>
+            <a:pPr marL="0" marR="0" lvl="0" indent="0" algn="r" defTabSz="914400" rtl="0" eaLnBrk="1" fontAlgn="auto" latinLnBrk="0" hangingPunct="1">
+              <a:lnSpc>
+                <a:spcPct val="100000"/>
+              </a:lnSpc>
+              <a:spcBef>
+                <a:spcPts val="0"/>
+              </a:spcBef>
+              <a:spcAft>
+                <a:spcPts val="0"/>
+              </a:spcAft>
+              <a:buClrTx/>
+              <a:buSzTx/>
+              <a:buFontTx/>
+              <a:buNone/>
+              <a:tabLst/>
+              <a:defRPr/>
+            </a:pPr>
+            <a:fld id="{46B9B405-4F4D-4594-A1A1-988AA5F62729}" type="slidenum">
+              <a:rPr kumimoji="0" lang="en-US" sz="1200" b="0" i="0" u="none" strike="noStrike" kern="1200" cap="none" spc="0" normalizeH="0" baseline="0" noProof="0" smtClean="0">
+                <a:ln>
+                  <a:noFill/>
+                </a:ln>
+                <a:solidFill>
+                  <a:prstClr val="black"/>
+                </a:solidFill>
+                <a:effectLst/>
+                <a:uLnTx/>
+                <a:uFillTx/>
+                <a:latin typeface="Calibri" panose="020F0502020204030204"/>
+                <a:ea typeface="+mn-ea"/>
+                <a:cs typeface="+mn-cs"/>
+              </a:rPr>
+              <a:pPr marL="0" marR="0" lvl="0" indent="0" algn="r" defTabSz="914400" rtl="0" eaLnBrk="1" fontAlgn="auto" latinLnBrk="0" hangingPunct="1">
+                <a:lnSpc>
+                  <a:spcPct val="100000"/>
+                </a:lnSpc>
+                <a:spcBef>
+                  <a:spcPts val="0"/>
+                </a:spcBef>
+                <a:spcAft>
+                  <a:spcPts val="0"/>
+                </a:spcAft>
+                <a:buClrTx/>
+                <a:buSzTx/>
+                <a:buFontTx/>
+                <a:buNone/>
+                <a:tabLst/>
+                <a:defRPr/>
+              </a:pPr>
+              <a:t>15</a:t>
+            </a:fld>
+            <a:endParaRPr kumimoji="0" lang="en-US" sz="1200" b="0" i="0" u="none" strike="noStrike" kern="1200" cap="none" spc="0" normalizeH="0" baseline="0" noProof="0">
+              <a:ln>
+                <a:noFill/>
+              </a:ln>
+              <a:solidFill>
+                <a:prstClr val="black"/>
+              </a:solidFill>
+              <a:effectLst/>
+              <a:uLnTx/>
+              <a:uFillTx/>
+              <a:latin typeface="Calibri" panose="020F0502020204030204"/>
+              <a:ea typeface="+mn-ea"/>
+              <a:cs typeface="+mn-cs"/>
+            </a:endParaRPr>
+          </a:p>
+        </p:txBody>
+      </p:sp>
+    </p:spTree>
+    <p:extLst>
+      <p:ext uri="{BB962C8B-B14F-4D97-AF65-F5344CB8AC3E}">
+        <p14:creationId xmlns:p14="http://schemas.microsoft.com/office/powerpoint/2010/main" val="3471083749"/>
+      </p:ext>
+    </p:extLst>
+  </p:cSld>
+  <p:clrMapOvr>
+    <a:masterClrMapping/>
+  </p:clrMapOvr>
+</p:notes>
+</file>
+
+<file path=ppt/notesSlides/notesSlide2.xml><?xml version="1.0" encoding="utf-8"?>
+<p:notes xmlns:a="http://schemas.openxmlformats.org/drawingml/2006/main" xmlns:r="http://schemas.openxmlformats.org/officeDocument/2006/relationships" xmlns:p="http://schemas.openxmlformats.org/presentationml/2006/main">
+  <p:cSld>
+    <p:spTree>
+      <p:nvGrpSpPr>
+        <p:cNvPr id="1" name=""/>
+        <p:cNvGrpSpPr/>
+        <p:nvPr/>
+      </p:nvGrpSpPr>
+      <p:grpSpPr>
+        <a:xfrm>
+          <a:off x="0" y="0"/>
+          <a:ext cx="0" cy="0"/>
+          <a:chOff x="0" y="0"/>
+          <a:chExt cx="0" cy="0"/>
+        </a:xfrm>
+      </p:grpSpPr>
+      <p:sp>
+        <p:nvSpPr>
+          <p:cNvPr id="2" name="Slide Image Placeholder 1"/>
+          <p:cNvSpPr>
+            <a:spLocks noGrp="1" noRot="1" noChangeAspect="1"/>
+          </p:cNvSpPr>
+          <p:nvPr>
+            <p:ph type="sldImg"/>
+          </p:nvPr>
+        </p:nvSpPr>
+        <p:spPr/>
+      </p:sp>
+      <p:sp>
+        <p:nvSpPr>
+          <p:cNvPr id="3" name="Notes Placeholder 2"/>
+          <p:cNvSpPr>
+            <a:spLocks noGrp="1"/>
+          </p:cNvSpPr>
+          <p:nvPr>
+            <p:ph type="body" idx="1"/>
+          </p:nvPr>
+        </p:nvSpPr>
+        <p:spPr/>
+        <p:txBody>
+          <a:bodyPr/>
+          <a:lstStyle/>
+          <a:p>
+            <a:r>
+              <a:rPr lang="en-US" sz="1200">
+                <a:solidFill>
+                  <a:prstClr val="black"/>
+                </a:solidFill>
+              </a:rPr>
+              <a:t>© Copyright Showeet.com – Free PowerPoint Templates</a:t>
+            </a:r>
+            <a:endParaRPr lang="en-US"/>
+          </a:p>
+        </p:txBody>
+      </p:sp>
+      <p:sp>
+        <p:nvSpPr>
+          <p:cNvPr id="4" name="Slide Number Placeholder 3"/>
+          <p:cNvSpPr>
+            <a:spLocks noGrp="1"/>
+          </p:cNvSpPr>
+          <p:nvPr>
+            <p:ph type="sldNum" sz="quarter" idx="10"/>
+          </p:nvPr>
+        </p:nvSpPr>
+        <p:spPr/>
+        <p:txBody>
+          <a:bodyPr/>
+          <a:lstStyle/>
+          <a:p>
+            <a:pPr marL="0" marR="0" lvl="0" indent="0" algn="r" defTabSz="914400" rtl="0" eaLnBrk="1" fontAlgn="auto" latinLnBrk="0" hangingPunct="1">
+              <a:lnSpc>
+                <a:spcPct val="100000"/>
+              </a:lnSpc>
+              <a:spcBef>
+                <a:spcPts val="0"/>
+              </a:spcBef>
+              <a:spcAft>
+                <a:spcPts val="0"/>
+              </a:spcAft>
+              <a:buClrTx/>
+              <a:buSzTx/>
+              <a:buFontTx/>
+              <a:buNone/>
+              <a:tabLst/>
+              <a:defRPr/>
+            </a:pPr>
+            <a:fld id="{46B9B405-4F4D-4594-A1A1-988AA5F62729}" type="slidenum">
+              <a:rPr kumimoji="0" lang="en-US" sz="1200" b="0" i="0" u="none" strike="noStrike" kern="1200" cap="none" spc="0" normalizeH="0" baseline="0" noProof="0" smtClean="0">
+                <a:ln>
+                  <a:noFill/>
+                </a:ln>
+                <a:solidFill>
+                  <a:prstClr val="black"/>
+                </a:solidFill>
+                <a:effectLst/>
+                <a:uLnTx/>
+                <a:uFillTx/>
+                <a:latin typeface="Calibri" panose="020F0502020204030204"/>
+                <a:ea typeface="+mn-ea"/>
+                <a:cs typeface="+mn-cs"/>
+              </a:rPr>
+              <a:pPr marL="0" marR="0" lvl="0" indent="0" algn="r" defTabSz="914400" rtl="0" eaLnBrk="1" fontAlgn="auto" latinLnBrk="0" hangingPunct="1">
+                <a:lnSpc>
+                  <a:spcPct val="100000"/>
+                </a:lnSpc>
+                <a:spcBef>
+                  <a:spcPts val="0"/>
+                </a:spcBef>
+                <a:spcAft>
+                  <a:spcPts val="0"/>
+                </a:spcAft>
+                <a:buClrTx/>
+                <a:buSzTx/>
+                <a:buFontTx/>
+                <a:buNone/>
+                <a:tabLst/>
+                <a:defRPr/>
+              </a:pPr>
+              <a:t>2</a:t>
+            </a:fld>
+            <a:endParaRPr kumimoji="0" lang="en-US" sz="1200" b="0" i="0" u="none" strike="noStrike" kern="1200" cap="none" spc="0" normalizeH="0" baseline="0" noProof="0">
+              <a:ln>
+                <a:noFill/>
+              </a:ln>
+              <a:solidFill>
+                <a:prstClr val="black"/>
+              </a:solidFill>
+              <a:effectLst/>
+              <a:uLnTx/>
+              <a:uFillTx/>
+              <a:latin typeface="Calibri" panose="020F0502020204030204"/>
+              <a:ea typeface="+mn-ea"/>
+              <a:cs typeface="+mn-cs"/>
+            </a:endParaRPr>
+          </a:p>
+        </p:txBody>
+      </p:sp>
+    </p:spTree>
+    <p:extLst>
+      <p:ext uri="{BB962C8B-B14F-4D97-AF65-F5344CB8AC3E}">
+        <p14:creationId xmlns:p14="http://schemas.microsoft.com/office/powerpoint/2010/main" val="3759499404"/>
+      </p:ext>
+    </p:extLst>
+  </p:cSld>
+  <p:clrMapOvr>
+    <a:masterClrMapping/>
+  </p:clrMapOvr>
+</p:notes>
+</file>
+
+<file path=ppt/notesSlides/notesSlide3.xml><?xml version="1.0" encoding="utf-8"?>
+<p:notes xmlns:a="http://schemas.openxmlformats.org/drawingml/2006/main" xmlns:r="http://schemas.openxmlformats.org/officeDocument/2006/relationships" xmlns:p="http://schemas.openxmlformats.org/presentationml/2006/main">
+  <p:cSld>
+    <p:spTree>
+      <p:nvGrpSpPr>
+        <p:cNvPr id="1" name=""/>
+        <p:cNvGrpSpPr/>
+        <p:nvPr/>
+      </p:nvGrpSpPr>
+      <p:grpSpPr>
+        <a:xfrm>
+          <a:off x="0" y="0"/>
+          <a:ext cx="0" cy="0"/>
+          <a:chOff x="0" y="0"/>
+          <a:chExt cx="0" cy="0"/>
+        </a:xfrm>
+      </p:grpSpPr>
+      <p:sp>
+        <p:nvSpPr>
+          <p:cNvPr id="2" name="Slide Image Placeholder 1"/>
+          <p:cNvSpPr>
+            <a:spLocks noGrp="1" noRot="1" noChangeAspect="1"/>
+          </p:cNvSpPr>
+          <p:nvPr>
+            <p:ph type="sldImg"/>
+          </p:nvPr>
+        </p:nvSpPr>
+        <p:spPr/>
+      </p:sp>
+      <p:sp>
+        <p:nvSpPr>
+          <p:cNvPr id="3" name="Notes Placeholder 2"/>
+          <p:cNvSpPr>
+            <a:spLocks noGrp="1"/>
+          </p:cNvSpPr>
+          <p:nvPr>
+            <p:ph type="body" idx="1"/>
+          </p:nvPr>
+        </p:nvSpPr>
+        <p:spPr/>
+        <p:txBody>
+          <a:bodyPr/>
+          <a:lstStyle/>
+          <a:p>
+            <a:r>
+              <a:rPr lang="en-US" sz="1200">
+                <a:solidFill>
+                  <a:prstClr val="black"/>
+                </a:solidFill>
+              </a:rPr>
+              <a:t>© Copyright Showeet.com – Free PowerPoint Templates</a:t>
+            </a:r>
+            <a:endParaRPr lang="en-US"/>
+          </a:p>
+        </p:txBody>
+      </p:sp>
+      <p:sp>
+        <p:nvSpPr>
+          <p:cNvPr id="4" name="Slide Number Placeholder 3"/>
+          <p:cNvSpPr>
+            <a:spLocks noGrp="1"/>
+          </p:cNvSpPr>
+          <p:nvPr>
+            <p:ph type="sldNum" sz="quarter" idx="10"/>
+          </p:nvPr>
+        </p:nvSpPr>
+        <p:spPr/>
+        <p:txBody>
+          <a:bodyPr/>
+          <a:lstStyle/>
+          <a:p>
+            <a:pPr marL="0" marR="0" lvl="0" indent="0" algn="r" defTabSz="914400" rtl="0" eaLnBrk="1" fontAlgn="auto" latinLnBrk="0" hangingPunct="1">
+              <a:lnSpc>
+                <a:spcPct val="100000"/>
+              </a:lnSpc>
+              <a:spcBef>
+                <a:spcPts val="0"/>
+              </a:spcBef>
+              <a:spcAft>
+                <a:spcPts val="0"/>
+              </a:spcAft>
+              <a:buClrTx/>
+              <a:buSzTx/>
+              <a:buFontTx/>
+              <a:buNone/>
+              <a:tabLst/>
+              <a:defRPr/>
+            </a:pPr>
+            <a:fld id="{46B9B405-4F4D-4594-A1A1-988AA5F62729}" type="slidenum">
+              <a:rPr kumimoji="0" lang="en-US" sz="1200" b="0" i="0" u="none" strike="noStrike" kern="1200" cap="none" spc="0" normalizeH="0" baseline="0" noProof="0" smtClean="0">
+                <a:ln>
+                  <a:noFill/>
+                </a:ln>
+                <a:solidFill>
+                  <a:prstClr val="black"/>
+                </a:solidFill>
+                <a:effectLst/>
+                <a:uLnTx/>
+                <a:uFillTx/>
+                <a:latin typeface="Calibri" panose="020F0502020204030204"/>
+                <a:ea typeface="+mn-ea"/>
+                <a:cs typeface="+mn-cs"/>
+              </a:rPr>
+              <a:pPr marL="0" marR="0" lvl="0" indent="0" algn="r" defTabSz="914400" rtl="0" eaLnBrk="1" fontAlgn="auto" latinLnBrk="0" hangingPunct="1">
+                <a:lnSpc>
+                  <a:spcPct val="100000"/>
+                </a:lnSpc>
+                <a:spcBef>
+                  <a:spcPts val="0"/>
+                </a:spcBef>
+                <a:spcAft>
+                  <a:spcPts val="0"/>
+                </a:spcAft>
+                <a:buClrTx/>
+                <a:buSzTx/>
+                <a:buFontTx/>
+                <a:buNone/>
+                <a:tabLst/>
+                <a:defRPr/>
+              </a:pPr>
+              <a:t>3</a:t>
+            </a:fld>
+            <a:endParaRPr kumimoji="0" lang="en-US" sz="1200" b="0" i="0" u="none" strike="noStrike" kern="1200" cap="none" spc="0" normalizeH="0" baseline="0" noProof="0">
+              <a:ln>
+                <a:noFill/>
+              </a:ln>
+              <a:solidFill>
+                <a:prstClr val="black"/>
+              </a:solidFill>
+              <a:effectLst/>
+              <a:uLnTx/>
+              <a:uFillTx/>
+              <a:latin typeface="Calibri" panose="020F0502020204030204"/>
+              <a:ea typeface="+mn-ea"/>
+              <a:cs typeface="+mn-cs"/>
+            </a:endParaRPr>
+          </a:p>
+        </p:txBody>
+      </p:sp>
+    </p:spTree>
+    <p:extLst>
+      <p:ext uri="{BB962C8B-B14F-4D97-AF65-F5344CB8AC3E}">
+        <p14:creationId xmlns:p14="http://schemas.microsoft.com/office/powerpoint/2010/main" val="3199504266"/>
+      </p:ext>
+    </p:extLst>
+  </p:cSld>
+  <p:clrMapOvr>
+    <a:masterClrMapping/>
+  </p:clrMapOvr>
+</p:notes>
+</file>
+
+<file path=ppt/notesSlides/notesSlide4.xml><?xml version="1.0" encoding="utf-8"?>
+<p:notes xmlns:a="http://schemas.openxmlformats.org/drawingml/2006/main" xmlns:r="http://schemas.openxmlformats.org/officeDocument/2006/relationships" xmlns:p="http://schemas.openxmlformats.org/presentationml/2006/main">
+  <p:cSld>
+    <p:spTree>
+      <p:nvGrpSpPr>
+        <p:cNvPr id="1" name=""/>
+        <p:cNvGrpSpPr/>
+        <p:nvPr/>
+      </p:nvGrpSpPr>
+      <p:grpSpPr>
+        <a:xfrm>
+          <a:off x="0" y="0"/>
+          <a:ext cx="0" cy="0"/>
+          <a:chOff x="0" y="0"/>
+          <a:chExt cx="0" cy="0"/>
+        </a:xfrm>
+      </p:grpSpPr>
+      <p:sp>
+        <p:nvSpPr>
+          <p:cNvPr id="2" name="Slide Image Placeholder 1"/>
+          <p:cNvSpPr>
+            <a:spLocks noGrp="1" noRot="1" noChangeAspect="1"/>
+          </p:cNvSpPr>
+          <p:nvPr>
+            <p:ph type="sldImg"/>
+          </p:nvPr>
+        </p:nvSpPr>
+        <p:spPr/>
+      </p:sp>
+      <p:sp>
+        <p:nvSpPr>
+          <p:cNvPr id="3" name="Notes Placeholder 2"/>
+          <p:cNvSpPr>
+            <a:spLocks noGrp="1"/>
+          </p:cNvSpPr>
+          <p:nvPr>
+            <p:ph type="body" idx="1"/>
+          </p:nvPr>
+        </p:nvSpPr>
+        <p:spPr/>
+        <p:txBody>
+          <a:bodyPr/>
+          <a:lstStyle/>
+          <a:p>
+            <a:r>
+              <a:rPr lang="en-US" sz="1200">
+                <a:solidFill>
+                  <a:prstClr val="black"/>
+                </a:solidFill>
+              </a:rPr>
+              <a:t>© Copyright Showeet.com – Free PowerPoint Templates</a:t>
+            </a:r>
+            <a:endParaRPr lang="en-US"/>
+          </a:p>
+        </p:txBody>
+      </p:sp>
+      <p:sp>
+        <p:nvSpPr>
+          <p:cNvPr id="4" name="Slide Number Placeholder 3"/>
+          <p:cNvSpPr>
+            <a:spLocks noGrp="1"/>
+          </p:cNvSpPr>
+          <p:nvPr>
+            <p:ph type="sldNum" sz="quarter" idx="10"/>
+          </p:nvPr>
+        </p:nvSpPr>
+        <p:spPr/>
+        <p:txBody>
+          <a:bodyPr/>
+          <a:lstStyle/>
+          <a:p>
+            <a:pPr marL="0" marR="0" lvl="0" indent="0" algn="r" defTabSz="914400" rtl="0" eaLnBrk="1" fontAlgn="auto" latinLnBrk="0" hangingPunct="1">
+              <a:lnSpc>
+                <a:spcPct val="100000"/>
+              </a:lnSpc>
+              <a:spcBef>
+                <a:spcPts val="0"/>
+              </a:spcBef>
+              <a:spcAft>
+                <a:spcPts val="0"/>
+              </a:spcAft>
+              <a:buClrTx/>
+              <a:buSzTx/>
+              <a:buFontTx/>
+              <a:buNone/>
+              <a:tabLst/>
+              <a:defRPr/>
+            </a:pPr>
+            <a:fld id="{46B9B405-4F4D-4594-A1A1-988AA5F62729}" type="slidenum">
+              <a:rPr kumimoji="0" lang="en-US" sz="1200" b="0" i="0" u="none" strike="noStrike" kern="1200" cap="none" spc="0" normalizeH="0" baseline="0" noProof="0" smtClean="0">
+                <a:ln>
+                  <a:noFill/>
+                </a:ln>
+                <a:solidFill>
+                  <a:prstClr val="black"/>
+                </a:solidFill>
+                <a:effectLst/>
+                <a:uLnTx/>
+                <a:uFillTx/>
+                <a:latin typeface="Calibri" panose="020F0502020204030204"/>
+                <a:ea typeface="+mn-ea"/>
+                <a:cs typeface="+mn-cs"/>
+              </a:rPr>
+              <a:pPr marL="0" marR="0" lvl="0" indent="0" algn="r" defTabSz="914400" rtl="0" eaLnBrk="1" fontAlgn="auto" latinLnBrk="0" hangingPunct="1">
+                <a:lnSpc>
+                  <a:spcPct val="100000"/>
+                </a:lnSpc>
+                <a:spcBef>
+                  <a:spcPts val="0"/>
+                </a:spcBef>
+                <a:spcAft>
+                  <a:spcPts val="0"/>
+                </a:spcAft>
+                <a:buClrTx/>
+                <a:buSzTx/>
+                <a:buFontTx/>
+                <a:buNone/>
+                <a:tabLst/>
+                <a:defRPr/>
+              </a:pPr>
+              <a:t>4</a:t>
+            </a:fld>
+            <a:endParaRPr kumimoji="0" lang="en-US" sz="1200" b="0" i="0" u="none" strike="noStrike" kern="1200" cap="none" spc="0" normalizeH="0" baseline="0" noProof="0">
+              <a:ln>
+                <a:noFill/>
+              </a:ln>
+              <a:solidFill>
+                <a:prstClr val="black"/>
+              </a:solidFill>
+              <a:effectLst/>
+              <a:uLnTx/>
+              <a:uFillTx/>
+              <a:latin typeface="Calibri" panose="020F0502020204030204"/>
+              <a:ea typeface="+mn-ea"/>
+              <a:cs typeface="+mn-cs"/>
+            </a:endParaRPr>
+          </a:p>
+        </p:txBody>
+      </p:sp>
+    </p:spTree>
+    <p:extLst>
+      <p:ext uri="{BB962C8B-B14F-4D97-AF65-F5344CB8AC3E}">
+        <p14:creationId xmlns:p14="http://schemas.microsoft.com/office/powerpoint/2010/main" val="2998005153"/>
+      </p:ext>
+    </p:extLst>
+  </p:cSld>
+  <p:clrMapOvr>
+    <a:masterClrMapping/>
+  </p:clrMapOvr>
+</p:notes>
+</file>
+
+<file path=ppt/notesSlides/notesSlide5.xml><?xml version="1.0" encoding="utf-8"?>
+<p:notes xmlns:a="http://schemas.openxmlformats.org/drawingml/2006/main" xmlns:r="http://schemas.openxmlformats.org/officeDocument/2006/relationships" xmlns:p="http://schemas.openxmlformats.org/presentationml/2006/main">
+  <p:cSld>
+    <p:spTree>
+      <p:nvGrpSpPr>
+        <p:cNvPr id="1" name=""/>
+        <p:cNvGrpSpPr/>
+        <p:nvPr/>
+      </p:nvGrpSpPr>
+      <p:grpSpPr>
+        <a:xfrm>
+          <a:off x="0" y="0"/>
+          <a:ext cx="0" cy="0"/>
+          <a:chOff x="0" y="0"/>
+          <a:chExt cx="0" cy="0"/>
+        </a:xfrm>
+      </p:grpSpPr>
+      <p:sp>
+        <p:nvSpPr>
+          <p:cNvPr id="2" name="Slide Image Placeholder 1"/>
+          <p:cNvSpPr>
+            <a:spLocks noGrp="1" noRot="1" noChangeAspect="1"/>
+          </p:cNvSpPr>
+          <p:nvPr>
+            <p:ph type="sldImg"/>
+          </p:nvPr>
+        </p:nvSpPr>
+        <p:spPr/>
+      </p:sp>
+      <p:sp>
+        <p:nvSpPr>
+          <p:cNvPr id="3" name="Notes Placeholder 2"/>
+          <p:cNvSpPr>
+            <a:spLocks noGrp="1"/>
+          </p:cNvSpPr>
+          <p:nvPr>
+            <p:ph type="body" idx="1"/>
+          </p:nvPr>
+        </p:nvSpPr>
+        <p:spPr/>
+        <p:txBody>
+          <a:bodyPr/>
+          <a:lstStyle/>
+          <a:p>
+            <a:r>
+              <a:rPr lang="en-US" sz="1200">
+                <a:solidFill>
+                  <a:prstClr val="black"/>
+                </a:solidFill>
+              </a:rPr>
+              <a:t>© Copyright Showeet.com – Free PowerPoint Templates</a:t>
+            </a:r>
+            <a:endParaRPr lang="en-US"/>
+          </a:p>
+        </p:txBody>
+      </p:sp>
+      <p:sp>
+        <p:nvSpPr>
+          <p:cNvPr id="4" name="Slide Number Placeholder 3"/>
+          <p:cNvSpPr>
+            <a:spLocks noGrp="1"/>
+          </p:cNvSpPr>
+          <p:nvPr>
+            <p:ph type="sldNum" sz="quarter" idx="10"/>
+          </p:nvPr>
+        </p:nvSpPr>
+        <p:spPr/>
+        <p:txBody>
+          <a:bodyPr/>
+          <a:lstStyle/>
+          <a:p>
+            <a:pPr marL="0" marR="0" lvl="0" indent="0" algn="r" defTabSz="914400" rtl="0" eaLnBrk="1" fontAlgn="auto" latinLnBrk="0" hangingPunct="1">
+              <a:lnSpc>
+                <a:spcPct val="100000"/>
+              </a:lnSpc>
+              <a:spcBef>
+                <a:spcPts val="0"/>
+              </a:spcBef>
+              <a:spcAft>
+                <a:spcPts val="0"/>
+              </a:spcAft>
+              <a:buClrTx/>
+              <a:buSzTx/>
+              <a:buFontTx/>
+              <a:buNone/>
+              <a:tabLst/>
+              <a:defRPr/>
+            </a:pPr>
+            <a:fld id="{46B9B405-4F4D-4594-A1A1-988AA5F62729}" type="slidenum">
+              <a:rPr kumimoji="0" lang="en-US" sz="1200" b="0" i="0" u="none" strike="noStrike" kern="1200" cap="none" spc="0" normalizeH="0" baseline="0" noProof="0" smtClean="0">
+                <a:ln>
+                  <a:noFill/>
+                </a:ln>
+                <a:solidFill>
+                  <a:prstClr val="black"/>
+                </a:solidFill>
+                <a:effectLst/>
+                <a:uLnTx/>
+                <a:uFillTx/>
+                <a:latin typeface="Calibri" panose="020F0502020204030204"/>
+                <a:ea typeface="+mn-ea"/>
+                <a:cs typeface="+mn-cs"/>
+              </a:rPr>
+              <a:pPr marL="0" marR="0" lvl="0" indent="0" algn="r" defTabSz="914400" rtl="0" eaLnBrk="1" fontAlgn="auto" latinLnBrk="0" hangingPunct="1">
+                <a:lnSpc>
+                  <a:spcPct val="100000"/>
+                </a:lnSpc>
+                <a:spcBef>
+                  <a:spcPts val="0"/>
+                </a:spcBef>
+                <a:spcAft>
+                  <a:spcPts val="0"/>
+                </a:spcAft>
+                <a:buClrTx/>
+                <a:buSzTx/>
+                <a:buFontTx/>
+                <a:buNone/>
+                <a:tabLst/>
+                <a:defRPr/>
+              </a:pPr>
+              <a:t>8</a:t>
+            </a:fld>
+            <a:endParaRPr kumimoji="0" lang="en-US" sz="1200" b="0" i="0" u="none" strike="noStrike" kern="1200" cap="none" spc="0" normalizeH="0" baseline="0" noProof="0">
+              <a:ln>
+                <a:noFill/>
+              </a:ln>
+              <a:solidFill>
+                <a:prstClr val="black"/>
+              </a:solidFill>
+              <a:effectLst/>
+              <a:uLnTx/>
+              <a:uFillTx/>
+              <a:latin typeface="Calibri" panose="020F0502020204030204"/>
+              <a:ea typeface="+mn-ea"/>
+              <a:cs typeface="+mn-cs"/>
+            </a:endParaRPr>
+          </a:p>
+        </p:txBody>
+      </p:sp>
+    </p:spTree>
+    <p:extLst>
+      <p:ext uri="{BB962C8B-B14F-4D97-AF65-F5344CB8AC3E}">
+        <p14:creationId xmlns:p14="http://schemas.microsoft.com/office/powerpoint/2010/main" val="2742785175"/>
+      </p:ext>
+    </p:extLst>
+  </p:cSld>
+  <p:clrMapOvr>
+    <a:masterClrMapping/>
+  </p:clrMapOvr>
+</p:notes>
+</file>
+
+<file path=ppt/notesSlides/notesSlide6.xml><?xml version="1.0" encoding="utf-8"?>
+<p:notes xmlns:a="http://schemas.openxmlformats.org/drawingml/2006/main" xmlns:r="http://schemas.openxmlformats.org/officeDocument/2006/relationships" xmlns:p="http://schemas.openxmlformats.org/presentationml/2006/main">
+  <p:cSld>
+    <p:spTree>
+      <p:nvGrpSpPr>
+        <p:cNvPr id="1" name=""/>
+        <p:cNvGrpSpPr/>
+        <p:nvPr/>
+      </p:nvGrpSpPr>
+      <p:grpSpPr>
+        <a:xfrm>
+          <a:off x="0" y="0"/>
+          <a:ext cx="0" cy="0"/>
+          <a:chOff x="0" y="0"/>
+          <a:chExt cx="0" cy="0"/>
+        </a:xfrm>
+      </p:grpSpPr>
+      <p:sp>
+        <p:nvSpPr>
+          <p:cNvPr id="2" name="Slide Image Placeholder 1"/>
+          <p:cNvSpPr>
+            <a:spLocks noGrp="1" noRot="1" noChangeAspect="1"/>
+          </p:cNvSpPr>
+          <p:nvPr>
+            <p:ph type="sldImg"/>
+          </p:nvPr>
+        </p:nvSpPr>
+        <p:spPr/>
+      </p:sp>
+      <p:sp>
+        <p:nvSpPr>
+          <p:cNvPr id="3" name="Notes Placeholder 2"/>
+          <p:cNvSpPr>
+            <a:spLocks noGrp="1"/>
+          </p:cNvSpPr>
+          <p:nvPr>
+            <p:ph type="body" idx="1"/>
+          </p:nvPr>
+        </p:nvSpPr>
+        <p:spPr/>
+        <p:txBody>
+          <a:bodyPr/>
+          <a:lstStyle/>
+          <a:p>
+            <a:r>
+              <a:rPr lang="en-US" sz="1200">
+                <a:solidFill>
+                  <a:prstClr val="black"/>
+                </a:solidFill>
+              </a:rPr>
+              <a:t>© Copyright Showeet.com – Free PowerPoint Templates</a:t>
+            </a:r>
+            <a:endParaRPr lang="en-US"/>
+          </a:p>
+        </p:txBody>
+      </p:sp>
+      <p:sp>
+        <p:nvSpPr>
+          <p:cNvPr id="4" name="Slide Number Placeholder 3"/>
+          <p:cNvSpPr>
+            <a:spLocks noGrp="1"/>
+          </p:cNvSpPr>
+          <p:nvPr>
+            <p:ph type="sldNum" sz="quarter" idx="10"/>
+          </p:nvPr>
+        </p:nvSpPr>
+        <p:spPr/>
+        <p:txBody>
+          <a:bodyPr/>
+          <a:lstStyle/>
+          <a:p>
+            <a:pPr marL="0" marR="0" lvl="0" indent="0" algn="r" defTabSz="914400" rtl="0" eaLnBrk="1" fontAlgn="auto" latinLnBrk="0" hangingPunct="1">
+              <a:lnSpc>
+                <a:spcPct val="100000"/>
+              </a:lnSpc>
+              <a:spcBef>
+                <a:spcPts val="0"/>
+              </a:spcBef>
+              <a:spcAft>
+                <a:spcPts val="0"/>
+              </a:spcAft>
+              <a:buClrTx/>
+              <a:buSzTx/>
+              <a:buFontTx/>
+              <a:buNone/>
+              <a:tabLst/>
+              <a:defRPr/>
+            </a:pPr>
+            <a:fld id="{46B9B405-4F4D-4594-A1A1-988AA5F62729}" type="slidenum">
+              <a:rPr kumimoji="0" lang="en-US" sz="1200" b="0" i="0" u="none" strike="noStrike" kern="1200" cap="none" spc="0" normalizeH="0" baseline="0" noProof="0" smtClean="0">
+                <a:ln>
+                  <a:noFill/>
+                </a:ln>
+                <a:solidFill>
+                  <a:prstClr val="black"/>
+                </a:solidFill>
+                <a:effectLst/>
+                <a:uLnTx/>
+                <a:uFillTx/>
+                <a:latin typeface="Calibri" panose="020F0502020204030204"/>
+                <a:ea typeface="+mn-ea"/>
+                <a:cs typeface="+mn-cs"/>
+              </a:rPr>
+              <a:pPr marL="0" marR="0" lvl="0" indent="0" algn="r" defTabSz="914400" rtl="0" eaLnBrk="1" fontAlgn="auto" latinLnBrk="0" hangingPunct="1">
+                <a:lnSpc>
+                  <a:spcPct val="100000"/>
+                </a:lnSpc>
+                <a:spcBef>
+                  <a:spcPts val="0"/>
+                </a:spcBef>
+                <a:spcAft>
+                  <a:spcPts val="0"/>
+                </a:spcAft>
+                <a:buClrTx/>
+                <a:buSzTx/>
+                <a:buFontTx/>
+                <a:buNone/>
+                <a:tabLst/>
+                <a:defRPr/>
+              </a:pPr>
+              <a:t>9</a:t>
+            </a:fld>
+            <a:endParaRPr kumimoji="0" lang="en-US" sz="1200" b="0" i="0" u="none" strike="noStrike" kern="1200" cap="none" spc="0" normalizeH="0" baseline="0" noProof="0">
+              <a:ln>
+                <a:noFill/>
+              </a:ln>
+              <a:solidFill>
+                <a:prstClr val="black"/>
+              </a:solidFill>
+              <a:effectLst/>
+              <a:uLnTx/>
+              <a:uFillTx/>
+              <a:latin typeface="Calibri" panose="020F0502020204030204"/>
+              <a:ea typeface="+mn-ea"/>
+              <a:cs typeface="+mn-cs"/>
+            </a:endParaRPr>
+          </a:p>
+        </p:txBody>
+      </p:sp>
+    </p:spTree>
+    <p:extLst>
+      <p:ext uri="{BB962C8B-B14F-4D97-AF65-F5344CB8AC3E}">
+        <p14:creationId xmlns:p14="http://schemas.microsoft.com/office/powerpoint/2010/main" val="3987237274"/>
+      </p:ext>
+    </p:extLst>
+  </p:cSld>
+  <p:clrMapOvr>
+    <a:masterClrMapping/>
+  </p:clrMapOvr>
+</p:notes>
+</file>
+
+<file path=ppt/notesSlides/notesSlide7.xml><?xml version="1.0" encoding="utf-8"?>
+<p:notes xmlns:a="http://schemas.openxmlformats.org/drawingml/2006/main" xmlns:r="http://schemas.openxmlformats.org/officeDocument/2006/relationships" xmlns:p="http://schemas.openxmlformats.org/presentationml/2006/main">
+  <p:cSld>
+    <p:spTree>
+      <p:nvGrpSpPr>
+        <p:cNvPr id="1" name=""/>
+        <p:cNvGrpSpPr/>
+        <p:nvPr/>
+      </p:nvGrpSpPr>
+      <p:grpSpPr>
+        <a:xfrm>
+          <a:off x="0" y="0"/>
+          <a:ext cx="0" cy="0"/>
+          <a:chOff x="0" y="0"/>
+          <a:chExt cx="0" cy="0"/>
+        </a:xfrm>
+      </p:grpSpPr>
+      <p:sp>
+        <p:nvSpPr>
+          <p:cNvPr id="2" name="Slide Image Placeholder 1"/>
+          <p:cNvSpPr>
+            <a:spLocks noGrp="1" noRot="1" noChangeAspect="1"/>
+          </p:cNvSpPr>
+          <p:nvPr>
+            <p:ph type="sldImg"/>
+          </p:nvPr>
+        </p:nvSpPr>
+        <p:spPr/>
+      </p:sp>
+      <p:sp>
+        <p:nvSpPr>
+          <p:cNvPr id="3" name="Notes Placeholder 2"/>
+          <p:cNvSpPr>
+            <a:spLocks noGrp="1"/>
+          </p:cNvSpPr>
+          <p:nvPr>
+            <p:ph type="body" idx="1"/>
+          </p:nvPr>
+        </p:nvSpPr>
+        <p:spPr/>
+        <p:txBody>
+          <a:bodyPr/>
+          <a:lstStyle/>
+          <a:p>
+            <a:r>
+              <a:rPr lang="en-US" sz="1200">
+                <a:solidFill>
+                  <a:prstClr val="black"/>
+                </a:solidFill>
+              </a:rPr>
+              <a:t>© Copyright Showeet.com – Free PowerPoint Templates</a:t>
+            </a:r>
+            <a:endParaRPr lang="en-US"/>
+          </a:p>
+        </p:txBody>
+      </p:sp>
+      <p:sp>
+        <p:nvSpPr>
+          <p:cNvPr id="4" name="Slide Number Placeholder 3"/>
+          <p:cNvSpPr>
+            <a:spLocks noGrp="1"/>
+          </p:cNvSpPr>
+          <p:nvPr>
+            <p:ph type="sldNum" sz="quarter" idx="10"/>
+          </p:nvPr>
+        </p:nvSpPr>
+        <p:spPr/>
+        <p:txBody>
+          <a:bodyPr/>
+          <a:lstStyle/>
+          <a:p>
+            <a:pPr marL="0" marR="0" lvl="0" indent="0" algn="r" defTabSz="914400" rtl="0" eaLnBrk="1" fontAlgn="auto" latinLnBrk="0" hangingPunct="1">
+              <a:lnSpc>
+                <a:spcPct val="100000"/>
+              </a:lnSpc>
+              <a:spcBef>
+                <a:spcPts val="0"/>
+              </a:spcBef>
+              <a:spcAft>
+                <a:spcPts val="0"/>
+              </a:spcAft>
+              <a:buClrTx/>
+              <a:buSzTx/>
+              <a:buFontTx/>
+              <a:buNone/>
+              <a:tabLst/>
+              <a:defRPr/>
+            </a:pPr>
+            <a:fld id="{46B9B405-4F4D-4594-A1A1-988AA5F62729}" type="slidenum">
+              <a:rPr kumimoji="0" lang="en-US" sz="1200" b="0" i="0" u="none" strike="noStrike" kern="1200" cap="none" spc="0" normalizeH="0" baseline="0" noProof="0" smtClean="0">
+                <a:ln>
+                  <a:noFill/>
+                </a:ln>
+                <a:solidFill>
+                  <a:prstClr val="black"/>
+                </a:solidFill>
+                <a:effectLst/>
+                <a:uLnTx/>
+                <a:uFillTx/>
+                <a:latin typeface="Calibri" panose="020F0502020204030204"/>
+                <a:ea typeface="+mn-ea"/>
+                <a:cs typeface="+mn-cs"/>
+              </a:rPr>
+              <a:pPr marL="0" marR="0" lvl="0" indent="0" algn="r" defTabSz="914400" rtl="0" eaLnBrk="1" fontAlgn="auto" latinLnBrk="0" hangingPunct="1">
+                <a:lnSpc>
+                  <a:spcPct val="100000"/>
+                </a:lnSpc>
+                <a:spcBef>
+                  <a:spcPts val="0"/>
+                </a:spcBef>
+                <a:spcAft>
+                  <a:spcPts val="0"/>
+                </a:spcAft>
+                <a:buClrTx/>
+                <a:buSzTx/>
+                <a:buFontTx/>
+                <a:buNone/>
+                <a:tabLst/>
+                <a:defRPr/>
+              </a:pPr>
               <a:t>10</a:t>
             </a:fld>
             <a:endParaRPr kumimoji="0" lang="en-US" sz="1200" b="0" i="0" u="none" strike="noStrike" kern="1200" cap="none" spc="0" normalizeH="0" baseline="0" noProof="0">
@@ -796,7 +2012,7 @@
     </p:spTree>
     <p:extLst>
       <p:ext uri="{BB962C8B-B14F-4D97-AF65-F5344CB8AC3E}">
-        <p14:creationId xmlns:p14="http://schemas.microsoft.com/office/powerpoint/2010/main" val="3624117091"/>
+        <p14:creationId xmlns:p14="http://schemas.microsoft.com/office/powerpoint/2010/main" val="3135492712"/>
       </p:ext>
     </p:extLst>
   </p:cSld>
@@ -806,7 +2022,7 @@
 </p:notes>
 </file>
 
-<file path=ppt/notesSlides/notesSlide11.xml><?xml version="1.0" encoding="utf-8"?>
+<file path=ppt/notesSlides/notesSlide8.xml><?xml version="1.0" encoding="utf-8"?>
 <p:notes xmlns:a="http://schemas.openxmlformats.org/drawingml/2006/main" xmlns:r="http://schemas.openxmlformats.org/officeDocument/2006/relationships" xmlns:p="http://schemas.openxmlformats.org/presentationml/2006/main">
   <p:cSld>
     <p:spTree>
@@ -948,7 +2164,7 @@
     </p:spTree>
     <p:extLst>
       <p:ext uri="{BB962C8B-B14F-4D97-AF65-F5344CB8AC3E}">
-        <p14:creationId xmlns:p14="http://schemas.microsoft.com/office/powerpoint/2010/main" val="3471083749"/>
+        <p14:creationId xmlns:p14="http://schemas.microsoft.com/office/powerpoint/2010/main" val="2122186141"/>
       </p:ext>
     </p:extLst>
   </p:cSld>
@@ -958,7 +2174,7 @@
 </p:notes>
 </file>
 
-<file path=ppt/notesSlides/notesSlide12.xml><?xml version="1.0" encoding="utf-8"?>
+<file path=ppt/notesSlides/notesSlide9.xml><?xml version="1.0" encoding="utf-8"?>
 <p:notes xmlns:a="http://schemas.openxmlformats.org/drawingml/2006/main" xmlns:r="http://schemas.openxmlformats.org/officeDocument/2006/relationships" xmlns:p="http://schemas.openxmlformats.org/presentationml/2006/main">
   <p:cSld>
     <p:spTree>
@@ -1078,7 +2294,7 @@
                 <a:tabLst/>
                 <a:defRPr/>
               </a:pPr>
-              <a:t>14</a:t>
+              <a:t>12</a:t>
             </a:fld>
             <a:endParaRPr kumimoji="0" lang="en-US" sz="1200" b="0" i="0" u="none" strike="noStrike" kern="1200" cap="none" spc="0" normalizeH="0" baseline="0" noProof="0">
               <a:ln>
@@ -1100,1223 +2316,7 @@
     </p:spTree>
     <p:extLst>
       <p:ext uri="{BB962C8B-B14F-4D97-AF65-F5344CB8AC3E}">
-        <p14:creationId xmlns:p14="http://schemas.microsoft.com/office/powerpoint/2010/main" val="2998005153"/>
-      </p:ext>
-    </p:extLst>
-  </p:cSld>
-  <p:clrMapOvr>
-    <a:masterClrMapping/>
-  </p:clrMapOvr>
-</p:notes>
-</file>
-
-<file path=ppt/notesSlides/notesSlide2.xml><?xml version="1.0" encoding="utf-8"?>
-<p:notes xmlns:a="http://schemas.openxmlformats.org/drawingml/2006/main" xmlns:r="http://schemas.openxmlformats.org/officeDocument/2006/relationships" xmlns:p="http://schemas.openxmlformats.org/presentationml/2006/main">
-  <p:cSld>
-    <p:spTree>
-      <p:nvGrpSpPr>
-        <p:cNvPr id="1" name=""/>
-        <p:cNvGrpSpPr/>
-        <p:nvPr/>
-      </p:nvGrpSpPr>
-      <p:grpSpPr>
-        <a:xfrm>
-          <a:off x="0" y="0"/>
-          <a:ext cx="0" cy="0"/>
-          <a:chOff x="0" y="0"/>
-          <a:chExt cx="0" cy="0"/>
-        </a:xfrm>
-      </p:grpSpPr>
-      <p:sp>
-        <p:nvSpPr>
-          <p:cNvPr id="2" name="Slide Image Placeholder 1"/>
-          <p:cNvSpPr>
-            <a:spLocks noGrp="1" noRot="1" noChangeAspect="1"/>
-          </p:cNvSpPr>
-          <p:nvPr>
-            <p:ph type="sldImg"/>
-          </p:nvPr>
-        </p:nvSpPr>
-        <p:spPr/>
-      </p:sp>
-      <p:sp>
-        <p:nvSpPr>
-          <p:cNvPr id="3" name="Notes Placeholder 2"/>
-          <p:cNvSpPr>
-            <a:spLocks noGrp="1"/>
-          </p:cNvSpPr>
-          <p:nvPr>
-            <p:ph type="body" idx="1"/>
-          </p:nvPr>
-        </p:nvSpPr>
-        <p:spPr/>
-        <p:txBody>
-          <a:bodyPr/>
-          <a:lstStyle/>
-          <a:p>
-            <a:r>
-              <a:rPr lang="en-US" sz="1200">
-                <a:solidFill>
-                  <a:prstClr val="black"/>
-                </a:solidFill>
-              </a:rPr>
-              <a:t>© Copyright Showeet.com – Free PowerPoint Templates</a:t>
-            </a:r>
-            <a:endParaRPr lang="en-US"/>
-          </a:p>
-        </p:txBody>
-      </p:sp>
-      <p:sp>
-        <p:nvSpPr>
-          <p:cNvPr id="4" name="Slide Number Placeholder 3"/>
-          <p:cNvSpPr>
-            <a:spLocks noGrp="1"/>
-          </p:cNvSpPr>
-          <p:nvPr>
-            <p:ph type="sldNum" sz="quarter" idx="10"/>
-          </p:nvPr>
-        </p:nvSpPr>
-        <p:spPr/>
-        <p:txBody>
-          <a:bodyPr/>
-          <a:lstStyle/>
-          <a:p>
-            <a:pPr marL="0" marR="0" lvl="0" indent="0" algn="r" defTabSz="914400" rtl="0" eaLnBrk="1" fontAlgn="auto" latinLnBrk="0" hangingPunct="1">
-              <a:lnSpc>
-                <a:spcPct val="100000"/>
-              </a:lnSpc>
-              <a:spcBef>
-                <a:spcPts val="0"/>
-              </a:spcBef>
-              <a:spcAft>
-                <a:spcPts val="0"/>
-              </a:spcAft>
-              <a:buClrTx/>
-              <a:buSzTx/>
-              <a:buFontTx/>
-              <a:buNone/>
-              <a:tabLst/>
-              <a:defRPr/>
-            </a:pPr>
-            <a:fld id="{46B9B405-4F4D-4594-A1A1-988AA5F62729}" type="slidenum">
-              <a:rPr kumimoji="0" lang="en-US" sz="1200" b="0" i="0" u="none" strike="noStrike" kern="1200" cap="none" spc="0" normalizeH="0" baseline="0" noProof="0" smtClean="0">
-                <a:ln>
-                  <a:noFill/>
-                </a:ln>
-                <a:solidFill>
-                  <a:prstClr val="black"/>
-                </a:solidFill>
-                <a:effectLst/>
-                <a:uLnTx/>
-                <a:uFillTx/>
-                <a:latin typeface="Calibri" panose="020F0502020204030204"/>
-                <a:ea typeface="+mn-ea"/>
-                <a:cs typeface="+mn-cs"/>
-              </a:rPr>
-              <a:pPr marL="0" marR="0" lvl="0" indent="0" algn="r" defTabSz="914400" rtl="0" eaLnBrk="1" fontAlgn="auto" latinLnBrk="0" hangingPunct="1">
-                <a:lnSpc>
-                  <a:spcPct val="100000"/>
-                </a:lnSpc>
-                <a:spcBef>
-                  <a:spcPts val="0"/>
-                </a:spcBef>
-                <a:spcAft>
-                  <a:spcPts val="0"/>
-                </a:spcAft>
-                <a:buClrTx/>
-                <a:buSzTx/>
-                <a:buFontTx/>
-                <a:buNone/>
-                <a:tabLst/>
-                <a:defRPr/>
-              </a:pPr>
-              <a:t>2</a:t>
-            </a:fld>
-            <a:endParaRPr kumimoji="0" lang="en-US" sz="1200" b="0" i="0" u="none" strike="noStrike" kern="1200" cap="none" spc="0" normalizeH="0" baseline="0" noProof="0">
-              <a:ln>
-                <a:noFill/>
-              </a:ln>
-              <a:solidFill>
-                <a:prstClr val="black"/>
-              </a:solidFill>
-              <a:effectLst/>
-              <a:uLnTx/>
-              <a:uFillTx/>
-              <a:latin typeface="Calibri" panose="020F0502020204030204"/>
-              <a:ea typeface="+mn-ea"/>
-              <a:cs typeface="+mn-cs"/>
-            </a:endParaRPr>
-          </a:p>
-        </p:txBody>
-      </p:sp>
-    </p:spTree>
-    <p:extLst>
-      <p:ext uri="{BB962C8B-B14F-4D97-AF65-F5344CB8AC3E}">
-        <p14:creationId xmlns:p14="http://schemas.microsoft.com/office/powerpoint/2010/main" val="3759499404"/>
-      </p:ext>
-    </p:extLst>
-  </p:cSld>
-  <p:clrMapOvr>
-    <a:masterClrMapping/>
-  </p:clrMapOvr>
-</p:notes>
-</file>
-
-<file path=ppt/notesSlides/notesSlide3.xml><?xml version="1.0" encoding="utf-8"?>
-<p:notes xmlns:a="http://schemas.openxmlformats.org/drawingml/2006/main" xmlns:r="http://schemas.openxmlformats.org/officeDocument/2006/relationships" xmlns:p="http://schemas.openxmlformats.org/presentationml/2006/main">
-  <p:cSld>
-    <p:spTree>
-      <p:nvGrpSpPr>
-        <p:cNvPr id="1" name=""/>
-        <p:cNvGrpSpPr/>
-        <p:nvPr/>
-      </p:nvGrpSpPr>
-      <p:grpSpPr>
-        <a:xfrm>
-          <a:off x="0" y="0"/>
-          <a:ext cx="0" cy="0"/>
-          <a:chOff x="0" y="0"/>
-          <a:chExt cx="0" cy="0"/>
-        </a:xfrm>
-      </p:grpSpPr>
-      <p:sp>
-        <p:nvSpPr>
-          <p:cNvPr id="2" name="Slide Image Placeholder 1"/>
-          <p:cNvSpPr>
-            <a:spLocks noGrp="1" noRot="1" noChangeAspect="1"/>
-          </p:cNvSpPr>
-          <p:nvPr>
-            <p:ph type="sldImg"/>
-          </p:nvPr>
-        </p:nvSpPr>
-        <p:spPr/>
-      </p:sp>
-      <p:sp>
-        <p:nvSpPr>
-          <p:cNvPr id="3" name="Notes Placeholder 2"/>
-          <p:cNvSpPr>
-            <a:spLocks noGrp="1"/>
-          </p:cNvSpPr>
-          <p:nvPr>
-            <p:ph type="body" idx="1"/>
-          </p:nvPr>
-        </p:nvSpPr>
-        <p:spPr/>
-        <p:txBody>
-          <a:bodyPr/>
-          <a:lstStyle/>
-          <a:p>
-            <a:r>
-              <a:rPr lang="en-US" sz="1200">
-                <a:solidFill>
-                  <a:prstClr val="black"/>
-                </a:solidFill>
-              </a:rPr>
-              <a:t>© Copyright Showeet.com – Free PowerPoint Templates</a:t>
-            </a:r>
-            <a:endParaRPr lang="en-US"/>
-          </a:p>
-        </p:txBody>
-      </p:sp>
-      <p:sp>
-        <p:nvSpPr>
-          <p:cNvPr id="4" name="Slide Number Placeholder 3"/>
-          <p:cNvSpPr>
-            <a:spLocks noGrp="1"/>
-          </p:cNvSpPr>
-          <p:nvPr>
-            <p:ph type="sldNum" sz="quarter" idx="10"/>
-          </p:nvPr>
-        </p:nvSpPr>
-        <p:spPr/>
-        <p:txBody>
-          <a:bodyPr/>
-          <a:lstStyle/>
-          <a:p>
-            <a:pPr marL="0" marR="0" lvl="0" indent="0" algn="r" defTabSz="914400" rtl="0" eaLnBrk="1" fontAlgn="auto" latinLnBrk="0" hangingPunct="1">
-              <a:lnSpc>
-                <a:spcPct val="100000"/>
-              </a:lnSpc>
-              <a:spcBef>
-                <a:spcPts val="0"/>
-              </a:spcBef>
-              <a:spcAft>
-                <a:spcPts val="0"/>
-              </a:spcAft>
-              <a:buClrTx/>
-              <a:buSzTx/>
-              <a:buFontTx/>
-              <a:buNone/>
-              <a:tabLst/>
-              <a:defRPr/>
-            </a:pPr>
-            <a:fld id="{46B9B405-4F4D-4594-A1A1-988AA5F62729}" type="slidenum">
-              <a:rPr kumimoji="0" lang="en-US" sz="1200" b="0" i="0" u="none" strike="noStrike" kern="1200" cap="none" spc="0" normalizeH="0" baseline="0" noProof="0" smtClean="0">
-                <a:ln>
-                  <a:noFill/>
-                </a:ln>
-                <a:solidFill>
-                  <a:prstClr val="black"/>
-                </a:solidFill>
-                <a:effectLst/>
-                <a:uLnTx/>
-                <a:uFillTx/>
-                <a:latin typeface="Calibri" panose="020F0502020204030204"/>
-                <a:ea typeface="+mn-ea"/>
-                <a:cs typeface="+mn-cs"/>
-              </a:rPr>
-              <a:pPr marL="0" marR="0" lvl="0" indent="0" algn="r" defTabSz="914400" rtl="0" eaLnBrk="1" fontAlgn="auto" latinLnBrk="0" hangingPunct="1">
-                <a:lnSpc>
-                  <a:spcPct val="100000"/>
-                </a:lnSpc>
-                <a:spcBef>
-                  <a:spcPts val="0"/>
-                </a:spcBef>
-                <a:spcAft>
-                  <a:spcPts val="0"/>
-                </a:spcAft>
-                <a:buClrTx/>
-                <a:buSzTx/>
-                <a:buFontTx/>
-                <a:buNone/>
-                <a:tabLst/>
-                <a:defRPr/>
-              </a:pPr>
-              <a:t>3</a:t>
-            </a:fld>
-            <a:endParaRPr kumimoji="0" lang="en-US" sz="1200" b="0" i="0" u="none" strike="noStrike" kern="1200" cap="none" spc="0" normalizeH="0" baseline="0" noProof="0">
-              <a:ln>
-                <a:noFill/>
-              </a:ln>
-              <a:solidFill>
-                <a:prstClr val="black"/>
-              </a:solidFill>
-              <a:effectLst/>
-              <a:uLnTx/>
-              <a:uFillTx/>
-              <a:latin typeface="Calibri" panose="020F0502020204030204"/>
-              <a:ea typeface="+mn-ea"/>
-              <a:cs typeface="+mn-cs"/>
-            </a:endParaRPr>
-          </a:p>
-        </p:txBody>
-      </p:sp>
-    </p:spTree>
-    <p:extLst>
-      <p:ext uri="{BB962C8B-B14F-4D97-AF65-F5344CB8AC3E}">
-        <p14:creationId xmlns:p14="http://schemas.microsoft.com/office/powerpoint/2010/main" val="3199504266"/>
-      </p:ext>
-    </p:extLst>
-  </p:cSld>
-  <p:clrMapOvr>
-    <a:masterClrMapping/>
-  </p:clrMapOvr>
-</p:notes>
-</file>
-
-<file path=ppt/notesSlides/notesSlide4.xml><?xml version="1.0" encoding="utf-8"?>
-<p:notes xmlns:a="http://schemas.openxmlformats.org/drawingml/2006/main" xmlns:r="http://schemas.openxmlformats.org/officeDocument/2006/relationships" xmlns:p="http://schemas.openxmlformats.org/presentationml/2006/main">
-  <p:cSld>
-    <p:spTree>
-      <p:nvGrpSpPr>
-        <p:cNvPr id="1" name=""/>
-        <p:cNvGrpSpPr/>
-        <p:nvPr/>
-      </p:nvGrpSpPr>
-      <p:grpSpPr>
-        <a:xfrm>
-          <a:off x="0" y="0"/>
-          <a:ext cx="0" cy="0"/>
-          <a:chOff x="0" y="0"/>
-          <a:chExt cx="0" cy="0"/>
-        </a:xfrm>
-      </p:grpSpPr>
-      <p:sp>
-        <p:nvSpPr>
-          <p:cNvPr id="2" name="Slide Image Placeholder 1"/>
-          <p:cNvSpPr>
-            <a:spLocks noGrp="1" noRot="1" noChangeAspect="1"/>
-          </p:cNvSpPr>
-          <p:nvPr>
-            <p:ph type="sldImg"/>
-          </p:nvPr>
-        </p:nvSpPr>
-        <p:spPr/>
-      </p:sp>
-      <p:sp>
-        <p:nvSpPr>
-          <p:cNvPr id="3" name="Notes Placeholder 2"/>
-          <p:cNvSpPr>
-            <a:spLocks noGrp="1"/>
-          </p:cNvSpPr>
-          <p:nvPr>
-            <p:ph type="body" idx="1"/>
-          </p:nvPr>
-        </p:nvSpPr>
-        <p:spPr/>
-        <p:txBody>
-          <a:bodyPr/>
-          <a:lstStyle/>
-          <a:p>
-            <a:r>
-              <a:rPr lang="en-US" sz="1200">
-                <a:solidFill>
-                  <a:prstClr val="black"/>
-                </a:solidFill>
-              </a:rPr>
-              <a:t>© Copyright Showeet.com – Free PowerPoint Templates</a:t>
-            </a:r>
-            <a:endParaRPr lang="en-US"/>
-          </a:p>
-        </p:txBody>
-      </p:sp>
-      <p:sp>
-        <p:nvSpPr>
-          <p:cNvPr id="4" name="Slide Number Placeholder 3"/>
-          <p:cNvSpPr>
-            <a:spLocks noGrp="1"/>
-          </p:cNvSpPr>
-          <p:nvPr>
-            <p:ph type="sldNum" sz="quarter" idx="10"/>
-          </p:nvPr>
-        </p:nvSpPr>
-        <p:spPr/>
-        <p:txBody>
-          <a:bodyPr/>
-          <a:lstStyle/>
-          <a:p>
-            <a:pPr marL="0" marR="0" lvl="0" indent="0" algn="r" defTabSz="914400" rtl="0" eaLnBrk="1" fontAlgn="auto" latinLnBrk="0" hangingPunct="1">
-              <a:lnSpc>
-                <a:spcPct val="100000"/>
-              </a:lnSpc>
-              <a:spcBef>
-                <a:spcPts val="0"/>
-              </a:spcBef>
-              <a:spcAft>
-                <a:spcPts val="0"/>
-              </a:spcAft>
-              <a:buClrTx/>
-              <a:buSzTx/>
-              <a:buFontTx/>
-              <a:buNone/>
-              <a:tabLst/>
-              <a:defRPr/>
-            </a:pPr>
-            <a:fld id="{46B9B405-4F4D-4594-A1A1-988AA5F62729}" type="slidenum">
-              <a:rPr kumimoji="0" lang="en-US" sz="1200" b="0" i="0" u="none" strike="noStrike" kern="1200" cap="none" spc="0" normalizeH="0" baseline="0" noProof="0" smtClean="0">
-                <a:ln>
-                  <a:noFill/>
-                </a:ln>
-                <a:solidFill>
-                  <a:prstClr val="black"/>
-                </a:solidFill>
-                <a:effectLst/>
-                <a:uLnTx/>
-                <a:uFillTx/>
-                <a:latin typeface="Calibri" panose="020F0502020204030204"/>
-                <a:ea typeface="+mn-ea"/>
-                <a:cs typeface="+mn-cs"/>
-              </a:rPr>
-              <a:pPr marL="0" marR="0" lvl="0" indent="0" algn="r" defTabSz="914400" rtl="0" eaLnBrk="1" fontAlgn="auto" latinLnBrk="0" hangingPunct="1">
-                <a:lnSpc>
-                  <a:spcPct val="100000"/>
-                </a:lnSpc>
-                <a:spcBef>
-                  <a:spcPts val="0"/>
-                </a:spcBef>
-                <a:spcAft>
-                  <a:spcPts val="0"/>
-                </a:spcAft>
-                <a:buClrTx/>
-                <a:buSzTx/>
-                <a:buFontTx/>
-                <a:buNone/>
-                <a:tabLst/>
-                <a:defRPr/>
-              </a:pPr>
-              <a:t>4</a:t>
-            </a:fld>
-            <a:endParaRPr kumimoji="0" lang="en-US" sz="1200" b="0" i="0" u="none" strike="noStrike" kern="1200" cap="none" spc="0" normalizeH="0" baseline="0" noProof="0">
-              <a:ln>
-                <a:noFill/>
-              </a:ln>
-              <a:solidFill>
-                <a:prstClr val="black"/>
-              </a:solidFill>
-              <a:effectLst/>
-              <a:uLnTx/>
-              <a:uFillTx/>
-              <a:latin typeface="Calibri" panose="020F0502020204030204"/>
-              <a:ea typeface="+mn-ea"/>
-              <a:cs typeface="+mn-cs"/>
-            </a:endParaRPr>
-          </a:p>
-        </p:txBody>
-      </p:sp>
-    </p:spTree>
-    <p:extLst>
-      <p:ext uri="{BB962C8B-B14F-4D97-AF65-F5344CB8AC3E}">
-        <p14:creationId xmlns:p14="http://schemas.microsoft.com/office/powerpoint/2010/main" val="2742785175"/>
-      </p:ext>
-    </p:extLst>
-  </p:cSld>
-  <p:clrMapOvr>
-    <a:masterClrMapping/>
-  </p:clrMapOvr>
-</p:notes>
-</file>
-
-<file path=ppt/notesSlides/notesSlide5.xml><?xml version="1.0" encoding="utf-8"?>
-<p:notes xmlns:a="http://schemas.openxmlformats.org/drawingml/2006/main" xmlns:r="http://schemas.openxmlformats.org/officeDocument/2006/relationships" xmlns:p="http://schemas.openxmlformats.org/presentationml/2006/main">
-  <p:cSld>
-    <p:spTree>
-      <p:nvGrpSpPr>
-        <p:cNvPr id="1" name=""/>
-        <p:cNvGrpSpPr/>
-        <p:nvPr/>
-      </p:nvGrpSpPr>
-      <p:grpSpPr>
-        <a:xfrm>
-          <a:off x="0" y="0"/>
-          <a:ext cx="0" cy="0"/>
-          <a:chOff x="0" y="0"/>
-          <a:chExt cx="0" cy="0"/>
-        </a:xfrm>
-      </p:grpSpPr>
-      <p:sp>
-        <p:nvSpPr>
-          <p:cNvPr id="2" name="Slide Image Placeholder 1"/>
-          <p:cNvSpPr>
-            <a:spLocks noGrp="1" noRot="1" noChangeAspect="1"/>
-          </p:cNvSpPr>
-          <p:nvPr>
-            <p:ph type="sldImg"/>
-          </p:nvPr>
-        </p:nvSpPr>
-        <p:spPr/>
-      </p:sp>
-      <p:sp>
-        <p:nvSpPr>
-          <p:cNvPr id="3" name="Notes Placeholder 2"/>
-          <p:cNvSpPr>
-            <a:spLocks noGrp="1"/>
-          </p:cNvSpPr>
-          <p:nvPr>
-            <p:ph type="body" idx="1"/>
-          </p:nvPr>
-        </p:nvSpPr>
-        <p:spPr/>
-        <p:txBody>
-          <a:bodyPr/>
-          <a:lstStyle/>
-          <a:p>
-            <a:r>
-              <a:rPr lang="en-US" sz="1200">
-                <a:solidFill>
-                  <a:prstClr val="black"/>
-                </a:solidFill>
-              </a:rPr>
-              <a:t>© Copyright Showeet.com – Free PowerPoint Templates</a:t>
-            </a:r>
-            <a:endParaRPr lang="en-US"/>
-          </a:p>
-        </p:txBody>
-      </p:sp>
-      <p:sp>
-        <p:nvSpPr>
-          <p:cNvPr id="4" name="Slide Number Placeholder 3"/>
-          <p:cNvSpPr>
-            <a:spLocks noGrp="1"/>
-          </p:cNvSpPr>
-          <p:nvPr>
-            <p:ph type="sldNum" sz="quarter" idx="10"/>
-          </p:nvPr>
-        </p:nvSpPr>
-        <p:spPr/>
-        <p:txBody>
-          <a:bodyPr/>
-          <a:lstStyle/>
-          <a:p>
-            <a:pPr marL="0" marR="0" lvl="0" indent="0" algn="r" defTabSz="914400" rtl="0" eaLnBrk="1" fontAlgn="auto" latinLnBrk="0" hangingPunct="1">
-              <a:lnSpc>
-                <a:spcPct val="100000"/>
-              </a:lnSpc>
-              <a:spcBef>
-                <a:spcPts val="0"/>
-              </a:spcBef>
-              <a:spcAft>
-                <a:spcPts val="0"/>
-              </a:spcAft>
-              <a:buClrTx/>
-              <a:buSzTx/>
-              <a:buFontTx/>
-              <a:buNone/>
-              <a:tabLst/>
-              <a:defRPr/>
-            </a:pPr>
-            <a:fld id="{46B9B405-4F4D-4594-A1A1-988AA5F62729}" type="slidenum">
-              <a:rPr kumimoji="0" lang="en-US" sz="1200" b="0" i="0" u="none" strike="noStrike" kern="1200" cap="none" spc="0" normalizeH="0" baseline="0" noProof="0" smtClean="0">
-                <a:ln>
-                  <a:noFill/>
-                </a:ln>
-                <a:solidFill>
-                  <a:prstClr val="black"/>
-                </a:solidFill>
-                <a:effectLst/>
-                <a:uLnTx/>
-                <a:uFillTx/>
-                <a:latin typeface="Calibri" panose="020F0502020204030204"/>
-                <a:ea typeface="+mn-ea"/>
-                <a:cs typeface="+mn-cs"/>
-              </a:rPr>
-              <a:pPr marL="0" marR="0" lvl="0" indent="0" algn="r" defTabSz="914400" rtl="0" eaLnBrk="1" fontAlgn="auto" latinLnBrk="0" hangingPunct="1">
-                <a:lnSpc>
-                  <a:spcPct val="100000"/>
-                </a:lnSpc>
-                <a:spcBef>
-                  <a:spcPts val="0"/>
-                </a:spcBef>
-                <a:spcAft>
-                  <a:spcPts val="0"/>
-                </a:spcAft>
-                <a:buClrTx/>
-                <a:buSzTx/>
-                <a:buFontTx/>
-                <a:buNone/>
-                <a:tabLst/>
-                <a:defRPr/>
-              </a:pPr>
-              <a:t>5</a:t>
-            </a:fld>
-            <a:endParaRPr kumimoji="0" lang="en-US" sz="1200" b="0" i="0" u="none" strike="noStrike" kern="1200" cap="none" spc="0" normalizeH="0" baseline="0" noProof="0">
-              <a:ln>
-                <a:noFill/>
-              </a:ln>
-              <a:solidFill>
-                <a:prstClr val="black"/>
-              </a:solidFill>
-              <a:effectLst/>
-              <a:uLnTx/>
-              <a:uFillTx/>
-              <a:latin typeface="Calibri" panose="020F0502020204030204"/>
-              <a:ea typeface="+mn-ea"/>
-              <a:cs typeface="+mn-cs"/>
-            </a:endParaRPr>
-          </a:p>
-        </p:txBody>
-      </p:sp>
-    </p:spTree>
-    <p:extLst>
-      <p:ext uri="{BB962C8B-B14F-4D97-AF65-F5344CB8AC3E}">
-        <p14:creationId xmlns:p14="http://schemas.microsoft.com/office/powerpoint/2010/main" val="3987237274"/>
-      </p:ext>
-    </p:extLst>
-  </p:cSld>
-  <p:clrMapOvr>
-    <a:masterClrMapping/>
-  </p:clrMapOvr>
-</p:notes>
-</file>
-
-<file path=ppt/notesSlides/notesSlide6.xml><?xml version="1.0" encoding="utf-8"?>
-<p:notes xmlns:a="http://schemas.openxmlformats.org/drawingml/2006/main" xmlns:r="http://schemas.openxmlformats.org/officeDocument/2006/relationships" xmlns:p="http://schemas.openxmlformats.org/presentationml/2006/main">
-  <p:cSld>
-    <p:spTree>
-      <p:nvGrpSpPr>
-        <p:cNvPr id="1" name=""/>
-        <p:cNvGrpSpPr/>
-        <p:nvPr/>
-      </p:nvGrpSpPr>
-      <p:grpSpPr>
-        <a:xfrm>
-          <a:off x="0" y="0"/>
-          <a:ext cx="0" cy="0"/>
-          <a:chOff x="0" y="0"/>
-          <a:chExt cx="0" cy="0"/>
-        </a:xfrm>
-      </p:grpSpPr>
-      <p:sp>
-        <p:nvSpPr>
-          <p:cNvPr id="2" name="Slide Image Placeholder 1"/>
-          <p:cNvSpPr>
-            <a:spLocks noGrp="1" noRot="1" noChangeAspect="1"/>
-          </p:cNvSpPr>
-          <p:nvPr>
-            <p:ph type="sldImg"/>
-          </p:nvPr>
-        </p:nvSpPr>
-        <p:spPr/>
-      </p:sp>
-      <p:sp>
-        <p:nvSpPr>
-          <p:cNvPr id="3" name="Notes Placeholder 2"/>
-          <p:cNvSpPr>
-            <a:spLocks noGrp="1"/>
-          </p:cNvSpPr>
-          <p:nvPr>
-            <p:ph type="body" idx="1"/>
-          </p:nvPr>
-        </p:nvSpPr>
-        <p:spPr/>
-        <p:txBody>
-          <a:bodyPr/>
-          <a:lstStyle/>
-          <a:p>
-            <a:r>
-              <a:rPr lang="en-US" sz="1200">
-                <a:solidFill>
-                  <a:prstClr val="black"/>
-                </a:solidFill>
-              </a:rPr>
-              <a:t>© Copyright Showeet.com – Free PowerPoint Templates</a:t>
-            </a:r>
-            <a:endParaRPr lang="en-US"/>
-          </a:p>
-        </p:txBody>
-      </p:sp>
-      <p:sp>
-        <p:nvSpPr>
-          <p:cNvPr id="4" name="Slide Number Placeholder 3"/>
-          <p:cNvSpPr>
-            <a:spLocks noGrp="1"/>
-          </p:cNvSpPr>
-          <p:nvPr>
-            <p:ph type="sldNum" sz="quarter" idx="10"/>
-          </p:nvPr>
-        </p:nvSpPr>
-        <p:spPr/>
-        <p:txBody>
-          <a:bodyPr/>
-          <a:lstStyle/>
-          <a:p>
-            <a:pPr marL="0" marR="0" lvl="0" indent="0" algn="r" defTabSz="914400" rtl="0" eaLnBrk="1" fontAlgn="auto" latinLnBrk="0" hangingPunct="1">
-              <a:lnSpc>
-                <a:spcPct val="100000"/>
-              </a:lnSpc>
-              <a:spcBef>
-                <a:spcPts val="0"/>
-              </a:spcBef>
-              <a:spcAft>
-                <a:spcPts val="0"/>
-              </a:spcAft>
-              <a:buClrTx/>
-              <a:buSzTx/>
-              <a:buFontTx/>
-              <a:buNone/>
-              <a:tabLst/>
-              <a:defRPr/>
-            </a:pPr>
-            <a:fld id="{46B9B405-4F4D-4594-A1A1-988AA5F62729}" type="slidenum">
-              <a:rPr kumimoji="0" lang="en-US" sz="1200" b="0" i="0" u="none" strike="noStrike" kern="1200" cap="none" spc="0" normalizeH="0" baseline="0" noProof="0" smtClean="0">
-                <a:ln>
-                  <a:noFill/>
-                </a:ln>
-                <a:solidFill>
-                  <a:prstClr val="black"/>
-                </a:solidFill>
-                <a:effectLst/>
-                <a:uLnTx/>
-                <a:uFillTx/>
-                <a:latin typeface="Calibri" panose="020F0502020204030204"/>
-                <a:ea typeface="+mn-ea"/>
-                <a:cs typeface="+mn-cs"/>
-              </a:rPr>
-              <a:pPr marL="0" marR="0" lvl="0" indent="0" algn="r" defTabSz="914400" rtl="0" eaLnBrk="1" fontAlgn="auto" latinLnBrk="0" hangingPunct="1">
-                <a:lnSpc>
-                  <a:spcPct val="100000"/>
-                </a:lnSpc>
-                <a:spcBef>
-                  <a:spcPts val="0"/>
-                </a:spcBef>
-                <a:spcAft>
-                  <a:spcPts val="0"/>
-                </a:spcAft>
-                <a:buClrTx/>
-                <a:buSzTx/>
-                <a:buFontTx/>
-                <a:buNone/>
-                <a:tabLst/>
-                <a:defRPr/>
-              </a:pPr>
-              <a:t>6</a:t>
-            </a:fld>
-            <a:endParaRPr kumimoji="0" lang="en-US" sz="1200" b="0" i="0" u="none" strike="noStrike" kern="1200" cap="none" spc="0" normalizeH="0" baseline="0" noProof="0">
-              <a:ln>
-                <a:noFill/>
-              </a:ln>
-              <a:solidFill>
-                <a:prstClr val="black"/>
-              </a:solidFill>
-              <a:effectLst/>
-              <a:uLnTx/>
-              <a:uFillTx/>
-              <a:latin typeface="Calibri" panose="020F0502020204030204"/>
-              <a:ea typeface="+mn-ea"/>
-              <a:cs typeface="+mn-cs"/>
-            </a:endParaRPr>
-          </a:p>
-        </p:txBody>
-      </p:sp>
-    </p:spTree>
-    <p:extLst>
-      <p:ext uri="{BB962C8B-B14F-4D97-AF65-F5344CB8AC3E}">
-        <p14:creationId xmlns:p14="http://schemas.microsoft.com/office/powerpoint/2010/main" val="3135492712"/>
-      </p:ext>
-    </p:extLst>
-  </p:cSld>
-  <p:clrMapOvr>
-    <a:masterClrMapping/>
-  </p:clrMapOvr>
-</p:notes>
-</file>
-
-<file path=ppt/notesSlides/notesSlide7.xml><?xml version="1.0" encoding="utf-8"?>
-<p:notes xmlns:a="http://schemas.openxmlformats.org/drawingml/2006/main" xmlns:r="http://schemas.openxmlformats.org/officeDocument/2006/relationships" xmlns:p="http://schemas.openxmlformats.org/presentationml/2006/main">
-  <p:cSld>
-    <p:spTree>
-      <p:nvGrpSpPr>
-        <p:cNvPr id="1" name=""/>
-        <p:cNvGrpSpPr/>
-        <p:nvPr/>
-      </p:nvGrpSpPr>
-      <p:grpSpPr>
-        <a:xfrm>
-          <a:off x="0" y="0"/>
-          <a:ext cx="0" cy="0"/>
-          <a:chOff x="0" y="0"/>
-          <a:chExt cx="0" cy="0"/>
-        </a:xfrm>
-      </p:grpSpPr>
-      <p:sp>
-        <p:nvSpPr>
-          <p:cNvPr id="2" name="Slide Image Placeholder 1"/>
-          <p:cNvSpPr>
-            <a:spLocks noGrp="1" noRot="1" noChangeAspect="1"/>
-          </p:cNvSpPr>
-          <p:nvPr>
-            <p:ph type="sldImg"/>
-          </p:nvPr>
-        </p:nvSpPr>
-        <p:spPr/>
-      </p:sp>
-      <p:sp>
-        <p:nvSpPr>
-          <p:cNvPr id="3" name="Notes Placeholder 2"/>
-          <p:cNvSpPr>
-            <a:spLocks noGrp="1"/>
-          </p:cNvSpPr>
-          <p:nvPr>
-            <p:ph type="body" idx="1"/>
-          </p:nvPr>
-        </p:nvSpPr>
-        <p:spPr/>
-        <p:txBody>
-          <a:bodyPr/>
-          <a:lstStyle/>
-          <a:p>
-            <a:r>
-              <a:rPr lang="en-US" sz="1200">
-                <a:solidFill>
-                  <a:prstClr val="black"/>
-                </a:solidFill>
-              </a:rPr>
-              <a:t>© Copyright Showeet.com – Free PowerPoint Templates</a:t>
-            </a:r>
-            <a:endParaRPr lang="en-US"/>
-          </a:p>
-        </p:txBody>
-      </p:sp>
-      <p:sp>
-        <p:nvSpPr>
-          <p:cNvPr id="4" name="Slide Number Placeholder 3"/>
-          <p:cNvSpPr>
-            <a:spLocks noGrp="1"/>
-          </p:cNvSpPr>
-          <p:nvPr>
-            <p:ph type="sldNum" sz="quarter" idx="10"/>
-          </p:nvPr>
-        </p:nvSpPr>
-        <p:spPr/>
-        <p:txBody>
-          <a:bodyPr/>
-          <a:lstStyle/>
-          <a:p>
-            <a:pPr marL="0" marR="0" lvl="0" indent="0" algn="r" defTabSz="914400" rtl="0" eaLnBrk="1" fontAlgn="auto" latinLnBrk="0" hangingPunct="1">
-              <a:lnSpc>
-                <a:spcPct val="100000"/>
-              </a:lnSpc>
-              <a:spcBef>
-                <a:spcPts val="0"/>
-              </a:spcBef>
-              <a:spcAft>
-                <a:spcPts val="0"/>
-              </a:spcAft>
-              <a:buClrTx/>
-              <a:buSzTx/>
-              <a:buFontTx/>
-              <a:buNone/>
-              <a:tabLst/>
-              <a:defRPr/>
-            </a:pPr>
-            <a:fld id="{46B9B405-4F4D-4594-A1A1-988AA5F62729}" type="slidenum">
-              <a:rPr kumimoji="0" lang="en-US" sz="1200" b="0" i="0" u="none" strike="noStrike" kern="1200" cap="none" spc="0" normalizeH="0" baseline="0" noProof="0" smtClean="0">
-                <a:ln>
-                  <a:noFill/>
-                </a:ln>
-                <a:solidFill>
-                  <a:prstClr val="black"/>
-                </a:solidFill>
-                <a:effectLst/>
-                <a:uLnTx/>
-                <a:uFillTx/>
-                <a:latin typeface="Calibri" panose="020F0502020204030204"/>
-                <a:ea typeface="+mn-ea"/>
-                <a:cs typeface="+mn-cs"/>
-              </a:rPr>
-              <a:pPr marL="0" marR="0" lvl="0" indent="0" algn="r" defTabSz="914400" rtl="0" eaLnBrk="1" fontAlgn="auto" latinLnBrk="0" hangingPunct="1">
-                <a:lnSpc>
-                  <a:spcPct val="100000"/>
-                </a:lnSpc>
-                <a:spcBef>
-                  <a:spcPts val="0"/>
-                </a:spcBef>
-                <a:spcAft>
-                  <a:spcPts val="0"/>
-                </a:spcAft>
-                <a:buClrTx/>
-                <a:buSzTx/>
-                <a:buFontTx/>
-                <a:buNone/>
-                <a:tabLst/>
-                <a:defRPr/>
-              </a:pPr>
-              <a:t>7</a:t>
-            </a:fld>
-            <a:endParaRPr kumimoji="0" lang="en-US" sz="1200" b="0" i="0" u="none" strike="noStrike" kern="1200" cap="none" spc="0" normalizeH="0" baseline="0" noProof="0">
-              <a:ln>
-                <a:noFill/>
-              </a:ln>
-              <a:solidFill>
-                <a:prstClr val="black"/>
-              </a:solidFill>
-              <a:effectLst/>
-              <a:uLnTx/>
-              <a:uFillTx/>
-              <a:latin typeface="Calibri" panose="020F0502020204030204"/>
-              <a:ea typeface="+mn-ea"/>
-              <a:cs typeface="+mn-cs"/>
-            </a:endParaRPr>
-          </a:p>
-        </p:txBody>
-      </p:sp>
-    </p:spTree>
-    <p:extLst>
-      <p:ext uri="{BB962C8B-B14F-4D97-AF65-F5344CB8AC3E}">
-        <p14:creationId xmlns:p14="http://schemas.microsoft.com/office/powerpoint/2010/main" val="2122186141"/>
-      </p:ext>
-    </p:extLst>
-  </p:cSld>
-  <p:clrMapOvr>
-    <a:masterClrMapping/>
-  </p:clrMapOvr>
-</p:notes>
-</file>
-
-<file path=ppt/notesSlides/notesSlide8.xml><?xml version="1.0" encoding="utf-8"?>
-<p:notes xmlns:a="http://schemas.openxmlformats.org/drawingml/2006/main" xmlns:r="http://schemas.openxmlformats.org/officeDocument/2006/relationships" xmlns:p="http://schemas.openxmlformats.org/presentationml/2006/main">
-  <p:cSld>
-    <p:spTree>
-      <p:nvGrpSpPr>
-        <p:cNvPr id="1" name=""/>
-        <p:cNvGrpSpPr/>
-        <p:nvPr/>
-      </p:nvGrpSpPr>
-      <p:grpSpPr>
-        <a:xfrm>
-          <a:off x="0" y="0"/>
-          <a:ext cx="0" cy="0"/>
-          <a:chOff x="0" y="0"/>
-          <a:chExt cx="0" cy="0"/>
-        </a:xfrm>
-      </p:grpSpPr>
-      <p:sp>
-        <p:nvSpPr>
-          <p:cNvPr id="2" name="Slide Image Placeholder 1"/>
-          <p:cNvSpPr>
-            <a:spLocks noGrp="1" noRot="1" noChangeAspect="1"/>
-          </p:cNvSpPr>
-          <p:nvPr>
-            <p:ph type="sldImg"/>
-          </p:nvPr>
-        </p:nvSpPr>
-        <p:spPr/>
-      </p:sp>
-      <p:sp>
-        <p:nvSpPr>
-          <p:cNvPr id="3" name="Notes Placeholder 2"/>
-          <p:cNvSpPr>
-            <a:spLocks noGrp="1"/>
-          </p:cNvSpPr>
-          <p:nvPr>
-            <p:ph type="body" idx="1"/>
-          </p:nvPr>
-        </p:nvSpPr>
-        <p:spPr/>
-        <p:txBody>
-          <a:bodyPr/>
-          <a:lstStyle/>
-          <a:p>
-            <a:r>
-              <a:rPr lang="en-US" sz="1200">
-                <a:solidFill>
-                  <a:prstClr val="black"/>
-                </a:solidFill>
-              </a:rPr>
-              <a:t>© Copyright Showeet.com – Free PowerPoint Templates</a:t>
-            </a:r>
-            <a:endParaRPr lang="en-US"/>
-          </a:p>
-        </p:txBody>
-      </p:sp>
-      <p:sp>
-        <p:nvSpPr>
-          <p:cNvPr id="4" name="Slide Number Placeholder 3"/>
-          <p:cNvSpPr>
-            <a:spLocks noGrp="1"/>
-          </p:cNvSpPr>
-          <p:nvPr>
-            <p:ph type="sldNum" sz="quarter" idx="10"/>
-          </p:nvPr>
-        </p:nvSpPr>
-        <p:spPr/>
-        <p:txBody>
-          <a:bodyPr/>
-          <a:lstStyle/>
-          <a:p>
-            <a:pPr marL="0" marR="0" lvl="0" indent="0" algn="r" defTabSz="914400" rtl="0" eaLnBrk="1" fontAlgn="auto" latinLnBrk="0" hangingPunct="1">
-              <a:lnSpc>
-                <a:spcPct val="100000"/>
-              </a:lnSpc>
-              <a:spcBef>
-                <a:spcPts val="0"/>
-              </a:spcBef>
-              <a:spcAft>
-                <a:spcPts val="0"/>
-              </a:spcAft>
-              <a:buClrTx/>
-              <a:buSzTx/>
-              <a:buFontTx/>
-              <a:buNone/>
-              <a:tabLst/>
-              <a:defRPr/>
-            </a:pPr>
-            <a:fld id="{46B9B405-4F4D-4594-A1A1-988AA5F62729}" type="slidenum">
-              <a:rPr kumimoji="0" lang="en-US" sz="1200" b="0" i="0" u="none" strike="noStrike" kern="1200" cap="none" spc="0" normalizeH="0" baseline="0" noProof="0" smtClean="0">
-                <a:ln>
-                  <a:noFill/>
-                </a:ln>
-                <a:solidFill>
-                  <a:prstClr val="black"/>
-                </a:solidFill>
-                <a:effectLst/>
-                <a:uLnTx/>
-                <a:uFillTx/>
-                <a:latin typeface="Calibri" panose="020F0502020204030204"/>
-                <a:ea typeface="+mn-ea"/>
-                <a:cs typeface="+mn-cs"/>
-              </a:rPr>
-              <a:pPr marL="0" marR="0" lvl="0" indent="0" algn="r" defTabSz="914400" rtl="0" eaLnBrk="1" fontAlgn="auto" latinLnBrk="0" hangingPunct="1">
-                <a:lnSpc>
-                  <a:spcPct val="100000"/>
-                </a:lnSpc>
-                <a:spcBef>
-                  <a:spcPts val="0"/>
-                </a:spcBef>
-                <a:spcAft>
-                  <a:spcPts val="0"/>
-                </a:spcAft>
-                <a:buClrTx/>
-                <a:buSzTx/>
-                <a:buFontTx/>
-                <a:buNone/>
-                <a:tabLst/>
-                <a:defRPr/>
-              </a:pPr>
-              <a:t>8</a:t>
-            </a:fld>
-            <a:endParaRPr kumimoji="0" lang="en-US" sz="1200" b="0" i="0" u="none" strike="noStrike" kern="1200" cap="none" spc="0" normalizeH="0" baseline="0" noProof="0">
-              <a:ln>
-                <a:noFill/>
-              </a:ln>
-              <a:solidFill>
-                <a:prstClr val="black"/>
-              </a:solidFill>
-              <a:effectLst/>
-              <a:uLnTx/>
-              <a:uFillTx/>
-              <a:latin typeface="Calibri" panose="020F0502020204030204"/>
-              <a:ea typeface="+mn-ea"/>
-              <a:cs typeface="+mn-cs"/>
-            </a:endParaRPr>
-          </a:p>
-        </p:txBody>
-      </p:sp>
-    </p:spTree>
-    <p:extLst>
-      <p:ext uri="{BB962C8B-B14F-4D97-AF65-F5344CB8AC3E}">
         <p14:creationId xmlns:p14="http://schemas.microsoft.com/office/powerpoint/2010/main" val="1007261731"/>
-      </p:ext>
-    </p:extLst>
-  </p:cSld>
-  <p:clrMapOvr>
-    <a:masterClrMapping/>
-  </p:clrMapOvr>
-</p:notes>
-</file>
-
-<file path=ppt/notesSlides/notesSlide9.xml><?xml version="1.0" encoding="utf-8"?>
-<p:notes xmlns:a="http://schemas.openxmlformats.org/drawingml/2006/main" xmlns:r="http://schemas.openxmlformats.org/officeDocument/2006/relationships" xmlns:p="http://schemas.openxmlformats.org/presentationml/2006/main">
-  <p:cSld>
-    <p:spTree>
-      <p:nvGrpSpPr>
-        <p:cNvPr id="1" name=""/>
-        <p:cNvGrpSpPr/>
-        <p:nvPr/>
-      </p:nvGrpSpPr>
-      <p:grpSpPr>
-        <a:xfrm>
-          <a:off x="0" y="0"/>
-          <a:ext cx="0" cy="0"/>
-          <a:chOff x="0" y="0"/>
-          <a:chExt cx="0" cy="0"/>
-        </a:xfrm>
-      </p:grpSpPr>
-      <p:sp>
-        <p:nvSpPr>
-          <p:cNvPr id="2" name="Slide Image Placeholder 1"/>
-          <p:cNvSpPr>
-            <a:spLocks noGrp="1" noRot="1" noChangeAspect="1"/>
-          </p:cNvSpPr>
-          <p:nvPr>
-            <p:ph type="sldImg"/>
-          </p:nvPr>
-        </p:nvSpPr>
-        <p:spPr/>
-      </p:sp>
-      <p:sp>
-        <p:nvSpPr>
-          <p:cNvPr id="3" name="Notes Placeholder 2"/>
-          <p:cNvSpPr>
-            <a:spLocks noGrp="1"/>
-          </p:cNvSpPr>
-          <p:nvPr>
-            <p:ph type="body" idx="1"/>
-          </p:nvPr>
-        </p:nvSpPr>
-        <p:spPr/>
-        <p:txBody>
-          <a:bodyPr/>
-          <a:lstStyle/>
-          <a:p>
-            <a:r>
-              <a:rPr lang="en-US" sz="1200">
-                <a:solidFill>
-                  <a:prstClr val="black"/>
-                </a:solidFill>
-              </a:rPr>
-              <a:t>© Copyright Showeet.com – Free PowerPoint Templates</a:t>
-            </a:r>
-            <a:endParaRPr lang="en-US"/>
-          </a:p>
-        </p:txBody>
-      </p:sp>
-      <p:sp>
-        <p:nvSpPr>
-          <p:cNvPr id="4" name="Slide Number Placeholder 3"/>
-          <p:cNvSpPr>
-            <a:spLocks noGrp="1"/>
-          </p:cNvSpPr>
-          <p:nvPr>
-            <p:ph type="sldNum" sz="quarter" idx="10"/>
-          </p:nvPr>
-        </p:nvSpPr>
-        <p:spPr/>
-        <p:txBody>
-          <a:bodyPr/>
-          <a:lstStyle/>
-          <a:p>
-            <a:pPr marL="0" marR="0" lvl="0" indent="0" algn="r" defTabSz="914400" rtl="0" eaLnBrk="1" fontAlgn="auto" latinLnBrk="0" hangingPunct="1">
-              <a:lnSpc>
-                <a:spcPct val="100000"/>
-              </a:lnSpc>
-              <a:spcBef>
-                <a:spcPts val="0"/>
-              </a:spcBef>
-              <a:spcAft>
-                <a:spcPts val="0"/>
-              </a:spcAft>
-              <a:buClrTx/>
-              <a:buSzTx/>
-              <a:buFontTx/>
-              <a:buNone/>
-              <a:tabLst/>
-              <a:defRPr/>
-            </a:pPr>
-            <a:fld id="{46B9B405-4F4D-4594-A1A1-988AA5F62729}" type="slidenum">
-              <a:rPr kumimoji="0" lang="en-US" sz="1200" b="0" i="0" u="none" strike="noStrike" kern="1200" cap="none" spc="0" normalizeH="0" baseline="0" noProof="0" smtClean="0">
-                <a:ln>
-                  <a:noFill/>
-                </a:ln>
-                <a:solidFill>
-                  <a:prstClr val="black"/>
-                </a:solidFill>
-                <a:effectLst/>
-                <a:uLnTx/>
-                <a:uFillTx/>
-                <a:latin typeface="Calibri" panose="020F0502020204030204"/>
-                <a:ea typeface="+mn-ea"/>
-                <a:cs typeface="+mn-cs"/>
-              </a:rPr>
-              <a:pPr marL="0" marR="0" lvl="0" indent="0" algn="r" defTabSz="914400" rtl="0" eaLnBrk="1" fontAlgn="auto" latinLnBrk="0" hangingPunct="1">
-                <a:lnSpc>
-                  <a:spcPct val="100000"/>
-                </a:lnSpc>
-                <a:spcBef>
-                  <a:spcPts val="0"/>
-                </a:spcBef>
-                <a:spcAft>
-                  <a:spcPts val="0"/>
-                </a:spcAft>
-                <a:buClrTx/>
-                <a:buSzTx/>
-                <a:buFontTx/>
-                <a:buNone/>
-                <a:tabLst/>
-                <a:defRPr/>
-              </a:pPr>
-              <a:t>9</a:t>
-            </a:fld>
-            <a:endParaRPr kumimoji="0" lang="en-US" sz="1200" b="0" i="0" u="none" strike="noStrike" kern="1200" cap="none" spc="0" normalizeH="0" baseline="0" noProof="0">
-              <a:ln>
-                <a:noFill/>
-              </a:ln>
-              <a:solidFill>
-                <a:prstClr val="black"/>
-              </a:solidFill>
-              <a:effectLst/>
-              <a:uLnTx/>
-              <a:uFillTx/>
-              <a:latin typeface="Calibri" panose="020F0502020204030204"/>
-              <a:ea typeface="+mn-ea"/>
-              <a:cs typeface="+mn-cs"/>
-            </a:endParaRPr>
-          </a:p>
-        </p:txBody>
-      </p:sp>
-    </p:spTree>
-    <p:extLst>
-      <p:ext uri="{BB962C8B-B14F-4D97-AF65-F5344CB8AC3E}">
-        <p14:creationId xmlns:p14="http://schemas.microsoft.com/office/powerpoint/2010/main" val="3578084510"/>
       </p:ext>
     </p:extLst>
   </p:cSld>
@@ -12839,7 +12839,7 @@
           <a:p>
             <a:r>
               <a:rPr lang="en-US" dirty="0"/>
-              <a:t>Decision Tree Classifier – Supervised – Over sampling with class weight</a:t>
+              <a:t>Logistic Regression – Supervised – Random Over Sampler to balance the data</a:t>
             </a:r>
           </a:p>
         </p:txBody>
@@ -12858,7 +12858,7 @@
         </p:nvSpPr>
         <p:spPr>
           <a:xfrm>
-            <a:off x="1233577" y="1348633"/>
+            <a:off x="1233577" y="1353207"/>
             <a:ext cx="3191258" cy="369332"/>
           </a:xfrm>
           <a:prstGeom prst="rect">
@@ -12893,7 +12893,7 @@
         </p:nvSpPr>
         <p:spPr>
           <a:xfrm>
-            <a:off x="1233577" y="3013004"/>
+            <a:off x="1233577" y="2778846"/>
             <a:ext cx="884345" cy="369332"/>
           </a:xfrm>
           <a:prstGeom prst="rect">
@@ -12916,10 +12916,10 @@
       </p:sp>
       <p:pic>
         <p:nvPicPr>
-          <p:cNvPr id="7" name="Picture 6">
+          <p:cNvPr id="6" name="Picture 5">
             <a:extLst>
               <a:ext uri="{FF2B5EF4-FFF2-40B4-BE49-F238E27FC236}">
-                <a16:creationId xmlns:a16="http://schemas.microsoft.com/office/drawing/2014/main" id="{68E0D720-10AF-1688-13B5-B6A4EDEFEE73}"/>
+                <a16:creationId xmlns:a16="http://schemas.microsoft.com/office/drawing/2014/main" id="{1AE90603-18E9-B035-0AAE-0163FFDB2019}"/>
               </a:ext>
             </a:extLst>
           </p:cNvPr>
@@ -12936,8 +12936,8 @@
         </p:blipFill>
         <p:spPr>
           <a:xfrm>
-            <a:off x="1317675" y="3701428"/>
-            <a:ext cx="4115374" cy="1629002"/>
+            <a:off x="1317675" y="1965951"/>
+            <a:ext cx="2505425" cy="466790"/>
           </a:xfrm>
           <a:prstGeom prst="rect">
             <a:avLst/>
@@ -12949,7 +12949,7 @@
           <p:cNvPr id="10" name="Picture 9">
             <a:extLst>
               <a:ext uri="{FF2B5EF4-FFF2-40B4-BE49-F238E27FC236}">
-                <a16:creationId xmlns:a16="http://schemas.microsoft.com/office/drawing/2014/main" id="{B3B716B1-381D-86B3-B3D5-D5CD819C1928}"/>
+                <a16:creationId xmlns:a16="http://schemas.microsoft.com/office/drawing/2014/main" id="{D3D86A04-FC69-96AA-CA08-4A0DE0CC416D}"/>
               </a:ext>
             </a:extLst>
           </p:cNvPr>
@@ -12966,8 +12966,8 @@
         </p:blipFill>
         <p:spPr>
           <a:xfrm>
-            <a:off x="1317675" y="2155905"/>
-            <a:ext cx="2438740" cy="419158"/>
+            <a:off x="1317675" y="3611249"/>
+            <a:ext cx="4086795" cy="1524213"/>
           </a:xfrm>
           <a:prstGeom prst="rect">
             <a:avLst/>
@@ -12977,7 +12977,7 @@
     </p:spTree>
     <p:extLst>
       <p:ext uri="{BB962C8B-B14F-4D97-AF65-F5344CB8AC3E}">
-        <p14:creationId xmlns:p14="http://schemas.microsoft.com/office/powerpoint/2010/main" val="1209320706"/>
+        <p14:creationId xmlns:p14="http://schemas.microsoft.com/office/powerpoint/2010/main" val="2001476496"/>
       </p:ext>
     </p:extLst>
   </p:cSld>
@@ -13019,7 +13019,7 @@
         <p:spPr>
           <a:xfrm>
             <a:off x="1233577" y="707366"/>
-            <a:ext cx="10334446" cy="646331"/>
+            <a:ext cx="10334446" cy="369332"/>
           </a:xfrm>
           <a:prstGeom prst="rect">
             <a:avLst/>
@@ -13034,7 +13034,7 @@
           <a:p>
             <a:r>
               <a:rPr lang="en-US" dirty="0"/>
-              <a:t>Decision Tree Classifier – Supervised – Synthetic Minority Over-Sampling Technique (SMOTE) with class weight</a:t>
+              <a:t>Decision Tree Classifier – Supervised – Random Over Sampler to balance data</a:t>
             </a:r>
           </a:p>
         </p:txBody>
@@ -13114,7 +13114,7 @@
           <p:cNvPr id="5" name="Picture 4">
             <a:extLst>
               <a:ext uri="{FF2B5EF4-FFF2-40B4-BE49-F238E27FC236}">
-                <a16:creationId xmlns:a16="http://schemas.microsoft.com/office/drawing/2014/main" id="{454BDFD2-A21B-967A-74E3-1BC8A341BF55}"/>
+                <a16:creationId xmlns:a16="http://schemas.microsoft.com/office/drawing/2014/main" id="{92108F4D-AE41-1DAE-8DEA-DF5720849942}"/>
               </a:ext>
             </a:extLst>
           </p:cNvPr>
@@ -13131,8 +13131,8 @@
         </p:blipFill>
         <p:spPr>
           <a:xfrm>
-            <a:off x="1317675" y="3715716"/>
-            <a:ext cx="4105848" cy="1600423"/>
+            <a:off x="1317675" y="2082966"/>
+            <a:ext cx="2467319" cy="457264"/>
           </a:xfrm>
           <a:prstGeom prst="rect">
             <a:avLst/>
@@ -13144,7 +13144,7 @@
           <p:cNvPr id="8" name="Picture 7">
             <a:extLst>
               <a:ext uri="{FF2B5EF4-FFF2-40B4-BE49-F238E27FC236}">
-                <a16:creationId xmlns:a16="http://schemas.microsoft.com/office/drawing/2014/main" id="{E8E12351-9BE2-CC3B-DADE-D6DF00249B75}"/>
+                <a16:creationId xmlns:a16="http://schemas.microsoft.com/office/drawing/2014/main" id="{E568FE1D-2AAB-BD6B-05A0-651CE0C68D7F}"/>
               </a:ext>
             </a:extLst>
           </p:cNvPr>
@@ -13161,8 +13161,8 @@
         </p:blipFill>
         <p:spPr>
           <a:xfrm>
-            <a:off x="1317675" y="2051345"/>
-            <a:ext cx="2467319" cy="543001"/>
+            <a:off x="1317675" y="3835269"/>
+            <a:ext cx="4077269" cy="1590897"/>
           </a:xfrm>
           <a:prstGeom prst="rect">
             <a:avLst/>
@@ -13172,7 +13172,7 @@
     </p:spTree>
     <p:extLst>
       <p:ext uri="{BB962C8B-B14F-4D97-AF65-F5344CB8AC3E}">
-        <p14:creationId xmlns:p14="http://schemas.microsoft.com/office/powerpoint/2010/main" val="248949194"/>
+        <p14:creationId xmlns:p14="http://schemas.microsoft.com/office/powerpoint/2010/main" val="3469983971"/>
       </p:ext>
     </p:extLst>
   </p:cSld>
@@ -13201,6 +13201,800 @@
       </p:grpSpPr>
       <p:sp>
         <p:nvSpPr>
+          <p:cNvPr id="4" name="TextBox 3">
+            <a:extLst>
+              <a:ext uri="{FF2B5EF4-FFF2-40B4-BE49-F238E27FC236}">
+                <a16:creationId xmlns:a16="http://schemas.microsoft.com/office/drawing/2014/main" id="{4991F778-C5C8-B229-5B47-A6E62DE23129}"/>
+              </a:ext>
+            </a:extLst>
+          </p:cNvPr>
+          <p:cNvSpPr txBox="1"/>
+          <p:nvPr/>
+        </p:nvSpPr>
+        <p:spPr>
+          <a:xfrm>
+            <a:off x="1233577" y="707366"/>
+            <a:ext cx="10334446" cy="646331"/>
+          </a:xfrm>
+          <a:prstGeom prst="rect">
+            <a:avLst/>
+          </a:prstGeom>
+          <a:noFill/>
+        </p:spPr>
+        <p:txBody>
+          <a:bodyPr wrap="square" rtlCol="0">
+            <a:spAutoFit/>
+          </a:bodyPr>
+          <a:lstStyle/>
+          <a:p>
+            <a:r>
+              <a:rPr lang="en-US" dirty="0"/>
+              <a:t>Decision Tree Classifier – Supervised – Random Over Sampler balance data with class weight</a:t>
+            </a:r>
+          </a:p>
+          <a:p>
+            <a:r>
+              <a:rPr lang="en-US" dirty="0"/>
+              <a:t>This is our </a:t>
+            </a:r>
+            <a:r>
+              <a:rPr lang="en-US" b="1" dirty="0"/>
+              <a:t>optimized</a:t>
+            </a:r>
+            <a:r>
+              <a:rPr lang="en-US" dirty="0"/>
+              <a:t> model</a:t>
+            </a:r>
+          </a:p>
+        </p:txBody>
+      </p:sp>
+      <p:sp>
+        <p:nvSpPr>
+          <p:cNvPr id="13" name="TextBox 12">
+            <a:extLst>
+              <a:ext uri="{FF2B5EF4-FFF2-40B4-BE49-F238E27FC236}">
+                <a16:creationId xmlns:a16="http://schemas.microsoft.com/office/drawing/2014/main" id="{4B2292F8-8B97-CA1C-1C50-5B1E8CA3624E}"/>
+              </a:ext>
+            </a:extLst>
+          </p:cNvPr>
+          <p:cNvSpPr txBox="1"/>
+          <p:nvPr/>
+        </p:nvSpPr>
+        <p:spPr>
+          <a:xfrm>
+            <a:off x="1233577" y="1348633"/>
+            <a:ext cx="3191258" cy="369332"/>
+          </a:xfrm>
+          <a:prstGeom prst="rect">
+            <a:avLst/>
+          </a:prstGeom>
+          <a:noFill/>
+        </p:spPr>
+        <p:txBody>
+          <a:bodyPr wrap="none" rtlCol="0">
+            <a:spAutoFit/>
+          </a:bodyPr>
+          <a:lstStyle/>
+          <a:p>
+            <a:r>
+              <a:rPr lang="en-US" dirty="0"/>
+              <a:t>Confusion matrix with test data:</a:t>
+            </a:r>
+          </a:p>
+        </p:txBody>
+      </p:sp>
+      <p:sp>
+        <p:nvSpPr>
+          <p:cNvPr id="14" name="TextBox 13">
+            <a:extLst>
+              <a:ext uri="{FF2B5EF4-FFF2-40B4-BE49-F238E27FC236}">
+                <a16:creationId xmlns:a16="http://schemas.microsoft.com/office/drawing/2014/main" id="{ED064148-AE4F-7C27-E13A-B8BE91DD6451}"/>
+              </a:ext>
+            </a:extLst>
+          </p:cNvPr>
+          <p:cNvSpPr txBox="1"/>
+          <p:nvPr/>
+        </p:nvSpPr>
+        <p:spPr>
+          <a:xfrm>
+            <a:off x="1233577" y="3013004"/>
+            <a:ext cx="884345" cy="369332"/>
+          </a:xfrm>
+          <a:prstGeom prst="rect">
+            <a:avLst/>
+          </a:prstGeom>
+          <a:noFill/>
+        </p:spPr>
+        <p:txBody>
+          <a:bodyPr wrap="none" rtlCol="0">
+            <a:spAutoFit/>
+          </a:bodyPr>
+          <a:lstStyle/>
+          <a:p>
+            <a:r>
+              <a:rPr lang="en-US" dirty="0"/>
+              <a:t>Report:</a:t>
+            </a:r>
+          </a:p>
+        </p:txBody>
+      </p:sp>
+      <p:pic>
+        <p:nvPicPr>
+          <p:cNvPr id="3" name="Picture 2">
+            <a:extLst>
+              <a:ext uri="{FF2B5EF4-FFF2-40B4-BE49-F238E27FC236}">
+                <a16:creationId xmlns:a16="http://schemas.microsoft.com/office/drawing/2014/main" id="{4BD4DD7B-E0F6-A685-CC1C-F26F694F34FA}"/>
+              </a:ext>
+            </a:extLst>
+          </p:cNvPr>
+          <p:cNvPicPr>
+            <a:picLocks noChangeAspect="1"/>
+          </p:cNvPicPr>
+          <p:nvPr/>
+        </p:nvPicPr>
+        <p:blipFill>
+          <a:blip r:embed="rId3"/>
+          <a:stretch>
+            <a:fillRect/>
+          </a:stretch>
+        </p:blipFill>
+        <p:spPr>
+          <a:xfrm>
+            <a:off x="1317675" y="2131386"/>
+            <a:ext cx="2429214" cy="428685"/>
+          </a:xfrm>
+          <a:prstGeom prst="rect">
+            <a:avLst/>
+          </a:prstGeom>
+        </p:spPr>
+      </p:pic>
+      <p:pic>
+        <p:nvPicPr>
+          <p:cNvPr id="7" name="Picture 6">
+            <a:extLst>
+              <a:ext uri="{FF2B5EF4-FFF2-40B4-BE49-F238E27FC236}">
+                <a16:creationId xmlns:a16="http://schemas.microsoft.com/office/drawing/2014/main" id="{8FFC319B-FB01-56DC-7BA5-FE79A93E3AA2}"/>
+              </a:ext>
+            </a:extLst>
+          </p:cNvPr>
+          <p:cNvPicPr>
+            <a:picLocks noChangeAspect="1"/>
+          </p:cNvPicPr>
+          <p:nvPr/>
+        </p:nvPicPr>
+        <p:blipFill>
+          <a:blip r:embed="rId4"/>
+          <a:stretch>
+            <a:fillRect/>
+          </a:stretch>
+        </p:blipFill>
+        <p:spPr>
+          <a:xfrm>
+            <a:off x="1317675" y="3908944"/>
+            <a:ext cx="4143953" cy="1600423"/>
+          </a:xfrm>
+          <a:prstGeom prst="rect">
+            <a:avLst/>
+          </a:prstGeom>
+        </p:spPr>
+      </p:pic>
+    </p:spTree>
+    <p:extLst>
+      <p:ext uri="{BB962C8B-B14F-4D97-AF65-F5344CB8AC3E}">
+        <p14:creationId xmlns:p14="http://schemas.microsoft.com/office/powerpoint/2010/main" val="2642187075"/>
+      </p:ext>
+    </p:extLst>
+  </p:cSld>
+  <p:clrMapOvr>
+    <a:masterClrMapping/>
+  </p:clrMapOvr>
+</p:sld>
+</file>
+
+<file path=ppt/slides/slide13.xml><?xml version="1.0" encoding="utf-8"?>
+<p:sld xmlns:a="http://schemas.openxmlformats.org/drawingml/2006/main" xmlns:r="http://schemas.openxmlformats.org/officeDocument/2006/relationships" xmlns:p="http://schemas.openxmlformats.org/presentationml/2006/main">
+  <p:cSld>
+    <p:spTree>
+      <p:nvGrpSpPr>
+        <p:cNvPr id="1" name=""/>
+        <p:cNvGrpSpPr/>
+        <p:nvPr/>
+      </p:nvGrpSpPr>
+      <p:grpSpPr>
+        <a:xfrm>
+          <a:off x="0" y="0"/>
+          <a:ext cx="0" cy="0"/>
+          <a:chOff x="0" y="0"/>
+          <a:chExt cx="0" cy="0"/>
+        </a:xfrm>
+      </p:grpSpPr>
+      <p:sp>
+        <p:nvSpPr>
+          <p:cNvPr id="4" name="TextBox 3">
+            <a:extLst>
+              <a:ext uri="{FF2B5EF4-FFF2-40B4-BE49-F238E27FC236}">
+                <a16:creationId xmlns:a16="http://schemas.microsoft.com/office/drawing/2014/main" id="{4991F778-C5C8-B229-5B47-A6E62DE23129}"/>
+              </a:ext>
+            </a:extLst>
+          </p:cNvPr>
+          <p:cNvSpPr txBox="1"/>
+          <p:nvPr/>
+        </p:nvSpPr>
+        <p:spPr>
+          <a:xfrm>
+            <a:off x="1233577" y="707366"/>
+            <a:ext cx="10334446" cy="369332"/>
+          </a:xfrm>
+          <a:prstGeom prst="rect">
+            <a:avLst/>
+          </a:prstGeom>
+          <a:noFill/>
+        </p:spPr>
+        <p:txBody>
+          <a:bodyPr wrap="square" rtlCol="0">
+            <a:spAutoFit/>
+          </a:bodyPr>
+          <a:lstStyle/>
+          <a:p>
+            <a:r>
+              <a:rPr lang="en-US" dirty="0"/>
+              <a:t>Decision Tree Classifier – Supervised – Under sampling with class weight</a:t>
+            </a:r>
+          </a:p>
+        </p:txBody>
+      </p:sp>
+      <p:sp>
+        <p:nvSpPr>
+          <p:cNvPr id="13" name="TextBox 12">
+            <a:extLst>
+              <a:ext uri="{FF2B5EF4-FFF2-40B4-BE49-F238E27FC236}">
+                <a16:creationId xmlns:a16="http://schemas.microsoft.com/office/drawing/2014/main" id="{4B2292F8-8B97-CA1C-1C50-5B1E8CA3624E}"/>
+              </a:ext>
+            </a:extLst>
+          </p:cNvPr>
+          <p:cNvSpPr txBox="1"/>
+          <p:nvPr/>
+        </p:nvSpPr>
+        <p:spPr>
+          <a:xfrm>
+            <a:off x="1233577" y="1348633"/>
+            <a:ext cx="3191258" cy="369332"/>
+          </a:xfrm>
+          <a:prstGeom prst="rect">
+            <a:avLst/>
+          </a:prstGeom>
+          <a:noFill/>
+        </p:spPr>
+        <p:txBody>
+          <a:bodyPr wrap="none" rtlCol="0">
+            <a:spAutoFit/>
+          </a:bodyPr>
+          <a:lstStyle/>
+          <a:p>
+            <a:r>
+              <a:rPr lang="en-US" dirty="0"/>
+              <a:t>Confusion matrix with test data:</a:t>
+            </a:r>
+          </a:p>
+        </p:txBody>
+      </p:sp>
+      <p:sp>
+        <p:nvSpPr>
+          <p:cNvPr id="14" name="TextBox 13">
+            <a:extLst>
+              <a:ext uri="{FF2B5EF4-FFF2-40B4-BE49-F238E27FC236}">
+                <a16:creationId xmlns:a16="http://schemas.microsoft.com/office/drawing/2014/main" id="{ED064148-AE4F-7C27-E13A-B8BE91DD6451}"/>
+              </a:ext>
+            </a:extLst>
+          </p:cNvPr>
+          <p:cNvSpPr txBox="1"/>
+          <p:nvPr/>
+        </p:nvSpPr>
+        <p:spPr>
+          <a:xfrm>
+            <a:off x="1233577" y="3013004"/>
+            <a:ext cx="884345" cy="369332"/>
+          </a:xfrm>
+          <a:prstGeom prst="rect">
+            <a:avLst/>
+          </a:prstGeom>
+          <a:noFill/>
+        </p:spPr>
+        <p:txBody>
+          <a:bodyPr wrap="none" rtlCol="0">
+            <a:spAutoFit/>
+          </a:bodyPr>
+          <a:lstStyle/>
+          <a:p>
+            <a:r>
+              <a:rPr lang="en-US" dirty="0"/>
+              <a:t>Report:</a:t>
+            </a:r>
+          </a:p>
+        </p:txBody>
+      </p:sp>
+      <p:pic>
+        <p:nvPicPr>
+          <p:cNvPr id="8" name="Picture 7">
+            <a:extLst>
+              <a:ext uri="{FF2B5EF4-FFF2-40B4-BE49-F238E27FC236}">
+                <a16:creationId xmlns:a16="http://schemas.microsoft.com/office/drawing/2014/main" id="{F3409E40-1902-CC23-B3ED-86B9C2BA2B01}"/>
+              </a:ext>
+            </a:extLst>
+          </p:cNvPr>
+          <p:cNvPicPr>
+            <a:picLocks noChangeAspect="1"/>
+          </p:cNvPicPr>
+          <p:nvPr/>
+        </p:nvPicPr>
+        <p:blipFill>
+          <a:blip r:embed="rId3"/>
+          <a:stretch>
+            <a:fillRect/>
+          </a:stretch>
+        </p:blipFill>
+        <p:spPr>
+          <a:xfrm>
+            <a:off x="1317675" y="3886689"/>
+            <a:ext cx="4086795" cy="1581371"/>
+          </a:xfrm>
+          <a:prstGeom prst="rect">
+            <a:avLst/>
+          </a:prstGeom>
+        </p:spPr>
+      </p:pic>
+      <p:pic>
+        <p:nvPicPr>
+          <p:cNvPr id="10" name="Picture 9">
+            <a:extLst>
+              <a:ext uri="{FF2B5EF4-FFF2-40B4-BE49-F238E27FC236}">
+                <a16:creationId xmlns:a16="http://schemas.microsoft.com/office/drawing/2014/main" id="{F9AAA0F3-7DB6-02B2-3561-F956D15F1E04}"/>
+              </a:ext>
+            </a:extLst>
+          </p:cNvPr>
+          <p:cNvPicPr>
+            <a:picLocks noChangeAspect="1"/>
+          </p:cNvPicPr>
+          <p:nvPr/>
+        </p:nvPicPr>
+        <p:blipFill>
+          <a:blip r:embed="rId4"/>
+          <a:stretch>
+            <a:fillRect/>
+          </a:stretch>
+        </p:blipFill>
+        <p:spPr>
+          <a:xfrm>
+            <a:off x="1317675" y="2119289"/>
+            <a:ext cx="2181529" cy="504895"/>
+          </a:xfrm>
+          <a:prstGeom prst="rect">
+            <a:avLst/>
+          </a:prstGeom>
+        </p:spPr>
+      </p:pic>
+    </p:spTree>
+    <p:extLst>
+      <p:ext uri="{BB962C8B-B14F-4D97-AF65-F5344CB8AC3E}">
+        <p14:creationId xmlns:p14="http://schemas.microsoft.com/office/powerpoint/2010/main" val="3204657138"/>
+      </p:ext>
+    </p:extLst>
+  </p:cSld>
+  <p:clrMapOvr>
+    <a:masterClrMapping/>
+  </p:clrMapOvr>
+</p:sld>
+</file>
+
+<file path=ppt/slides/slide14.xml><?xml version="1.0" encoding="utf-8"?>
+<p:sld xmlns:a="http://schemas.openxmlformats.org/drawingml/2006/main" xmlns:r="http://schemas.openxmlformats.org/officeDocument/2006/relationships" xmlns:p="http://schemas.openxmlformats.org/presentationml/2006/main">
+  <p:cSld>
+    <p:spTree>
+      <p:nvGrpSpPr>
+        <p:cNvPr id="1" name=""/>
+        <p:cNvGrpSpPr/>
+        <p:nvPr/>
+      </p:nvGrpSpPr>
+      <p:grpSpPr>
+        <a:xfrm>
+          <a:off x="0" y="0"/>
+          <a:ext cx="0" cy="0"/>
+          <a:chOff x="0" y="0"/>
+          <a:chExt cx="0" cy="0"/>
+        </a:xfrm>
+      </p:grpSpPr>
+      <p:sp>
+        <p:nvSpPr>
+          <p:cNvPr id="4" name="TextBox 3">
+            <a:extLst>
+              <a:ext uri="{FF2B5EF4-FFF2-40B4-BE49-F238E27FC236}">
+                <a16:creationId xmlns:a16="http://schemas.microsoft.com/office/drawing/2014/main" id="{4991F778-C5C8-B229-5B47-A6E62DE23129}"/>
+              </a:ext>
+            </a:extLst>
+          </p:cNvPr>
+          <p:cNvSpPr txBox="1"/>
+          <p:nvPr/>
+        </p:nvSpPr>
+        <p:spPr>
+          <a:xfrm>
+            <a:off x="1233577" y="707366"/>
+            <a:ext cx="10334446" cy="369332"/>
+          </a:xfrm>
+          <a:prstGeom prst="rect">
+            <a:avLst/>
+          </a:prstGeom>
+          <a:noFill/>
+        </p:spPr>
+        <p:txBody>
+          <a:bodyPr wrap="square" rtlCol="0">
+            <a:spAutoFit/>
+          </a:bodyPr>
+          <a:lstStyle/>
+          <a:p>
+            <a:r>
+              <a:rPr lang="en-US" dirty="0"/>
+              <a:t>Decision Tree Classifier – Supervised – Over sampling with class weight</a:t>
+            </a:r>
+          </a:p>
+        </p:txBody>
+      </p:sp>
+      <p:sp>
+        <p:nvSpPr>
+          <p:cNvPr id="13" name="TextBox 12">
+            <a:extLst>
+              <a:ext uri="{FF2B5EF4-FFF2-40B4-BE49-F238E27FC236}">
+                <a16:creationId xmlns:a16="http://schemas.microsoft.com/office/drawing/2014/main" id="{4B2292F8-8B97-CA1C-1C50-5B1E8CA3624E}"/>
+              </a:ext>
+            </a:extLst>
+          </p:cNvPr>
+          <p:cNvSpPr txBox="1"/>
+          <p:nvPr/>
+        </p:nvSpPr>
+        <p:spPr>
+          <a:xfrm>
+            <a:off x="1233577" y="1348633"/>
+            <a:ext cx="3191258" cy="369332"/>
+          </a:xfrm>
+          <a:prstGeom prst="rect">
+            <a:avLst/>
+          </a:prstGeom>
+          <a:noFill/>
+        </p:spPr>
+        <p:txBody>
+          <a:bodyPr wrap="none" rtlCol="0">
+            <a:spAutoFit/>
+          </a:bodyPr>
+          <a:lstStyle/>
+          <a:p>
+            <a:r>
+              <a:rPr lang="en-US" dirty="0"/>
+              <a:t>Confusion matrix with test data:</a:t>
+            </a:r>
+          </a:p>
+        </p:txBody>
+      </p:sp>
+      <p:sp>
+        <p:nvSpPr>
+          <p:cNvPr id="14" name="TextBox 13">
+            <a:extLst>
+              <a:ext uri="{FF2B5EF4-FFF2-40B4-BE49-F238E27FC236}">
+                <a16:creationId xmlns:a16="http://schemas.microsoft.com/office/drawing/2014/main" id="{ED064148-AE4F-7C27-E13A-B8BE91DD6451}"/>
+              </a:ext>
+            </a:extLst>
+          </p:cNvPr>
+          <p:cNvSpPr txBox="1"/>
+          <p:nvPr/>
+        </p:nvSpPr>
+        <p:spPr>
+          <a:xfrm>
+            <a:off x="1233577" y="3013004"/>
+            <a:ext cx="884345" cy="369332"/>
+          </a:xfrm>
+          <a:prstGeom prst="rect">
+            <a:avLst/>
+          </a:prstGeom>
+          <a:noFill/>
+        </p:spPr>
+        <p:txBody>
+          <a:bodyPr wrap="none" rtlCol="0">
+            <a:spAutoFit/>
+          </a:bodyPr>
+          <a:lstStyle/>
+          <a:p>
+            <a:r>
+              <a:rPr lang="en-US" dirty="0"/>
+              <a:t>Report:</a:t>
+            </a:r>
+          </a:p>
+        </p:txBody>
+      </p:sp>
+      <p:pic>
+        <p:nvPicPr>
+          <p:cNvPr id="7" name="Picture 6">
+            <a:extLst>
+              <a:ext uri="{FF2B5EF4-FFF2-40B4-BE49-F238E27FC236}">
+                <a16:creationId xmlns:a16="http://schemas.microsoft.com/office/drawing/2014/main" id="{68E0D720-10AF-1688-13B5-B6A4EDEFEE73}"/>
+              </a:ext>
+            </a:extLst>
+          </p:cNvPr>
+          <p:cNvPicPr>
+            <a:picLocks noChangeAspect="1"/>
+          </p:cNvPicPr>
+          <p:nvPr/>
+        </p:nvPicPr>
+        <p:blipFill>
+          <a:blip r:embed="rId3"/>
+          <a:stretch>
+            <a:fillRect/>
+          </a:stretch>
+        </p:blipFill>
+        <p:spPr>
+          <a:xfrm>
+            <a:off x="1317675" y="3701428"/>
+            <a:ext cx="4115374" cy="1629002"/>
+          </a:xfrm>
+          <a:prstGeom prst="rect">
+            <a:avLst/>
+          </a:prstGeom>
+        </p:spPr>
+      </p:pic>
+      <p:pic>
+        <p:nvPicPr>
+          <p:cNvPr id="10" name="Picture 9">
+            <a:extLst>
+              <a:ext uri="{FF2B5EF4-FFF2-40B4-BE49-F238E27FC236}">
+                <a16:creationId xmlns:a16="http://schemas.microsoft.com/office/drawing/2014/main" id="{B3B716B1-381D-86B3-B3D5-D5CD819C1928}"/>
+              </a:ext>
+            </a:extLst>
+          </p:cNvPr>
+          <p:cNvPicPr>
+            <a:picLocks noChangeAspect="1"/>
+          </p:cNvPicPr>
+          <p:nvPr/>
+        </p:nvPicPr>
+        <p:blipFill>
+          <a:blip r:embed="rId4"/>
+          <a:stretch>
+            <a:fillRect/>
+          </a:stretch>
+        </p:blipFill>
+        <p:spPr>
+          <a:xfrm>
+            <a:off x="1317675" y="2155905"/>
+            <a:ext cx="2438740" cy="419158"/>
+          </a:xfrm>
+          <a:prstGeom prst="rect">
+            <a:avLst/>
+          </a:prstGeom>
+        </p:spPr>
+      </p:pic>
+    </p:spTree>
+    <p:extLst>
+      <p:ext uri="{BB962C8B-B14F-4D97-AF65-F5344CB8AC3E}">
+        <p14:creationId xmlns:p14="http://schemas.microsoft.com/office/powerpoint/2010/main" val="1209320706"/>
+      </p:ext>
+    </p:extLst>
+  </p:cSld>
+  <p:clrMapOvr>
+    <a:masterClrMapping/>
+  </p:clrMapOvr>
+</p:sld>
+</file>
+
+<file path=ppt/slides/slide15.xml><?xml version="1.0" encoding="utf-8"?>
+<p:sld xmlns:a="http://schemas.openxmlformats.org/drawingml/2006/main" xmlns:r="http://schemas.openxmlformats.org/officeDocument/2006/relationships" xmlns:p="http://schemas.openxmlformats.org/presentationml/2006/main">
+  <p:cSld>
+    <p:spTree>
+      <p:nvGrpSpPr>
+        <p:cNvPr id="1" name=""/>
+        <p:cNvGrpSpPr/>
+        <p:nvPr/>
+      </p:nvGrpSpPr>
+      <p:grpSpPr>
+        <a:xfrm>
+          <a:off x="0" y="0"/>
+          <a:ext cx="0" cy="0"/>
+          <a:chOff x="0" y="0"/>
+          <a:chExt cx="0" cy="0"/>
+        </a:xfrm>
+      </p:grpSpPr>
+      <p:sp>
+        <p:nvSpPr>
+          <p:cNvPr id="4" name="TextBox 3">
+            <a:extLst>
+              <a:ext uri="{FF2B5EF4-FFF2-40B4-BE49-F238E27FC236}">
+                <a16:creationId xmlns:a16="http://schemas.microsoft.com/office/drawing/2014/main" id="{4991F778-C5C8-B229-5B47-A6E62DE23129}"/>
+              </a:ext>
+            </a:extLst>
+          </p:cNvPr>
+          <p:cNvSpPr txBox="1"/>
+          <p:nvPr/>
+        </p:nvSpPr>
+        <p:spPr>
+          <a:xfrm>
+            <a:off x="1233577" y="707366"/>
+            <a:ext cx="10334446" cy="646331"/>
+          </a:xfrm>
+          <a:prstGeom prst="rect">
+            <a:avLst/>
+          </a:prstGeom>
+          <a:noFill/>
+        </p:spPr>
+        <p:txBody>
+          <a:bodyPr wrap="square" rtlCol="0">
+            <a:spAutoFit/>
+          </a:bodyPr>
+          <a:lstStyle/>
+          <a:p>
+            <a:r>
+              <a:rPr lang="en-US" dirty="0"/>
+              <a:t>Decision Tree Classifier – Supervised – Synthetic Minority Over-Sampling Technique (SMOTE) with class weight</a:t>
+            </a:r>
+          </a:p>
+        </p:txBody>
+      </p:sp>
+      <p:sp>
+        <p:nvSpPr>
+          <p:cNvPr id="13" name="TextBox 12">
+            <a:extLst>
+              <a:ext uri="{FF2B5EF4-FFF2-40B4-BE49-F238E27FC236}">
+                <a16:creationId xmlns:a16="http://schemas.microsoft.com/office/drawing/2014/main" id="{4B2292F8-8B97-CA1C-1C50-5B1E8CA3624E}"/>
+              </a:ext>
+            </a:extLst>
+          </p:cNvPr>
+          <p:cNvSpPr txBox="1"/>
+          <p:nvPr/>
+        </p:nvSpPr>
+        <p:spPr>
+          <a:xfrm>
+            <a:off x="1233577" y="1348633"/>
+            <a:ext cx="3191258" cy="369332"/>
+          </a:xfrm>
+          <a:prstGeom prst="rect">
+            <a:avLst/>
+          </a:prstGeom>
+          <a:noFill/>
+        </p:spPr>
+        <p:txBody>
+          <a:bodyPr wrap="none" rtlCol="0">
+            <a:spAutoFit/>
+          </a:bodyPr>
+          <a:lstStyle/>
+          <a:p>
+            <a:r>
+              <a:rPr lang="en-US" dirty="0"/>
+              <a:t>Confusion matrix with test data:</a:t>
+            </a:r>
+          </a:p>
+        </p:txBody>
+      </p:sp>
+      <p:sp>
+        <p:nvSpPr>
+          <p:cNvPr id="14" name="TextBox 13">
+            <a:extLst>
+              <a:ext uri="{FF2B5EF4-FFF2-40B4-BE49-F238E27FC236}">
+                <a16:creationId xmlns:a16="http://schemas.microsoft.com/office/drawing/2014/main" id="{ED064148-AE4F-7C27-E13A-B8BE91DD6451}"/>
+              </a:ext>
+            </a:extLst>
+          </p:cNvPr>
+          <p:cNvSpPr txBox="1"/>
+          <p:nvPr/>
+        </p:nvSpPr>
+        <p:spPr>
+          <a:xfrm>
+            <a:off x="1233577" y="3013004"/>
+            <a:ext cx="884345" cy="369332"/>
+          </a:xfrm>
+          <a:prstGeom prst="rect">
+            <a:avLst/>
+          </a:prstGeom>
+          <a:noFill/>
+        </p:spPr>
+        <p:txBody>
+          <a:bodyPr wrap="none" rtlCol="0">
+            <a:spAutoFit/>
+          </a:bodyPr>
+          <a:lstStyle/>
+          <a:p>
+            <a:r>
+              <a:rPr lang="en-US" dirty="0"/>
+              <a:t>Report:</a:t>
+            </a:r>
+          </a:p>
+        </p:txBody>
+      </p:sp>
+      <p:pic>
+        <p:nvPicPr>
+          <p:cNvPr id="5" name="Picture 4">
+            <a:extLst>
+              <a:ext uri="{FF2B5EF4-FFF2-40B4-BE49-F238E27FC236}">
+                <a16:creationId xmlns:a16="http://schemas.microsoft.com/office/drawing/2014/main" id="{454BDFD2-A21B-967A-74E3-1BC8A341BF55}"/>
+              </a:ext>
+            </a:extLst>
+          </p:cNvPr>
+          <p:cNvPicPr>
+            <a:picLocks noChangeAspect="1"/>
+          </p:cNvPicPr>
+          <p:nvPr/>
+        </p:nvPicPr>
+        <p:blipFill>
+          <a:blip r:embed="rId3"/>
+          <a:stretch>
+            <a:fillRect/>
+          </a:stretch>
+        </p:blipFill>
+        <p:spPr>
+          <a:xfrm>
+            <a:off x="1317675" y="3715716"/>
+            <a:ext cx="4105848" cy="1600423"/>
+          </a:xfrm>
+          <a:prstGeom prst="rect">
+            <a:avLst/>
+          </a:prstGeom>
+        </p:spPr>
+      </p:pic>
+      <p:pic>
+        <p:nvPicPr>
+          <p:cNvPr id="8" name="Picture 7">
+            <a:extLst>
+              <a:ext uri="{FF2B5EF4-FFF2-40B4-BE49-F238E27FC236}">
+                <a16:creationId xmlns:a16="http://schemas.microsoft.com/office/drawing/2014/main" id="{E8E12351-9BE2-CC3B-DADE-D6DF00249B75}"/>
+              </a:ext>
+            </a:extLst>
+          </p:cNvPr>
+          <p:cNvPicPr>
+            <a:picLocks noChangeAspect="1"/>
+          </p:cNvPicPr>
+          <p:nvPr/>
+        </p:nvPicPr>
+        <p:blipFill>
+          <a:blip r:embed="rId4"/>
+          <a:stretch>
+            <a:fillRect/>
+          </a:stretch>
+        </p:blipFill>
+        <p:spPr>
+          <a:xfrm>
+            <a:off x="1317675" y="2051345"/>
+            <a:ext cx="2467319" cy="543001"/>
+          </a:xfrm>
+          <a:prstGeom prst="rect">
+            <a:avLst/>
+          </a:prstGeom>
+        </p:spPr>
+      </p:pic>
+    </p:spTree>
+    <p:extLst>
+      <p:ext uri="{BB962C8B-B14F-4D97-AF65-F5344CB8AC3E}">
+        <p14:creationId xmlns:p14="http://schemas.microsoft.com/office/powerpoint/2010/main" val="248949194"/>
+      </p:ext>
+    </p:extLst>
+  </p:cSld>
+  <p:clrMapOvr>
+    <a:masterClrMapping/>
+  </p:clrMapOvr>
+</p:sld>
+</file>
+
+<file path=ppt/slides/slide16.xml><?xml version="1.0" encoding="utf-8"?>
+<p:sld xmlns:a="http://schemas.openxmlformats.org/drawingml/2006/main" xmlns:r="http://schemas.openxmlformats.org/officeDocument/2006/relationships" xmlns:p="http://schemas.openxmlformats.org/presentationml/2006/main">
+  <p:cSld>
+    <p:spTree>
+      <p:nvGrpSpPr>
+        <p:cNvPr id="1" name=""/>
+        <p:cNvGrpSpPr/>
+        <p:nvPr/>
+      </p:nvGrpSpPr>
+      <p:grpSpPr>
+        <a:xfrm>
+          <a:off x="0" y="0"/>
+          <a:ext cx="0" cy="0"/>
+          <a:chOff x="0" y="0"/>
+          <a:chExt cx="0" cy="0"/>
+        </a:xfrm>
+      </p:grpSpPr>
+      <p:sp>
+        <p:nvSpPr>
           <p:cNvPr id="2" name="Title 1">
             <a:extLst>
               <a:ext uri="{FF2B5EF4-FFF2-40B4-BE49-F238E27FC236}">
@@ -13360,7 +14154,7 @@
 </p:sld>
 </file>
 
-<file path=ppt/slides/slide13.xml><?xml version="1.0" encoding="utf-8"?>
+<file path=ppt/slides/slide17.xml><?xml version="1.0" encoding="utf-8"?>
 <p:sld xmlns:a="http://schemas.openxmlformats.org/drawingml/2006/main" xmlns:r="http://schemas.openxmlformats.org/officeDocument/2006/relationships" xmlns:p="http://schemas.openxmlformats.org/presentationml/2006/main">
   <p:cSld>
     <p:spTree>
@@ -13479,383 +14273,6 @@
 </p:sld>
 </file>
 
-<file path=ppt/slides/slide14.xml><?xml version="1.0" encoding="utf-8"?>
-<p:sld xmlns:a="http://schemas.openxmlformats.org/drawingml/2006/main" xmlns:r="http://schemas.openxmlformats.org/officeDocument/2006/relationships" xmlns:p="http://schemas.openxmlformats.org/presentationml/2006/main">
-  <p:cSld>
-    <p:spTree>
-      <p:nvGrpSpPr>
-        <p:cNvPr id="1" name=""/>
-        <p:cNvGrpSpPr/>
-        <p:nvPr/>
-      </p:nvGrpSpPr>
-      <p:grpSpPr>
-        <a:xfrm>
-          <a:off x="0" y="0"/>
-          <a:ext cx="0" cy="0"/>
-          <a:chOff x="0" y="0"/>
-          <a:chExt cx="0" cy="0"/>
-        </a:xfrm>
-      </p:grpSpPr>
-      <p:sp>
-        <p:nvSpPr>
-          <p:cNvPr id="6" name="Title 5"/>
-          <p:cNvSpPr>
-            <a:spLocks noGrp="1"/>
-          </p:cNvSpPr>
-          <p:nvPr>
-            <p:ph type="title"/>
-          </p:nvPr>
-        </p:nvSpPr>
-        <p:spPr>
-          <a:xfrm>
-            <a:off x="4133850" y="1709742"/>
-            <a:ext cx="7744724" cy="809172"/>
-          </a:xfrm>
-        </p:spPr>
-        <p:txBody>
-          <a:bodyPr>
-            <a:normAutofit fontScale="90000"/>
-          </a:bodyPr>
-          <a:lstStyle/>
-          <a:p>
-            <a:pPr algn="l"/>
-            <a:r>
-              <a:rPr lang="en-US" dirty="0"/>
-              <a:t>Team Stats –Tableau Visualization</a:t>
-            </a:r>
-          </a:p>
-        </p:txBody>
-      </p:sp>
-      <p:pic>
-        <p:nvPicPr>
-          <p:cNvPr id="8" name="Picture 7"/>
-          <p:cNvPicPr>
-            <a:picLocks noChangeAspect="1"/>
-          </p:cNvPicPr>
-          <p:nvPr/>
-        </p:nvPicPr>
-        <p:blipFill>
-          <a:blip r:embed="rId3">
-            <a:extLst>
-              <a:ext uri="{28A0092B-C50C-407E-A947-70E740481C1C}">
-                <a14:useLocalDpi xmlns:a14="http://schemas.microsoft.com/office/drawing/2010/main" val="0"/>
-              </a:ext>
-            </a:extLst>
-          </a:blip>
-          <a:stretch>
-            <a:fillRect/>
-          </a:stretch>
-        </p:blipFill>
-        <p:spPr>
-          <a:xfrm>
-            <a:off x="1742674" y="3338422"/>
-            <a:ext cx="3192062" cy="3519578"/>
-          </a:xfrm>
-          <a:prstGeom prst="rect">
-            <a:avLst/>
-          </a:prstGeom>
-        </p:spPr>
-      </p:pic>
-      <p:sp>
-        <p:nvSpPr>
-          <p:cNvPr id="2" name="TextBox 1">
-            <a:extLst>
-              <a:ext uri="{FF2B5EF4-FFF2-40B4-BE49-F238E27FC236}">
-                <a16:creationId xmlns:a16="http://schemas.microsoft.com/office/drawing/2014/main" id="{6BF1AAEA-4564-FCA6-C2F1-06BAFFCD3692}"/>
-              </a:ext>
-            </a:extLst>
-          </p:cNvPr>
-          <p:cNvSpPr txBox="1"/>
-          <p:nvPr/>
-        </p:nvSpPr>
-        <p:spPr>
-          <a:xfrm>
-            <a:off x="0" y="6550223"/>
-            <a:ext cx="2657012" cy="307777"/>
-          </a:xfrm>
-          <a:prstGeom prst="rect">
-            <a:avLst/>
-          </a:prstGeom>
-          <a:noFill/>
-        </p:spPr>
-        <p:txBody>
-          <a:bodyPr wrap="square">
-            <a:spAutoFit/>
-          </a:bodyPr>
-          <a:lstStyle/>
-          <a:p>
-            <a:r>
-              <a:rPr lang="en-US" sz="1400" dirty="0"/>
-              <a:t>© Copyright Showeet.com</a:t>
-            </a:r>
-          </a:p>
-        </p:txBody>
-      </p:sp>
-    </p:spTree>
-    <p:extLst>
-      <p:ext uri="{BB962C8B-B14F-4D97-AF65-F5344CB8AC3E}">
-        <p14:creationId xmlns:p14="http://schemas.microsoft.com/office/powerpoint/2010/main" val="1433583513"/>
-      </p:ext>
-    </p:extLst>
-  </p:cSld>
-  <p:clrMapOvr>
-    <a:masterClrMapping/>
-  </p:clrMapOvr>
-</p:sld>
-</file>
-
-<file path=ppt/slides/slide15.xml><?xml version="1.0" encoding="utf-8"?>
-<p:sld xmlns:a="http://schemas.openxmlformats.org/drawingml/2006/main" xmlns:r="http://schemas.openxmlformats.org/officeDocument/2006/relationships" xmlns:p="http://schemas.openxmlformats.org/presentationml/2006/main">
-  <p:cSld>
-    <p:spTree>
-      <p:nvGrpSpPr>
-        <p:cNvPr id="1" name=""/>
-        <p:cNvGrpSpPr/>
-        <p:nvPr/>
-      </p:nvGrpSpPr>
-      <p:grpSpPr>
-        <a:xfrm>
-          <a:off x="0" y="0"/>
-          <a:ext cx="0" cy="0"/>
-          <a:chOff x="0" y="0"/>
-          <a:chExt cx="0" cy="0"/>
-        </a:xfrm>
-      </p:grpSpPr>
-      <p:sp>
-        <p:nvSpPr>
-          <p:cNvPr id="2" name="Title 1">
-            <a:extLst>
-              <a:ext uri="{FF2B5EF4-FFF2-40B4-BE49-F238E27FC236}">
-                <a16:creationId xmlns:a16="http://schemas.microsoft.com/office/drawing/2014/main" id="{CC63653E-CCFF-B5B8-21FF-1A0CC2A1CCFD}"/>
-              </a:ext>
-            </a:extLst>
-          </p:cNvPr>
-          <p:cNvSpPr>
-            <a:spLocks noGrp="1"/>
-          </p:cNvSpPr>
-          <p:nvPr>
-            <p:ph type="title"/>
-          </p:nvPr>
-        </p:nvSpPr>
-        <p:spPr/>
-        <p:txBody>
-          <a:bodyPr/>
-          <a:lstStyle/>
-          <a:p>
-            <a:endParaRPr lang="en-US"/>
-          </a:p>
-        </p:txBody>
-      </p:sp>
-      <p:pic>
-        <p:nvPicPr>
-          <p:cNvPr id="5" name="Content Placeholder 4">
-            <a:extLst>
-              <a:ext uri="{FF2B5EF4-FFF2-40B4-BE49-F238E27FC236}">
-                <a16:creationId xmlns:a16="http://schemas.microsoft.com/office/drawing/2014/main" id="{9765AA08-9AF4-8A26-EDFB-FEC862E86333}"/>
-              </a:ext>
-            </a:extLst>
-          </p:cNvPr>
-          <p:cNvPicPr>
-            <a:picLocks noGrp="1" noChangeAspect="1"/>
-          </p:cNvPicPr>
-          <p:nvPr>
-            <p:ph idx="1"/>
-          </p:nvPr>
-        </p:nvPicPr>
-        <p:blipFill>
-          <a:blip r:embed="rId2"/>
-          <a:stretch>
-            <a:fillRect/>
-          </a:stretch>
-        </p:blipFill>
-        <p:spPr>
-          <a:xfrm>
-            <a:off x="838200" y="365128"/>
-            <a:ext cx="10515600" cy="5534415"/>
-          </a:xfrm>
-        </p:spPr>
-      </p:pic>
-    </p:spTree>
-    <p:extLst>
-      <p:ext uri="{BB962C8B-B14F-4D97-AF65-F5344CB8AC3E}">
-        <p14:creationId xmlns:p14="http://schemas.microsoft.com/office/powerpoint/2010/main" val="3819260133"/>
-      </p:ext>
-    </p:extLst>
-  </p:cSld>
-  <p:clrMapOvr>
-    <a:masterClrMapping/>
-  </p:clrMapOvr>
-</p:sld>
-</file>
-
-<file path=ppt/slides/slide16.xml><?xml version="1.0" encoding="utf-8"?>
-<p:sld xmlns:a="http://schemas.openxmlformats.org/drawingml/2006/main" xmlns:r="http://schemas.openxmlformats.org/officeDocument/2006/relationships" xmlns:p="http://schemas.openxmlformats.org/presentationml/2006/main">
-  <p:cSld>
-    <p:spTree>
-      <p:nvGrpSpPr>
-        <p:cNvPr id="1" name=""/>
-        <p:cNvGrpSpPr/>
-        <p:nvPr/>
-      </p:nvGrpSpPr>
-      <p:grpSpPr>
-        <a:xfrm>
-          <a:off x="0" y="0"/>
-          <a:ext cx="0" cy="0"/>
-          <a:chOff x="0" y="0"/>
-          <a:chExt cx="0" cy="0"/>
-        </a:xfrm>
-      </p:grpSpPr>
-      <p:sp>
-        <p:nvSpPr>
-          <p:cNvPr id="2" name="Title 1">
-            <a:extLst>
-              <a:ext uri="{FF2B5EF4-FFF2-40B4-BE49-F238E27FC236}">
-                <a16:creationId xmlns:a16="http://schemas.microsoft.com/office/drawing/2014/main" id="{CC63653E-CCFF-B5B8-21FF-1A0CC2A1CCFD}"/>
-              </a:ext>
-            </a:extLst>
-          </p:cNvPr>
-          <p:cNvSpPr>
-            <a:spLocks noGrp="1"/>
-          </p:cNvSpPr>
-          <p:nvPr>
-            <p:ph type="title"/>
-          </p:nvPr>
-        </p:nvSpPr>
-        <p:spPr/>
-        <p:txBody>
-          <a:bodyPr/>
-          <a:lstStyle/>
-          <a:p>
-            <a:endParaRPr lang="en-US"/>
-          </a:p>
-        </p:txBody>
-      </p:sp>
-      <p:pic>
-        <p:nvPicPr>
-          <p:cNvPr id="5" name="Content Placeholder 4">
-            <a:extLst>
-              <a:ext uri="{FF2B5EF4-FFF2-40B4-BE49-F238E27FC236}">
-                <a16:creationId xmlns:a16="http://schemas.microsoft.com/office/drawing/2014/main" id="{2A1553F5-7578-DF8D-E722-D8AF073012D9}"/>
-              </a:ext>
-            </a:extLst>
-          </p:cNvPr>
-          <p:cNvPicPr>
-            <a:picLocks noGrp="1" noChangeAspect="1"/>
-          </p:cNvPicPr>
-          <p:nvPr>
-            <p:ph idx="1"/>
-          </p:nvPr>
-        </p:nvPicPr>
-        <p:blipFill>
-          <a:blip r:embed="rId2"/>
-          <a:stretch>
-            <a:fillRect/>
-          </a:stretch>
-        </p:blipFill>
-        <p:spPr>
-          <a:xfrm>
-            <a:off x="838200" y="365129"/>
-            <a:ext cx="10515600" cy="5740732"/>
-          </a:xfrm>
-        </p:spPr>
-      </p:pic>
-    </p:spTree>
-    <p:extLst>
-      <p:ext uri="{BB962C8B-B14F-4D97-AF65-F5344CB8AC3E}">
-        <p14:creationId xmlns:p14="http://schemas.microsoft.com/office/powerpoint/2010/main" val="2544239131"/>
-      </p:ext>
-    </p:extLst>
-  </p:cSld>
-  <p:clrMapOvr>
-    <a:masterClrMapping/>
-  </p:clrMapOvr>
-</p:sld>
-</file>
-
-<file path=ppt/slides/slide17.xml><?xml version="1.0" encoding="utf-8"?>
-<p:sld xmlns:a="http://schemas.openxmlformats.org/drawingml/2006/main" xmlns:r="http://schemas.openxmlformats.org/officeDocument/2006/relationships" xmlns:p="http://schemas.openxmlformats.org/presentationml/2006/main">
-  <p:cSld>
-    <p:spTree>
-      <p:nvGrpSpPr>
-        <p:cNvPr id="1" name=""/>
-        <p:cNvGrpSpPr/>
-        <p:nvPr/>
-      </p:nvGrpSpPr>
-      <p:grpSpPr>
-        <a:xfrm>
-          <a:off x="0" y="0"/>
-          <a:ext cx="0" cy="0"/>
-          <a:chOff x="0" y="0"/>
-          <a:chExt cx="0" cy="0"/>
-        </a:xfrm>
-      </p:grpSpPr>
-      <p:sp>
-        <p:nvSpPr>
-          <p:cNvPr id="2" name="Title 1">
-            <a:extLst>
-              <a:ext uri="{FF2B5EF4-FFF2-40B4-BE49-F238E27FC236}">
-                <a16:creationId xmlns:a16="http://schemas.microsoft.com/office/drawing/2014/main" id="{CC63653E-CCFF-B5B8-21FF-1A0CC2A1CCFD}"/>
-              </a:ext>
-            </a:extLst>
-          </p:cNvPr>
-          <p:cNvSpPr>
-            <a:spLocks noGrp="1"/>
-          </p:cNvSpPr>
-          <p:nvPr>
-            <p:ph type="title"/>
-          </p:nvPr>
-        </p:nvSpPr>
-        <p:spPr/>
-        <p:txBody>
-          <a:bodyPr/>
-          <a:lstStyle/>
-          <a:p>
-            <a:endParaRPr lang="en-US"/>
-          </a:p>
-        </p:txBody>
-      </p:sp>
-      <p:pic>
-        <p:nvPicPr>
-          <p:cNvPr id="5" name="Content Placeholder 4">
-            <a:extLst>
-              <a:ext uri="{FF2B5EF4-FFF2-40B4-BE49-F238E27FC236}">
-                <a16:creationId xmlns:a16="http://schemas.microsoft.com/office/drawing/2014/main" id="{0C4FC9A9-5264-D1A1-66D4-27FA94B9D911}"/>
-              </a:ext>
-            </a:extLst>
-          </p:cNvPr>
-          <p:cNvPicPr>
-            <a:picLocks noGrp="1" noChangeAspect="1"/>
-          </p:cNvPicPr>
-          <p:nvPr>
-            <p:ph idx="1"/>
-          </p:nvPr>
-        </p:nvPicPr>
-        <p:blipFill>
-          <a:blip r:embed="rId2"/>
-          <a:stretch>
-            <a:fillRect/>
-          </a:stretch>
-        </p:blipFill>
-        <p:spPr>
-          <a:xfrm>
-            <a:off x="838200" y="365129"/>
-            <a:ext cx="10515600" cy="5516724"/>
-          </a:xfrm>
-        </p:spPr>
-      </p:pic>
-    </p:spTree>
-    <p:extLst>
-      <p:ext uri="{BB962C8B-B14F-4D97-AF65-F5344CB8AC3E}">
-        <p14:creationId xmlns:p14="http://schemas.microsoft.com/office/powerpoint/2010/main" val="96397319"/>
-      </p:ext>
-    </p:extLst>
-  </p:cSld>
-  <p:clrMapOvr>
-    <a:masterClrMapping/>
-  </p:clrMapOvr>
-</p:sld>
-</file>
-
 <file path=ppt/slides/slide2.xml><?xml version="1.0" encoding="utf-8"?>
 <p:sld xmlns:a="http://schemas.openxmlformats.org/drawingml/2006/main" xmlns:r="http://schemas.openxmlformats.org/officeDocument/2006/relationships" xmlns:p="http://schemas.openxmlformats.org/presentationml/2006/main">
   <p:cSld>
@@ -13960,7 +14377,7 @@
                   </a:schemeClr>
                 </a:solidFill>
               </a:rPr>
-              <a:t>- Machine Learning Models Overview</a:t>
+              <a:t>- Visualizations</a:t>
             </a:r>
           </a:p>
           <a:p>
@@ -13985,8 +14402,19 @@
                   </a:schemeClr>
                 </a:solidFill>
               </a:rPr>
-              <a:t>- Visualizations</a:t>
-            </a:r>
+              <a:t>- Machine Learning Models Overview</a:t>
+            </a:r>
+          </a:p>
+          <a:p>
+            <a:pPr algn="l"/>
+            <a:endParaRPr lang="en-US" dirty="0">
+              <a:solidFill>
+                <a:schemeClr val="tx1">
+                  <a:lumMod val="85000"/>
+                  <a:lumOff val="15000"/>
+                </a:schemeClr>
+              </a:solidFill>
+            </a:endParaRPr>
           </a:p>
           <a:p>
             <a:pPr algn="l"/>
@@ -14351,8 +14779,8 @@
         </p:nvSpPr>
         <p:spPr>
           <a:xfrm>
-            <a:off x="5607170" y="1709742"/>
-            <a:ext cx="6271404" cy="809172"/>
+            <a:off x="4133850" y="1709742"/>
+            <a:ext cx="7744724" cy="809172"/>
           </a:xfrm>
         </p:spPr>
         <p:txBody>
@@ -14364,7 +14792,7 @@
             <a:pPr algn="l"/>
             <a:r>
               <a:rPr lang="en-US" dirty="0"/>
-              <a:t>Machine Learning Models Overview</a:t>
+              <a:t>Team Stats –Tableau Visualization</a:t>
             </a:r>
           </a:p>
         </p:txBody>
@@ -14437,7 +14865,7 @@
     </p:spTree>
     <p:extLst>
       <p:ext uri="{BB962C8B-B14F-4D97-AF65-F5344CB8AC3E}">
-        <p14:creationId xmlns:p14="http://schemas.microsoft.com/office/powerpoint/2010/main" val="3437076806"/>
+        <p14:creationId xmlns:p14="http://schemas.microsoft.com/office/powerpoint/2010/main" val="1433583513"/>
       </p:ext>
     </p:extLst>
   </p:cSld>
@@ -14466,173 +14894,62 @@
       </p:grpSpPr>
       <p:sp>
         <p:nvSpPr>
-          <p:cNvPr id="4" name="TextBox 3">
+          <p:cNvPr id="2" name="Title 1">
             <a:extLst>
               <a:ext uri="{FF2B5EF4-FFF2-40B4-BE49-F238E27FC236}">
-                <a16:creationId xmlns:a16="http://schemas.microsoft.com/office/drawing/2014/main" id="{4991F778-C5C8-B229-5B47-A6E62DE23129}"/>
+                <a16:creationId xmlns:a16="http://schemas.microsoft.com/office/drawing/2014/main" id="{CC63653E-CCFF-B5B8-21FF-1A0CC2A1CCFD}"/>
               </a:ext>
             </a:extLst>
           </p:cNvPr>
-          <p:cNvSpPr txBox="1"/>
-          <p:nvPr/>
-        </p:nvSpPr>
-        <p:spPr>
-          <a:xfrm>
-            <a:off x="1233577" y="707366"/>
-            <a:ext cx="10334446" cy="369332"/>
-          </a:xfrm>
-          <a:prstGeom prst="rect">
-            <a:avLst/>
-          </a:prstGeom>
-          <a:noFill/>
-        </p:spPr>
-        <p:txBody>
-          <a:bodyPr wrap="square" rtlCol="0">
-            <a:spAutoFit/>
-          </a:bodyPr>
-          <a:lstStyle/>
-          <a:p>
-            <a:r>
-              <a:rPr lang="en-US" dirty="0"/>
-              <a:t>Logistic Regression – Supervised – Original imbalanced data</a:t>
-            </a:r>
+          <p:cNvSpPr>
+            <a:spLocks noGrp="1"/>
+          </p:cNvSpPr>
+          <p:nvPr>
+            <p:ph type="title"/>
+          </p:nvPr>
+        </p:nvSpPr>
+        <p:spPr/>
+        <p:txBody>
+          <a:bodyPr/>
+          <a:lstStyle/>
+          <a:p>
+            <a:endParaRPr lang="en-US"/>
           </a:p>
         </p:txBody>
       </p:sp>
       <p:pic>
         <p:nvPicPr>
-          <p:cNvPr id="9" name="Picture 8">
+          <p:cNvPr id="5" name="Content Placeholder 4">
             <a:extLst>
               <a:ext uri="{FF2B5EF4-FFF2-40B4-BE49-F238E27FC236}">
-                <a16:creationId xmlns:a16="http://schemas.microsoft.com/office/drawing/2014/main" id="{44BDD42A-9EF0-59DC-E844-CD6B82FD99BE}"/>
+                <a16:creationId xmlns:a16="http://schemas.microsoft.com/office/drawing/2014/main" id="{9765AA08-9AF4-8A26-EDFB-FEC862E86333}"/>
               </a:ext>
             </a:extLst>
           </p:cNvPr>
           <p:cNvPicPr>
-            <a:picLocks noChangeAspect="1"/>
+            <a:picLocks noGrp="1" noChangeAspect="1"/>
           </p:cNvPicPr>
-          <p:nvPr/>
+          <p:nvPr>
+            <p:ph idx="1"/>
+          </p:nvPr>
         </p:nvPicPr>
         <p:blipFill>
-          <a:blip r:embed="rId3"/>
+          <a:blip r:embed="rId2"/>
           <a:stretch>
             <a:fillRect/>
           </a:stretch>
         </p:blipFill>
         <p:spPr>
           <a:xfrm>
-            <a:off x="1317675" y="3734774"/>
-            <a:ext cx="4096322" cy="1581371"/>
-          </a:xfrm>
-          <a:prstGeom prst="rect">
-            <a:avLst/>
-          </a:prstGeom>
-        </p:spPr>
-      </p:pic>
-      <p:sp>
-        <p:nvSpPr>
-          <p:cNvPr id="13" name="TextBox 12">
-            <a:extLst>
-              <a:ext uri="{FF2B5EF4-FFF2-40B4-BE49-F238E27FC236}">
-                <a16:creationId xmlns:a16="http://schemas.microsoft.com/office/drawing/2014/main" id="{4B2292F8-8B97-CA1C-1C50-5B1E8CA3624E}"/>
-              </a:ext>
-            </a:extLst>
-          </p:cNvPr>
-          <p:cNvSpPr txBox="1"/>
-          <p:nvPr/>
-        </p:nvSpPr>
-        <p:spPr>
-          <a:xfrm>
-            <a:off x="1233577" y="1418582"/>
-            <a:ext cx="3191258" cy="369332"/>
-          </a:xfrm>
-          <a:prstGeom prst="rect">
-            <a:avLst/>
-          </a:prstGeom>
-          <a:noFill/>
-        </p:spPr>
-        <p:txBody>
-          <a:bodyPr wrap="none" rtlCol="0">
-            <a:spAutoFit/>
-          </a:bodyPr>
-          <a:lstStyle/>
-          <a:p>
-            <a:r>
-              <a:rPr lang="en-US" dirty="0"/>
-              <a:t>Confusion matrix with test data:</a:t>
-            </a:r>
-          </a:p>
-        </p:txBody>
-      </p:sp>
-      <p:sp>
-        <p:nvSpPr>
-          <p:cNvPr id="14" name="TextBox 13">
-            <a:extLst>
-              <a:ext uri="{FF2B5EF4-FFF2-40B4-BE49-F238E27FC236}">
-                <a16:creationId xmlns:a16="http://schemas.microsoft.com/office/drawing/2014/main" id="{ED064148-AE4F-7C27-E13A-B8BE91DD6451}"/>
-              </a:ext>
-            </a:extLst>
-          </p:cNvPr>
-          <p:cNvSpPr txBox="1"/>
-          <p:nvPr/>
-        </p:nvSpPr>
-        <p:spPr>
-          <a:xfrm>
-            <a:off x="1233577" y="3016810"/>
-            <a:ext cx="884345" cy="369332"/>
-          </a:xfrm>
-          <a:prstGeom prst="rect">
-            <a:avLst/>
-          </a:prstGeom>
-          <a:noFill/>
-        </p:spPr>
-        <p:txBody>
-          <a:bodyPr wrap="none" rtlCol="0">
-            <a:spAutoFit/>
-          </a:bodyPr>
-          <a:lstStyle/>
-          <a:p>
-            <a:r>
-              <a:rPr lang="en-US" dirty="0"/>
-              <a:t>Report:</a:t>
-            </a:r>
-          </a:p>
-        </p:txBody>
-      </p:sp>
-      <p:pic>
-        <p:nvPicPr>
-          <p:cNvPr id="18" name="Picture 17">
-            <a:extLst>
-              <a:ext uri="{FF2B5EF4-FFF2-40B4-BE49-F238E27FC236}">
-                <a16:creationId xmlns:a16="http://schemas.microsoft.com/office/drawing/2014/main" id="{9E0027C6-D8BD-2986-E86B-2BD3F6F855EF}"/>
-              </a:ext>
-            </a:extLst>
-          </p:cNvPr>
-          <p:cNvPicPr>
-            <a:picLocks noChangeAspect="1"/>
-          </p:cNvPicPr>
-          <p:nvPr/>
-        </p:nvPicPr>
-        <p:blipFill>
-          <a:blip r:embed="rId4"/>
-          <a:stretch>
-            <a:fillRect/>
-          </a:stretch>
-        </p:blipFill>
-        <p:spPr>
-          <a:xfrm>
-            <a:off x="1317675" y="2226125"/>
-            <a:ext cx="895475" cy="352474"/>
-          </a:xfrm>
-          <a:prstGeom prst="rect">
-            <a:avLst/>
-          </a:prstGeom>
+            <a:off x="838200" y="365128"/>
+            <a:ext cx="10515600" cy="5534415"/>
+          </a:xfrm>
         </p:spPr>
       </p:pic>
     </p:spTree>
     <p:extLst>
       <p:ext uri="{BB962C8B-B14F-4D97-AF65-F5344CB8AC3E}">
-        <p14:creationId xmlns:p14="http://schemas.microsoft.com/office/powerpoint/2010/main" val="893258212"/>
+        <p14:creationId xmlns:p14="http://schemas.microsoft.com/office/powerpoint/2010/main" val="3819260133"/>
       </p:ext>
     </p:extLst>
   </p:cSld>
@@ -14661,173 +14978,62 @@
       </p:grpSpPr>
       <p:sp>
         <p:nvSpPr>
-          <p:cNvPr id="4" name="TextBox 3">
+          <p:cNvPr id="2" name="Title 1">
             <a:extLst>
               <a:ext uri="{FF2B5EF4-FFF2-40B4-BE49-F238E27FC236}">
-                <a16:creationId xmlns:a16="http://schemas.microsoft.com/office/drawing/2014/main" id="{4991F778-C5C8-B229-5B47-A6E62DE23129}"/>
+                <a16:creationId xmlns:a16="http://schemas.microsoft.com/office/drawing/2014/main" id="{CC63653E-CCFF-B5B8-21FF-1A0CC2A1CCFD}"/>
               </a:ext>
             </a:extLst>
           </p:cNvPr>
-          <p:cNvSpPr txBox="1"/>
-          <p:nvPr/>
-        </p:nvSpPr>
-        <p:spPr>
-          <a:xfrm>
-            <a:off x="1233577" y="707366"/>
-            <a:ext cx="10334446" cy="369332"/>
-          </a:xfrm>
-          <a:prstGeom prst="rect">
-            <a:avLst/>
-          </a:prstGeom>
-          <a:noFill/>
-        </p:spPr>
-        <p:txBody>
-          <a:bodyPr wrap="square" rtlCol="0">
-            <a:spAutoFit/>
-          </a:bodyPr>
-          <a:lstStyle/>
-          <a:p>
-            <a:r>
-              <a:rPr lang="en-US" dirty="0"/>
-              <a:t>Logistic Regression – Supervised – Random Over Sampler to balance the data</a:t>
-            </a:r>
-          </a:p>
-        </p:txBody>
-      </p:sp>
-      <p:sp>
-        <p:nvSpPr>
-          <p:cNvPr id="13" name="TextBox 12">
+          <p:cNvSpPr>
+            <a:spLocks noGrp="1"/>
+          </p:cNvSpPr>
+          <p:nvPr>
+            <p:ph type="title"/>
+          </p:nvPr>
+        </p:nvSpPr>
+        <p:spPr/>
+        <p:txBody>
+          <a:bodyPr/>
+          <a:lstStyle/>
+          <a:p>
+            <a:endParaRPr lang="en-US"/>
+          </a:p>
+        </p:txBody>
+      </p:sp>
+      <p:pic>
+        <p:nvPicPr>
+          <p:cNvPr id="5" name="Content Placeholder 4">
             <a:extLst>
               <a:ext uri="{FF2B5EF4-FFF2-40B4-BE49-F238E27FC236}">
-                <a16:creationId xmlns:a16="http://schemas.microsoft.com/office/drawing/2014/main" id="{4B2292F8-8B97-CA1C-1C50-5B1E8CA3624E}"/>
-              </a:ext>
-            </a:extLst>
-          </p:cNvPr>
-          <p:cNvSpPr txBox="1"/>
-          <p:nvPr/>
-        </p:nvSpPr>
-        <p:spPr>
-          <a:xfrm>
-            <a:off x="1233577" y="1353207"/>
-            <a:ext cx="3191258" cy="369332"/>
-          </a:xfrm>
-          <a:prstGeom prst="rect">
-            <a:avLst/>
-          </a:prstGeom>
-          <a:noFill/>
-        </p:spPr>
-        <p:txBody>
-          <a:bodyPr wrap="none" rtlCol="0">
-            <a:spAutoFit/>
-          </a:bodyPr>
-          <a:lstStyle/>
-          <a:p>
-            <a:r>
-              <a:rPr lang="en-US" dirty="0"/>
-              <a:t>Confusion matrix with test data:</a:t>
-            </a:r>
-          </a:p>
-        </p:txBody>
-      </p:sp>
-      <p:sp>
-        <p:nvSpPr>
-          <p:cNvPr id="14" name="TextBox 13">
-            <a:extLst>
-              <a:ext uri="{FF2B5EF4-FFF2-40B4-BE49-F238E27FC236}">
-                <a16:creationId xmlns:a16="http://schemas.microsoft.com/office/drawing/2014/main" id="{ED064148-AE4F-7C27-E13A-B8BE91DD6451}"/>
-              </a:ext>
-            </a:extLst>
-          </p:cNvPr>
-          <p:cNvSpPr txBox="1"/>
-          <p:nvPr/>
-        </p:nvSpPr>
-        <p:spPr>
-          <a:xfrm>
-            <a:off x="1233577" y="2778846"/>
-            <a:ext cx="884345" cy="369332"/>
-          </a:xfrm>
-          <a:prstGeom prst="rect">
-            <a:avLst/>
-          </a:prstGeom>
-          <a:noFill/>
-        </p:spPr>
-        <p:txBody>
-          <a:bodyPr wrap="none" rtlCol="0">
-            <a:spAutoFit/>
-          </a:bodyPr>
-          <a:lstStyle/>
-          <a:p>
-            <a:r>
-              <a:rPr lang="en-US" dirty="0"/>
-              <a:t>Report:</a:t>
-            </a:r>
-          </a:p>
-        </p:txBody>
-      </p:sp>
-      <p:pic>
-        <p:nvPicPr>
-          <p:cNvPr id="6" name="Picture 5">
-            <a:extLst>
-              <a:ext uri="{FF2B5EF4-FFF2-40B4-BE49-F238E27FC236}">
-                <a16:creationId xmlns:a16="http://schemas.microsoft.com/office/drawing/2014/main" id="{1AE90603-18E9-B035-0AAE-0163FFDB2019}"/>
+                <a16:creationId xmlns:a16="http://schemas.microsoft.com/office/drawing/2014/main" id="{2A1553F5-7578-DF8D-E722-D8AF073012D9}"/>
               </a:ext>
             </a:extLst>
           </p:cNvPr>
           <p:cNvPicPr>
-            <a:picLocks noChangeAspect="1"/>
+            <a:picLocks noGrp="1" noChangeAspect="1"/>
           </p:cNvPicPr>
-          <p:nvPr/>
+          <p:nvPr>
+            <p:ph idx="1"/>
+          </p:nvPr>
         </p:nvPicPr>
         <p:blipFill>
-          <a:blip r:embed="rId3"/>
+          <a:blip r:embed="rId2"/>
           <a:stretch>
             <a:fillRect/>
           </a:stretch>
         </p:blipFill>
         <p:spPr>
           <a:xfrm>
-            <a:off x="1317675" y="1965951"/>
-            <a:ext cx="2505425" cy="466790"/>
-          </a:xfrm>
-          <a:prstGeom prst="rect">
-            <a:avLst/>
-          </a:prstGeom>
-        </p:spPr>
-      </p:pic>
-      <p:pic>
-        <p:nvPicPr>
-          <p:cNvPr id="10" name="Picture 9">
-            <a:extLst>
-              <a:ext uri="{FF2B5EF4-FFF2-40B4-BE49-F238E27FC236}">
-                <a16:creationId xmlns:a16="http://schemas.microsoft.com/office/drawing/2014/main" id="{D3D86A04-FC69-96AA-CA08-4A0DE0CC416D}"/>
-              </a:ext>
-            </a:extLst>
-          </p:cNvPr>
-          <p:cNvPicPr>
-            <a:picLocks noChangeAspect="1"/>
-          </p:cNvPicPr>
-          <p:nvPr/>
-        </p:nvPicPr>
-        <p:blipFill>
-          <a:blip r:embed="rId4"/>
-          <a:stretch>
-            <a:fillRect/>
-          </a:stretch>
-        </p:blipFill>
-        <p:spPr>
-          <a:xfrm>
-            <a:off x="1317675" y="3611249"/>
-            <a:ext cx="4086795" cy="1524213"/>
-          </a:xfrm>
-          <a:prstGeom prst="rect">
-            <a:avLst/>
-          </a:prstGeom>
+            <a:off x="838200" y="365129"/>
+            <a:ext cx="10515600" cy="5740732"/>
+          </a:xfrm>
         </p:spPr>
       </p:pic>
     </p:spTree>
     <p:extLst>
       <p:ext uri="{BB962C8B-B14F-4D97-AF65-F5344CB8AC3E}">
-        <p14:creationId xmlns:p14="http://schemas.microsoft.com/office/powerpoint/2010/main" val="2001476496"/>
+        <p14:creationId xmlns:p14="http://schemas.microsoft.com/office/powerpoint/2010/main" val="2544239131"/>
       </p:ext>
     </p:extLst>
   </p:cSld>
@@ -14856,173 +15062,62 @@
       </p:grpSpPr>
       <p:sp>
         <p:nvSpPr>
-          <p:cNvPr id="4" name="TextBox 3">
+          <p:cNvPr id="2" name="Title 1">
             <a:extLst>
               <a:ext uri="{FF2B5EF4-FFF2-40B4-BE49-F238E27FC236}">
-                <a16:creationId xmlns:a16="http://schemas.microsoft.com/office/drawing/2014/main" id="{4991F778-C5C8-B229-5B47-A6E62DE23129}"/>
+                <a16:creationId xmlns:a16="http://schemas.microsoft.com/office/drawing/2014/main" id="{CC63653E-CCFF-B5B8-21FF-1A0CC2A1CCFD}"/>
               </a:ext>
             </a:extLst>
           </p:cNvPr>
-          <p:cNvSpPr txBox="1"/>
-          <p:nvPr/>
-        </p:nvSpPr>
-        <p:spPr>
-          <a:xfrm>
-            <a:off x="1233577" y="707366"/>
-            <a:ext cx="10334446" cy="369332"/>
-          </a:xfrm>
-          <a:prstGeom prst="rect">
-            <a:avLst/>
-          </a:prstGeom>
-          <a:noFill/>
-        </p:spPr>
-        <p:txBody>
-          <a:bodyPr wrap="square" rtlCol="0">
-            <a:spAutoFit/>
-          </a:bodyPr>
-          <a:lstStyle/>
-          <a:p>
-            <a:r>
-              <a:rPr lang="en-US" dirty="0"/>
-              <a:t>Decision Tree Classifier – Supervised – Random Over Sampler to balance data</a:t>
-            </a:r>
-          </a:p>
-        </p:txBody>
-      </p:sp>
-      <p:sp>
-        <p:nvSpPr>
-          <p:cNvPr id="13" name="TextBox 12">
+          <p:cNvSpPr>
+            <a:spLocks noGrp="1"/>
+          </p:cNvSpPr>
+          <p:nvPr>
+            <p:ph type="title"/>
+          </p:nvPr>
+        </p:nvSpPr>
+        <p:spPr/>
+        <p:txBody>
+          <a:bodyPr/>
+          <a:lstStyle/>
+          <a:p>
+            <a:endParaRPr lang="en-US"/>
+          </a:p>
+        </p:txBody>
+      </p:sp>
+      <p:pic>
+        <p:nvPicPr>
+          <p:cNvPr id="5" name="Content Placeholder 4">
             <a:extLst>
               <a:ext uri="{FF2B5EF4-FFF2-40B4-BE49-F238E27FC236}">
-                <a16:creationId xmlns:a16="http://schemas.microsoft.com/office/drawing/2014/main" id="{4B2292F8-8B97-CA1C-1C50-5B1E8CA3624E}"/>
-              </a:ext>
-            </a:extLst>
-          </p:cNvPr>
-          <p:cNvSpPr txBox="1"/>
-          <p:nvPr/>
-        </p:nvSpPr>
-        <p:spPr>
-          <a:xfrm>
-            <a:off x="1233577" y="1348633"/>
-            <a:ext cx="3191258" cy="369332"/>
-          </a:xfrm>
-          <a:prstGeom prst="rect">
-            <a:avLst/>
-          </a:prstGeom>
-          <a:noFill/>
-        </p:spPr>
-        <p:txBody>
-          <a:bodyPr wrap="none" rtlCol="0">
-            <a:spAutoFit/>
-          </a:bodyPr>
-          <a:lstStyle/>
-          <a:p>
-            <a:r>
-              <a:rPr lang="en-US" dirty="0"/>
-              <a:t>Confusion matrix with test data:</a:t>
-            </a:r>
-          </a:p>
-        </p:txBody>
-      </p:sp>
-      <p:sp>
-        <p:nvSpPr>
-          <p:cNvPr id="14" name="TextBox 13">
-            <a:extLst>
-              <a:ext uri="{FF2B5EF4-FFF2-40B4-BE49-F238E27FC236}">
-                <a16:creationId xmlns:a16="http://schemas.microsoft.com/office/drawing/2014/main" id="{ED064148-AE4F-7C27-E13A-B8BE91DD6451}"/>
-              </a:ext>
-            </a:extLst>
-          </p:cNvPr>
-          <p:cNvSpPr txBox="1"/>
-          <p:nvPr/>
-        </p:nvSpPr>
-        <p:spPr>
-          <a:xfrm>
-            <a:off x="1233577" y="3013004"/>
-            <a:ext cx="884345" cy="369332"/>
-          </a:xfrm>
-          <a:prstGeom prst="rect">
-            <a:avLst/>
-          </a:prstGeom>
-          <a:noFill/>
-        </p:spPr>
-        <p:txBody>
-          <a:bodyPr wrap="none" rtlCol="0">
-            <a:spAutoFit/>
-          </a:bodyPr>
-          <a:lstStyle/>
-          <a:p>
-            <a:r>
-              <a:rPr lang="en-US" dirty="0"/>
-              <a:t>Report:</a:t>
-            </a:r>
-          </a:p>
-        </p:txBody>
-      </p:sp>
-      <p:pic>
-        <p:nvPicPr>
-          <p:cNvPr id="5" name="Picture 4">
-            <a:extLst>
-              <a:ext uri="{FF2B5EF4-FFF2-40B4-BE49-F238E27FC236}">
-                <a16:creationId xmlns:a16="http://schemas.microsoft.com/office/drawing/2014/main" id="{92108F4D-AE41-1DAE-8DEA-DF5720849942}"/>
+                <a16:creationId xmlns:a16="http://schemas.microsoft.com/office/drawing/2014/main" id="{0C4FC9A9-5264-D1A1-66D4-27FA94B9D911}"/>
               </a:ext>
             </a:extLst>
           </p:cNvPr>
           <p:cNvPicPr>
-            <a:picLocks noChangeAspect="1"/>
+            <a:picLocks noGrp="1" noChangeAspect="1"/>
           </p:cNvPicPr>
-          <p:nvPr/>
+          <p:nvPr>
+            <p:ph idx="1"/>
+          </p:nvPr>
         </p:nvPicPr>
         <p:blipFill>
-          <a:blip r:embed="rId3"/>
+          <a:blip r:embed="rId2"/>
           <a:stretch>
             <a:fillRect/>
           </a:stretch>
         </p:blipFill>
         <p:spPr>
           <a:xfrm>
-            <a:off x="1317675" y="2082966"/>
-            <a:ext cx="2467319" cy="457264"/>
-          </a:xfrm>
-          <a:prstGeom prst="rect">
-            <a:avLst/>
-          </a:prstGeom>
-        </p:spPr>
-      </p:pic>
-      <p:pic>
-        <p:nvPicPr>
-          <p:cNvPr id="8" name="Picture 7">
-            <a:extLst>
-              <a:ext uri="{FF2B5EF4-FFF2-40B4-BE49-F238E27FC236}">
-                <a16:creationId xmlns:a16="http://schemas.microsoft.com/office/drawing/2014/main" id="{E568FE1D-2AAB-BD6B-05A0-651CE0C68D7F}"/>
-              </a:ext>
-            </a:extLst>
-          </p:cNvPr>
-          <p:cNvPicPr>
-            <a:picLocks noChangeAspect="1"/>
-          </p:cNvPicPr>
-          <p:nvPr/>
-        </p:nvPicPr>
-        <p:blipFill>
-          <a:blip r:embed="rId4"/>
-          <a:stretch>
-            <a:fillRect/>
-          </a:stretch>
-        </p:blipFill>
-        <p:spPr>
-          <a:xfrm>
-            <a:off x="1317675" y="3835269"/>
-            <a:ext cx="4077269" cy="1590897"/>
-          </a:xfrm>
-          <a:prstGeom prst="rect">
-            <a:avLst/>
-          </a:prstGeom>
+            <a:off x="838200" y="365129"/>
+            <a:ext cx="10515600" cy="5516724"/>
+          </a:xfrm>
         </p:spPr>
       </p:pic>
     </p:spTree>
     <p:extLst>
       <p:ext uri="{BB962C8B-B14F-4D97-AF65-F5344CB8AC3E}">
-        <p14:creationId xmlns:p14="http://schemas.microsoft.com/office/powerpoint/2010/main" val="3469983971"/>
+        <p14:creationId xmlns:p14="http://schemas.microsoft.com/office/powerpoint/2010/main" val="96397319"/>
       </p:ext>
     </p:extLst>
   </p:cSld>
@@ -15051,187 +15146,103 @@
       </p:grpSpPr>
       <p:sp>
         <p:nvSpPr>
-          <p:cNvPr id="4" name="TextBox 3">
-            <a:extLst>
-              <a:ext uri="{FF2B5EF4-FFF2-40B4-BE49-F238E27FC236}">
-                <a16:creationId xmlns:a16="http://schemas.microsoft.com/office/drawing/2014/main" id="{4991F778-C5C8-B229-5B47-A6E62DE23129}"/>
-              </a:ext>
-            </a:extLst>
-          </p:cNvPr>
-          <p:cNvSpPr txBox="1"/>
-          <p:nvPr/>
-        </p:nvSpPr>
-        <p:spPr>
-          <a:xfrm>
-            <a:off x="1233577" y="707366"/>
-            <a:ext cx="10334446" cy="646331"/>
-          </a:xfrm>
-          <a:prstGeom prst="rect">
-            <a:avLst/>
-          </a:prstGeom>
-          <a:noFill/>
-        </p:spPr>
-        <p:txBody>
-          <a:bodyPr wrap="square" rtlCol="0">
-            <a:spAutoFit/>
+          <p:cNvPr id="6" name="Title 5"/>
+          <p:cNvSpPr>
+            <a:spLocks noGrp="1"/>
+          </p:cNvSpPr>
+          <p:nvPr>
+            <p:ph type="title"/>
+          </p:nvPr>
+        </p:nvSpPr>
+        <p:spPr>
+          <a:xfrm>
+            <a:off x="5607170" y="1709742"/>
+            <a:ext cx="6271404" cy="809172"/>
+          </a:xfrm>
+        </p:spPr>
+        <p:txBody>
+          <a:bodyPr>
+            <a:normAutofit fontScale="90000"/>
           </a:bodyPr>
           <a:lstStyle/>
           <a:p>
+            <a:pPr algn="l"/>
             <a:r>
               <a:rPr lang="en-US" dirty="0"/>
-              <a:t>Decision Tree Classifier – Supervised – Random Over Sampler balance data with class weight</a:t>
-            </a:r>
-          </a:p>
-          <a:p>
-            <a:r>
-              <a:rPr lang="en-US" dirty="0"/>
-              <a:t>This is our </a:t>
-            </a:r>
-            <a:r>
-              <a:rPr lang="en-US" b="1" dirty="0"/>
-              <a:t>optimized</a:t>
-            </a:r>
-            <a:r>
-              <a:rPr lang="en-US" dirty="0"/>
-              <a:t> model</a:t>
-            </a:r>
-          </a:p>
-        </p:txBody>
-      </p:sp>
-      <p:sp>
-        <p:nvSpPr>
-          <p:cNvPr id="13" name="TextBox 12">
-            <a:extLst>
-              <a:ext uri="{FF2B5EF4-FFF2-40B4-BE49-F238E27FC236}">
-                <a16:creationId xmlns:a16="http://schemas.microsoft.com/office/drawing/2014/main" id="{4B2292F8-8B97-CA1C-1C50-5B1E8CA3624E}"/>
-              </a:ext>
-            </a:extLst>
-          </p:cNvPr>
-          <p:cNvSpPr txBox="1"/>
-          <p:nvPr/>
-        </p:nvSpPr>
-        <p:spPr>
-          <a:xfrm>
-            <a:off x="1233577" y="1348633"/>
-            <a:ext cx="3191258" cy="369332"/>
-          </a:xfrm>
-          <a:prstGeom prst="rect">
-            <a:avLst/>
-          </a:prstGeom>
-          <a:noFill/>
-        </p:spPr>
-        <p:txBody>
-          <a:bodyPr wrap="none" rtlCol="0">
-            <a:spAutoFit/>
-          </a:bodyPr>
-          <a:lstStyle/>
-          <a:p>
-            <a:r>
-              <a:rPr lang="en-US" dirty="0"/>
-              <a:t>Confusion matrix with test data:</a:t>
-            </a:r>
-          </a:p>
-        </p:txBody>
-      </p:sp>
-      <p:sp>
-        <p:nvSpPr>
-          <p:cNvPr id="14" name="TextBox 13">
-            <a:extLst>
-              <a:ext uri="{FF2B5EF4-FFF2-40B4-BE49-F238E27FC236}">
-                <a16:creationId xmlns:a16="http://schemas.microsoft.com/office/drawing/2014/main" id="{ED064148-AE4F-7C27-E13A-B8BE91DD6451}"/>
-              </a:ext>
-            </a:extLst>
-          </p:cNvPr>
-          <p:cNvSpPr txBox="1"/>
-          <p:nvPr/>
-        </p:nvSpPr>
-        <p:spPr>
-          <a:xfrm>
-            <a:off x="1233577" y="3013004"/>
-            <a:ext cx="884345" cy="369332"/>
-          </a:xfrm>
-          <a:prstGeom prst="rect">
-            <a:avLst/>
-          </a:prstGeom>
-          <a:noFill/>
-        </p:spPr>
-        <p:txBody>
-          <a:bodyPr wrap="none" rtlCol="0">
-            <a:spAutoFit/>
-          </a:bodyPr>
-          <a:lstStyle/>
-          <a:p>
-            <a:r>
-              <a:rPr lang="en-US" dirty="0"/>
-              <a:t>Report:</a:t>
+              <a:t>Machine Learning Models Overview</a:t>
             </a:r>
           </a:p>
         </p:txBody>
       </p:sp>
       <p:pic>
         <p:nvPicPr>
-          <p:cNvPr id="3" name="Picture 2">
-            <a:extLst>
-              <a:ext uri="{FF2B5EF4-FFF2-40B4-BE49-F238E27FC236}">
-                <a16:creationId xmlns:a16="http://schemas.microsoft.com/office/drawing/2014/main" id="{4BD4DD7B-E0F6-A685-CC1C-F26F694F34FA}"/>
-              </a:ext>
-            </a:extLst>
-          </p:cNvPr>
+          <p:cNvPr id="8" name="Picture 7"/>
           <p:cNvPicPr>
             <a:picLocks noChangeAspect="1"/>
           </p:cNvPicPr>
           <p:nvPr/>
         </p:nvPicPr>
         <p:blipFill>
-          <a:blip r:embed="rId3"/>
+          <a:blip r:embed="rId3">
+            <a:extLst>
+              <a:ext uri="{28A0092B-C50C-407E-A947-70E740481C1C}">
+                <a14:useLocalDpi xmlns:a14="http://schemas.microsoft.com/office/drawing/2010/main" val="0"/>
+              </a:ext>
+            </a:extLst>
+          </a:blip>
           <a:stretch>
             <a:fillRect/>
           </a:stretch>
         </p:blipFill>
         <p:spPr>
           <a:xfrm>
-            <a:off x="1317675" y="2131386"/>
-            <a:ext cx="2429214" cy="428685"/>
+            <a:off x="1742674" y="3338422"/>
+            <a:ext cx="3192062" cy="3519578"/>
           </a:xfrm>
           <a:prstGeom prst="rect">
             <a:avLst/>
           </a:prstGeom>
         </p:spPr>
       </p:pic>
-      <p:pic>
-        <p:nvPicPr>
-          <p:cNvPr id="7" name="Picture 6">
+      <p:sp>
+        <p:nvSpPr>
+          <p:cNvPr id="2" name="TextBox 1">
             <a:extLst>
               <a:ext uri="{FF2B5EF4-FFF2-40B4-BE49-F238E27FC236}">
-                <a16:creationId xmlns:a16="http://schemas.microsoft.com/office/drawing/2014/main" id="{8FFC319B-FB01-56DC-7BA5-FE79A93E3AA2}"/>
+                <a16:creationId xmlns:a16="http://schemas.microsoft.com/office/drawing/2014/main" id="{6BF1AAEA-4564-FCA6-C2F1-06BAFFCD3692}"/>
               </a:ext>
             </a:extLst>
           </p:cNvPr>
-          <p:cNvPicPr>
-            <a:picLocks noChangeAspect="1"/>
-          </p:cNvPicPr>
+          <p:cNvSpPr txBox="1"/>
           <p:nvPr/>
-        </p:nvPicPr>
-        <p:blipFill>
-          <a:blip r:embed="rId4"/>
-          <a:stretch>
-            <a:fillRect/>
-          </a:stretch>
-        </p:blipFill>
-        <p:spPr>
-          <a:xfrm>
-            <a:off x="1317675" y="3908944"/>
-            <a:ext cx="4143953" cy="1600423"/>
+        </p:nvSpPr>
+        <p:spPr>
+          <a:xfrm>
+            <a:off x="0" y="6550223"/>
+            <a:ext cx="2657012" cy="307777"/>
           </a:xfrm>
           <a:prstGeom prst="rect">
             <a:avLst/>
           </a:prstGeom>
-        </p:spPr>
-      </p:pic>
+          <a:noFill/>
+        </p:spPr>
+        <p:txBody>
+          <a:bodyPr wrap="square">
+            <a:spAutoFit/>
+          </a:bodyPr>
+          <a:lstStyle/>
+          <a:p>
+            <a:r>
+              <a:rPr lang="en-US" sz="1400" dirty="0"/>
+              <a:t>© Copyright Showeet.com</a:t>
+            </a:r>
+          </a:p>
+        </p:txBody>
+      </p:sp>
     </p:spTree>
     <p:extLst>
       <p:ext uri="{BB962C8B-B14F-4D97-AF65-F5344CB8AC3E}">
-        <p14:creationId xmlns:p14="http://schemas.microsoft.com/office/powerpoint/2010/main" val="2642187075"/>
+        <p14:creationId xmlns:p14="http://schemas.microsoft.com/office/powerpoint/2010/main" val="3437076806"/>
       </p:ext>
     </p:extLst>
   </p:cSld>
@@ -15288,87 +15299,17 @@
           <a:p>
             <a:r>
               <a:rPr lang="en-US" dirty="0"/>
-              <a:t>Decision Tree Classifier – Supervised – Under sampling with class weight</a:t>
-            </a:r>
-          </a:p>
-        </p:txBody>
-      </p:sp>
-      <p:sp>
-        <p:nvSpPr>
-          <p:cNvPr id="13" name="TextBox 12">
+              <a:t>Logistic Regression – Supervised – Original imbalanced data</a:t>
+            </a:r>
+          </a:p>
+        </p:txBody>
+      </p:sp>
+      <p:pic>
+        <p:nvPicPr>
+          <p:cNvPr id="9" name="Picture 8">
             <a:extLst>
               <a:ext uri="{FF2B5EF4-FFF2-40B4-BE49-F238E27FC236}">
-                <a16:creationId xmlns:a16="http://schemas.microsoft.com/office/drawing/2014/main" id="{4B2292F8-8B97-CA1C-1C50-5B1E8CA3624E}"/>
-              </a:ext>
-            </a:extLst>
-          </p:cNvPr>
-          <p:cNvSpPr txBox="1"/>
-          <p:nvPr/>
-        </p:nvSpPr>
-        <p:spPr>
-          <a:xfrm>
-            <a:off x="1233577" y="1348633"/>
-            <a:ext cx="3191258" cy="369332"/>
-          </a:xfrm>
-          <a:prstGeom prst="rect">
-            <a:avLst/>
-          </a:prstGeom>
-          <a:noFill/>
-        </p:spPr>
-        <p:txBody>
-          <a:bodyPr wrap="none" rtlCol="0">
-            <a:spAutoFit/>
-          </a:bodyPr>
-          <a:lstStyle/>
-          <a:p>
-            <a:r>
-              <a:rPr lang="en-US" dirty="0"/>
-              <a:t>Confusion matrix with test data:</a:t>
-            </a:r>
-          </a:p>
-        </p:txBody>
-      </p:sp>
-      <p:sp>
-        <p:nvSpPr>
-          <p:cNvPr id="14" name="TextBox 13">
-            <a:extLst>
-              <a:ext uri="{FF2B5EF4-FFF2-40B4-BE49-F238E27FC236}">
-                <a16:creationId xmlns:a16="http://schemas.microsoft.com/office/drawing/2014/main" id="{ED064148-AE4F-7C27-E13A-B8BE91DD6451}"/>
-              </a:ext>
-            </a:extLst>
-          </p:cNvPr>
-          <p:cNvSpPr txBox="1"/>
-          <p:nvPr/>
-        </p:nvSpPr>
-        <p:spPr>
-          <a:xfrm>
-            <a:off x="1233577" y="3013004"/>
-            <a:ext cx="884345" cy="369332"/>
-          </a:xfrm>
-          <a:prstGeom prst="rect">
-            <a:avLst/>
-          </a:prstGeom>
-          <a:noFill/>
-        </p:spPr>
-        <p:txBody>
-          <a:bodyPr wrap="none" rtlCol="0">
-            <a:spAutoFit/>
-          </a:bodyPr>
-          <a:lstStyle/>
-          <a:p>
-            <a:r>
-              <a:rPr lang="en-US" dirty="0"/>
-              <a:t>Report:</a:t>
-            </a:r>
-          </a:p>
-        </p:txBody>
-      </p:sp>
-      <p:pic>
-        <p:nvPicPr>
-          <p:cNvPr id="8" name="Picture 7">
-            <a:extLst>
-              <a:ext uri="{FF2B5EF4-FFF2-40B4-BE49-F238E27FC236}">
-                <a16:creationId xmlns:a16="http://schemas.microsoft.com/office/drawing/2014/main" id="{F3409E40-1902-CC23-B3ED-86B9C2BA2B01}"/>
+                <a16:creationId xmlns:a16="http://schemas.microsoft.com/office/drawing/2014/main" id="{44BDD42A-9EF0-59DC-E844-CD6B82FD99BE}"/>
               </a:ext>
             </a:extLst>
           </p:cNvPr>
@@ -15385,20 +15326,90 @@
         </p:blipFill>
         <p:spPr>
           <a:xfrm>
-            <a:off x="1317675" y="3886689"/>
-            <a:ext cx="4086795" cy="1581371"/>
+            <a:off x="1317675" y="3734774"/>
+            <a:ext cx="4096322" cy="1581371"/>
           </a:xfrm>
           <a:prstGeom prst="rect">
             <a:avLst/>
           </a:prstGeom>
         </p:spPr>
       </p:pic>
+      <p:sp>
+        <p:nvSpPr>
+          <p:cNvPr id="13" name="TextBox 12">
+            <a:extLst>
+              <a:ext uri="{FF2B5EF4-FFF2-40B4-BE49-F238E27FC236}">
+                <a16:creationId xmlns:a16="http://schemas.microsoft.com/office/drawing/2014/main" id="{4B2292F8-8B97-CA1C-1C50-5B1E8CA3624E}"/>
+              </a:ext>
+            </a:extLst>
+          </p:cNvPr>
+          <p:cNvSpPr txBox="1"/>
+          <p:nvPr/>
+        </p:nvSpPr>
+        <p:spPr>
+          <a:xfrm>
+            <a:off x="1233577" y="1418582"/>
+            <a:ext cx="3191258" cy="369332"/>
+          </a:xfrm>
+          <a:prstGeom prst="rect">
+            <a:avLst/>
+          </a:prstGeom>
+          <a:noFill/>
+        </p:spPr>
+        <p:txBody>
+          <a:bodyPr wrap="none" rtlCol="0">
+            <a:spAutoFit/>
+          </a:bodyPr>
+          <a:lstStyle/>
+          <a:p>
+            <a:r>
+              <a:rPr lang="en-US" dirty="0"/>
+              <a:t>Confusion matrix with test data:</a:t>
+            </a:r>
+          </a:p>
+        </p:txBody>
+      </p:sp>
+      <p:sp>
+        <p:nvSpPr>
+          <p:cNvPr id="14" name="TextBox 13">
+            <a:extLst>
+              <a:ext uri="{FF2B5EF4-FFF2-40B4-BE49-F238E27FC236}">
+                <a16:creationId xmlns:a16="http://schemas.microsoft.com/office/drawing/2014/main" id="{ED064148-AE4F-7C27-E13A-B8BE91DD6451}"/>
+              </a:ext>
+            </a:extLst>
+          </p:cNvPr>
+          <p:cNvSpPr txBox="1"/>
+          <p:nvPr/>
+        </p:nvSpPr>
+        <p:spPr>
+          <a:xfrm>
+            <a:off x="1233577" y="3016810"/>
+            <a:ext cx="884345" cy="369332"/>
+          </a:xfrm>
+          <a:prstGeom prst="rect">
+            <a:avLst/>
+          </a:prstGeom>
+          <a:noFill/>
+        </p:spPr>
+        <p:txBody>
+          <a:bodyPr wrap="none" rtlCol="0">
+            <a:spAutoFit/>
+          </a:bodyPr>
+          <a:lstStyle/>
+          <a:p>
+            <a:r>
+              <a:rPr lang="en-US" dirty="0"/>
+              <a:t>Report:</a:t>
+            </a:r>
+          </a:p>
+        </p:txBody>
+      </p:sp>
       <p:pic>
         <p:nvPicPr>
-          <p:cNvPr id="10" name="Picture 9">
+          <p:cNvPr id="18" name="Picture 17">
             <a:extLst>
               <a:ext uri="{FF2B5EF4-FFF2-40B4-BE49-F238E27FC236}">
-                <a16:creationId xmlns:a16="http://schemas.microsoft.com/office/drawing/2014/main" id="{F9AAA0F3-7DB6-02B2-3561-F956D15F1E04}"/>
+                <a16:creationId xmlns:a16="http://schemas.microsoft.com/office/drawing/2014/main" id="{9E0027C6-D8BD-2986-E86B-2BD3F6F855EF}"/>
               </a:ext>
             </a:extLst>
           </p:cNvPr>
@@ -15415,8 +15426,8 @@
         </p:blipFill>
         <p:spPr>
           <a:xfrm>
-            <a:off x="1317675" y="2119289"/>
-            <a:ext cx="2181529" cy="504895"/>
+            <a:off x="1317675" y="2226125"/>
+            <a:ext cx="895475" cy="352474"/>
           </a:xfrm>
           <a:prstGeom prst="rect">
             <a:avLst/>
@@ -15426,7 +15437,7 @@
     </p:spTree>
     <p:extLst>
       <p:ext uri="{BB962C8B-B14F-4D97-AF65-F5344CB8AC3E}">
-        <p14:creationId xmlns:p14="http://schemas.microsoft.com/office/powerpoint/2010/main" val="3204657138"/>
+        <p14:creationId xmlns:p14="http://schemas.microsoft.com/office/powerpoint/2010/main" val="893258212"/>
       </p:ext>
     </p:extLst>
   </p:cSld>
@@ -16027,21 +16038,21 @@
 </file>
 
 <file path=customXml/item1.xml><?xml version="1.0" encoding="utf-8"?>
+<p:properties xmlns:p="http://schemas.microsoft.com/office/2006/metadata/properties" xmlns:xsi="http://www.w3.org/2001/XMLSchema-instance" xmlns:pc="http://schemas.microsoft.com/office/infopath/2007/PartnerControls">
+  <documentManagement>
+    <Status xmlns="71af3243-3dd4-4a8d-8c0d-dd76da1f02a5">Not started</Status>
+    <MediaServiceKeyPoints xmlns="71af3243-3dd4-4a8d-8c0d-dd76da1f02a5" xsi:nil="true"/>
+  </documentManagement>
+</p:properties>
+</file>
+
+<file path=customXml/item2.xml><?xml version="1.0" encoding="utf-8"?>
 <?mso-contentType ?>
 <FormTemplates xmlns="http://schemas.microsoft.com/sharepoint/v3/contenttype/forms">
   <Display>DocumentLibraryForm</Display>
   <Edit>DocumentLibraryForm</Edit>
   <New>DocumentLibraryForm</New>
 </FormTemplates>
-</file>
-
-<file path=customXml/item2.xml><?xml version="1.0" encoding="utf-8"?>
-<p:properties xmlns:p="http://schemas.microsoft.com/office/2006/metadata/properties" xmlns:xsi="http://www.w3.org/2001/XMLSchema-instance" xmlns:pc="http://schemas.microsoft.com/office/infopath/2007/PartnerControls">
-  <documentManagement>
-    <Status xmlns="71af3243-3dd4-4a8d-8c0d-dd76da1f02a5">Not started</Status>
-    <MediaServiceKeyPoints xmlns="71af3243-3dd4-4a8d-8c0d-dd76da1f02a5" xsi:nil="true"/>
-  </documentManagement>
-</p:properties>
 </file>
 
 <file path=customXml/item3.xml><?xml version="1.0" encoding="utf-8"?>
@@ -16266,19 +16277,19 @@
 </file>
 
 <file path=customXml/itemProps1.xml><?xml version="1.0" encoding="utf-8"?>
-<ds:datastoreItem xmlns:ds="http://schemas.openxmlformats.org/officeDocument/2006/customXml" ds:itemID="{3C8E00D1-8EA3-4E42-801D-0253E1EAFC21}">
+<ds:datastoreItem xmlns:ds="http://schemas.openxmlformats.org/officeDocument/2006/customXml" ds:itemID="{99919F73-B6C2-4A43-95E2-833EC48925FE}">
   <ds:schemaRefs>
-    <ds:schemaRef ds:uri="http://schemas.microsoft.com/sharepoint/v3/contenttype/forms"/>
+    <ds:schemaRef ds:uri="http://schemas.microsoft.com/office/2006/metadata/properties"/>
+    <ds:schemaRef ds:uri="http://schemas.microsoft.com/office/infopath/2007/PartnerControls"/>
+    <ds:schemaRef ds:uri="71af3243-3dd4-4a8d-8c0d-dd76da1f02a5"/>
   </ds:schemaRefs>
 </ds:datastoreItem>
 </file>
 
 <file path=customXml/itemProps2.xml><?xml version="1.0" encoding="utf-8"?>
-<ds:datastoreItem xmlns:ds="http://schemas.openxmlformats.org/officeDocument/2006/customXml" ds:itemID="{99919F73-B6C2-4A43-95E2-833EC48925FE}">
+<ds:datastoreItem xmlns:ds="http://schemas.openxmlformats.org/officeDocument/2006/customXml" ds:itemID="{3C8E00D1-8EA3-4E42-801D-0253E1EAFC21}">
   <ds:schemaRefs>
-    <ds:schemaRef ds:uri="http://schemas.microsoft.com/office/2006/metadata/properties"/>
-    <ds:schemaRef ds:uri="http://schemas.microsoft.com/office/infopath/2007/PartnerControls"/>
-    <ds:schemaRef ds:uri="71af3243-3dd4-4a8d-8c0d-dd76da1f02a5"/>
+    <ds:schemaRef ds:uri="http://schemas.microsoft.com/sharepoint/v3/contenttype/forms"/>
   </ds:schemaRefs>
 </ds:datastoreItem>
 </file>

--- a/project-sports-analytics-nhl3.0.pptx
+++ b/project-sports-analytics-nhl3.0.pptx
@@ -5,7 +5,7 @@
     <p:sldMasterId id="2147483718" r:id="rId4"/>
   </p:sldMasterIdLst>
   <p:notesMasterIdLst>
-    <p:notesMasterId r:id="rId22"/>
+    <p:notesMasterId r:id="rId21"/>
   </p:notesMasterIdLst>
   <p:sldIdLst>
     <p:sldId id="1029" r:id="rId5"/>
@@ -13,18 +13,17 @@
     <p:sldId id="1034" r:id="rId7"/>
     <p:sldId id="1060" r:id="rId8"/>
     <p:sldId id="1062" r:id="rId9"/>
-    <p:sldId id="1063" r:id="rId10"/>
-    <p:sldId id="1065" r:id="rId11"/>
-    <p:sldId id="1045" r:id="rId12"/>
-    <p:sldId id="1041" r:id="rId13"/>
-    <p:sldId id="1053" r:id="rId14"/>
-    <p:sldId id="1054" r:id="rId15"/>
-    <p:sldId id="1055" r:id="rId16"/>
-    <p:sldId id="1056" r:id="rId17"/>
-    <p:sldId id="1057" r:id="rId18"/>
-    <p:sldId id="1058" r:id="rId19"/>
-    <p:sldId id="1061" r:id="rId20"/>
-    <p:sldId id="1059" r:id="rId21"/>
+    <p:sldId id="1065" r:id="rId10"/>
+    <p:sldId id="1045" r:id="rId11"/>
+    <p:sldId id="1041" r:id="rId12"/>
+    <p:sldId id="1053" r:id="rId13"/>
+    <p:sldId id="1054" r:id="rId14"/>
+    <p:sldId id="1055" r:id="rId15"/>
+    <p:sldId id="1056" r:id="rId16"/>
+    <p:sldId id="1057" r:id="rId17"/>
+    <p:sldId id="1058" r:id="rId18"/>
+    <p:sldId id="1061" r:id="rId19"/>
+    <p:sldId id="1059" r:id="rId20"/>
   </p:sldIdLst>
   <p:sldSz cx="12192000" cy="6858000"/>
   <p:notesSz cx="6858000" cy="9144000"/>
@@ -774,6 +773,158 @@
                 <a:tabLst/>
                 <a:defRPr/>
               </a:pPr>
+              <a:t>12</a:t>
+            </a:fld>
+            <a:endParaRPr kumimoji="0" lang="en-US" sz="1200" b="0" i="0" u="none" strike="noStrike" kern="1200" cap="none" spc="0" normalizeH="0" baseline="0" noProof="0">
+              <a:ln>
+                <a:noFill/>
+              </a:ln>
+              <a:solidFill>
+                <a:prstClr val="black"/>
+              </a:solidFill>
+              <a:effectLst/>
+              <a:uLnTx/>
+              <a:uFillTx/>
+              <a:latin typeface="Calibri" panose="020F0502020204030204"/>
+              <a:ea typeface="+mn-ea"/>
+              <a:cs typeface="+mn-cs"/>
+            </a:endParaRPr>
+          </a:p>
+        </p:txBody>
+      </p:sp>
+    </p:spTree>
+    <p:extLst>
+      <p:ext uri="{BB962C8B-B14F-4D97-AF65-F5344CB8AC3E}">
+        <p14:creationId xmlns:p14="http://schemas.microsoft.com/office/powerpoint/2010/main" val="3578084510"/>
+      </p:ext>
+    </p:extLst>
+  </p:cSld>
+  <p:clrMapOvr>
+    <a:masterClrMapping/>
+  </p:clrMapOvr>
+</p:notes>
+</file>
+
+<file path=ppt/notesSlides/notesSlide11.xml><?xml version="1.0" encoding="utf-8"?>
+<p:notes xmlns:a="http://schemas.openxmlformats.org/drawingml/2006/main" xmlns:r="http://schemas.openxmlformats.org/officeDocument/2006/relationships" xmlns:p="http://schemas.openxmlformats.org/presentationml/2006/main">
+  <p:cSld>
+    <p:spTree>
+      <p:nvGrpSpPr>
+        <p:cNvPr id="1" name=""/>
+        <p:cNvGrpSpPr/>
+        <p:nvPr/>
+      </p:nvGrpSpPr>
+      <p:grpSpPr>
+        <a:xfrm>
+          <a:off x="0" y="0"/>
+          <a:ext cx="0" cy="0"/>
+          <a:chOff x="0" y="0"/>
+          <a:chExt cx="0" cy="0"/>
+        </a:xfrm>
+      </p:grpSpPr>
+      <p:sp>
+        <p:nvSpPr>
+          <p:cNvPr id="2" name="Slide Image Placeholder 1"/>
+          <p:cNvSpPr>
+            <a:spLocks noGrp="1" noRot="1" noChangeAspect="1"/>
+          </p:cNvSpPr>
+          <p:nvPr>
+            <p:ph type="sldImg"/>
+          </p:nvPr>
+        </p:nvSpPr>
+        <p:spPr/>
+      </p:sp>
+      <p:sp>
+        <p:nvSpPr>
+          <p:cNvPr id="3" name="Notes Placeholder 2"/>
+          <p:cNvSpPr>
+            <a:spLocks noGrp="1"/>
+          </p:cNvSpPr>
+          <p:nvPr>
+            <p:ph type="body" idx="1"/>
+          </p:nvPr>
+        </p:nvSpPr>
+        <p:spPr/>
+        <p:txBody>
+          <a:bodyPr/>
+          <a:lstStyle/>
+          <a:p>
+            <a:r>
+              <a:rPr lang="en-US" sz="1200">
+                <a:solidFill>
+                  <a:prstClr val="black"/>
+                </a:solidFill>
+              </a:rPr>
+              <a:t>© Copyright Showeet.com – Free PowerPoint Templates</a:t>
+            </a:r>
+            <a:endParaRPr lang="en-US"/>
+          </a:p>
+        </p:txBody>
+      </p:sp>
+      <p:sp>
+        <p:nvSpPr>
+          <p:cNvPr id="4" name="Slide Number Placeholder 3"/>
+          <p:cNvSpPr>
+            <a:spLocks noGrp="1"/>
+          </p:cNvSpPr>
+          <p:nvPr>
+            <p:ph type="sldNum" sz="quarter" idx="10"/>
+          </p:nvPr>
+        </p:nvSpPr>
+        <p:spPr/>
+        <p:txBody>
+          <a:bodyPr/>
+          <a:lstStyle/>
+          <a:p>
+            <a:pPr marL="0" marR="0" lvl="0" indent="0" algn="r" defTabSz="914400" rtl="0" eaLnBrk="1" fontAlgn="auto" latinLnBrk="0" hangingPunct="1">
+              <a:lnSpc>
+                <a:spcPct val="100000"/>
+              </a:lnSpc>
+              <a:spcBef>
+                <a:spcPts val="0"/>
+              </a:spcBef>
+              <a:spcAft>
+                <a:spcPts val="0"/>
+              </a:spcAft>
+              <a:buClrTx/>
+              <a:buSzTx/>
+              <a:buFontTx/>
+              <a:buNone/>
+              <a:tabLst/>
+              <a:defRPr/>
+            </a:pPr>
+            <a:fld id="{46B9B405-4F4D-4594-A1A1-988AA5F62729}" type="slidenum">
+              <a:rPr kumimoji="0" lang="en-US" sz="1200" b="0" i="0" u="none" strike="noStrike" kern="1200" cap="none" spc="0" normalizeH="0" baseline="0" noProof="0" smtClean="0">
+                <a:ln>
+                  <a:noFill/>
+                </a:ln>
+                <a:solidFill>
+                  <a:prstClr val="black"/>
+                </a:solidFill>
+                <a:effectLst/>
+                <a:uLnTx/>
+                <a:uFillTx/>
+                <a:latin typeface="Calibri" panose="020F0502020204030204"/>
+                <a:ea typeface="+mn-ea"/>
+                <a:cs typeface="+mn-cs"/>
+              </a:rPr>
+              <a:pPr marL="0" marR="0" lvl="0" indent="0" algn="r" defTabSz="914400" rtl="0" eaLnBrk="1" fontAlgn="auto" latinLnBrk="0" hangingPunct="1">
+                <a:lnSpc>
+                  <a:spcPct val="100000"/>
+                </a:lnSpc>
+                <a:spcBef>
+                  <a:spcPts val="0"/>
+                </a:spcBef>
+                <a:spcAft>
+                  <a:spcPts val="0"/>
+                </a:spcAft>
+                <a:buClrTx/>
+                <a:buSzTx/>
+                <a:buFontTx/>
+                <a:buNone/>
+                <a:tabLst/>
+                <a:defRPr/>
+              </a:pPr>
               <a:t>13</a:t>
             </a:fld>
             <a:endParaRPr kumimoji="0" lang="en-US" sz="1200" b="0" i="0" u="none" strike="noStrike" kern="1200" cap="none" spc="0" normalizeH="0" baseline="0" noProof="0">
@@ -796,7 +947,7 @@
     </p:spTree>
     <p:extLst>
       <p:ext uri="{BB962C8B-B14F-4D97-AF65-F5344CB8AC3E}">
-        <p14:creationId xmlns:p14="http://schemas.microsoft.com/office/powerpoint/2010/main" val="3578084510"/>
+        <p14:creationId xmlns:p14="http://schemas.microsoft.com/office/powerpoint/2010/main" val="3624117091"/>
       </p:ext>
     </p:extLst>
   </p:cSld>
@@ -806,7 +957,7 @@
 </p:notes>
 </file>
 
-<file path=ppt/notesSlides/notesSlide11.xml><?xml version="1.0" encoding="utf-8"?>
+<file path=ppt/notesSlides/notesSlide12.xml><?xml version="1.0" encoding="utf-8"?>
 <p:notes xmlns:a="http://schemas.openxmlformats.org/drawingml/2006/main" xmlns:r="http://schemas.openxmlformats.org/officeDocument/2006/relationships" xmlns:p="http://schemas.openxmlformats.org/presentationml/2006/main">
   <p:cSld>
     <p:spTree>
@@ -948,158 +1099,6 @@
     </p:spTree>
     <p:extLst>
       <p:ext uri="{BB962C8B-B14F-4D97-AF65-F5344CB8AC3E}">
-        <p14:creationId xmlns:p14="http://schemas.microsoft.com/office/powerpoint/2010/main" val="3624117091"/>
-      </p:ext>
-    </p:extLst>
-  </p:cSld>
-  <p:clrMapOvr>
-    <a:masterClrMapping/>
-  </p:clrMapOvr>
-</p:notes>
-</file>
-
-<file path=ppt/notesSlides/notesSlide12.xml><?xml version="1.0" encoding="utf-8"?>
-<p:notes xmlns:a="http://schemas.openxmlformats.org/drawingml/2006/main" xmlns:r="http://schemas.openxmlformats.org/officeDocument/2006/relationships" xmlns:p="http://schemas.openxmlformats.org/presentationml/2006/main">
-  <p:cSld>
-    <p:spTree>
-      <p:nvGrpSpPr>
-        <p:cNvPr id="1" name=""/>
-        <p:cNvGrpSpPr/>
-        <p:nvPr/>
-      </p:nvGrpSpPr>
-      <p:grpSpPr>
-        <a:xfrm>
-          <a:off x="0" y="0"/>
-          <a:ext cx="0" cy="0"/>
-          <a:chOff x="0" y="0"/>
-          <a:chExt cx="0" cy="0"/>
-        </a:xfrm>
-      </p:grpSpPr>
-      <p:sp>
-        <p:nvSpPr>
-          <p:cNvPr id="2" name="Slide Image Placeholder 1"/>
-          <p:cNvSpPr>
-            <a:spLocks noGrp="1" noRot="1" noChangeAspect="1"/>
-          </p:cNvSpPr>
-          <p:nvPr>
-            <p:ph type="sldImg"/>
-          </p:nvPr>
-        </p:nvSpPr>
-        <p:spPr/>
-      </p:sp>
-      <p:sp>
-        <p:nvSpPr>
-          <p:cNvPr id="3" name="Notes Placeholder 2"/>
-          <p:cNvSpPr>
-            <a:spLocks noGrp="1"/>
-          </p:cNvSpPr>
-          <p:nvPr>
-            <p:ph type="body" idx="1"/>
-          </p:nvPr>
-        </p:nvSpPr>
-        <p:spPr/>
-        <p:txBody>
-          <a:bodyPr/>
-          <a:lstStyle/>
-          <a:p>
-            <a:r>
-              <a:rPr lang="en-US" sz="1200">
-                <a:solidFill>
-                  <a:prstClr val="black"/>
-                </a:solidFill>
-              </a:rPr>
-              <a:t>© Copyright Showeet.com – Free PowerPoint Templates</a:t>
-            </a:r>
-            <a:endParaRPr lang="en-US"/>
-          </a:p>
-        </p:txBody>
-      </p:sp>
-      <p:sp>
-        <p:nvSpPr>
-          <p:cNvPr id="4" name="Slide Number Placeholder 3"/>
-          <p:cNvSpPr>
-            <a:spLocks noGrp="1"/>
-          </p:cNvSpPr>
-          <p:nvPr>
-            <p:ph type="sldNum" sz="quarter" idx="10"/>
-          </p:nvPr>
-        </p:nvSpPr>
-        <p:spPr/>
-        <p:txBody>
-          <a:bodyPr/>
-          <a:lstStyle/>
-          <a:p>
-            <a:pPr marL="0" marR="0" lvl="0" indent="0" algn="r" defTabSz="914400" rtl="0" eaLnBrk="1" fontAlgn="auto" latinLnBrk="0" hangingPunct="1">
-              <a:lnSpc>
-                <a:spcPct val="100000"/>
-              </a:lnSpc>
-              <a:spcBef>
-                <a:spcPts val="0"/>
-              </a:spcBef>
-              <a:spcAft>
-                <a:spcPts val="0"/>
-              </a:spcAft>
-              <a:buClrTx/>
-              <a:buSzTx/>
-              <a:buFontTx/>
-              <a:buNone/>
-              <a:tabLst/>
-              <a:defRPr/>
-            </a:pPr>
-            <a:fld id="{46B9B405-4F4D-4594-A1A1-988AA5F62729}" type="slidenum">
-              <a:rPr kumimoji="0" lang="en-US" sz="1200" b="0" i="0" u="none" strike="noStrike" kern="1200" cap="none" spc="0" normalizeH="0" baseline="0" noProof="0" smtClean="0">
-                <a:ln>
-                  <a:noFill/>
-                </a:ln>
-                <a:solidFill>
-                  <a:prstClr val="black"/>
-                </a:solidFill>
-                <a:effectLst/>
-                <a:uLnTx/>
-                <a:uFillTx/>
-                <a:latin typeface="Calibri" panose="020F0502020204030204"/>
-                <a:ea typeface="+mn-ea"/>
-                <a:cs typeface="+mn-cs"/>
-              </a:rPr>
-              <a:pPr marL="0" marR="0" lvl="0" indent="0" algn="r" defTabSz="914400" rtl="0" eaLnBrk="1" fontAlgn="auto" latinLnBrk="0" hangingPunct="1">
-                <a:lnSpc>
-                  <a:spcPct val="100000"/>
-                </a:lnSpc>
-                <a:spcBef>
-                  <a:spcPts val="0"/>
-                </a:spcBef>
-                <a:spcAft>
-                  <a:spcPts val="0"/>
-                </a:spcAft>
-                <a:buClrTx/>
-                <a:buSzTx/>
-                <a:buFontTx/>
-                <a:buNone/>
-                <a:tabLst/>
-                <a:defRPr/>
-              </a:pPr>
-              <a:t>15</a:t>
-            </a:fld>
-            <a:endParaRPr kumimoji="0" lang="en-US" sz="1200" b="0" i="0" u="none" strike="noStrike" kern="1200" cap="none" spc="0" normalizeH="0" baseline="0" noProof="0">
-              <a:ln>
-                <a:noFill/>
-              </a:ln>
-              <a:solidFill>
-                <a:prstClr val="black"/>
-              </a:solidFill>
-              <a:effectLst/>
-              <a:uLnTx/>
-              <a:uFillTx/>
-              <a:latin typeface="Calibri" panose="020F0502020204030204"/>
-              <a:ea typeface="+mn-ea"/>
-              <a:cs typeface="+mn-cs"/>
-            </a:endParaRPr>
-          </a:p>
-        </p:txBody>
-      </p:sp>
-    </p:spTree>
-    <p:extLst>
-      <p:ext uri="{BB962C8B-B14F-4D97-AF65-F5344CB8AC3E}">
         <p14:creationId xmlns:p14="http://schemas.microsoft.com/office/powerpoint/2010/main" val="3471083749"/>
       </p:ext>
     </p:extLst>
@@ -1686,6 +1685,158 @@
                 <a:tabLst/>
                 <a:defRPr/>
               </a:pPr>
+              <a:t>7</a:t>
+            </a:fld>
+            <a:endParaRPr kumimoji="0" lang="en-US" sz="1200" b="0" i="0" u="none" strike="noStrike" kern="1200" cap="none" spc="0" normalizeH="0" baseline="0" noProof="0">
+              <a:ln>
+                <a:noFill/>
+              </a:ln>
+              <a:solidFill>
+                <a:prstClr val="black"/>
+              </a:solidFill>
+              <a:effectLst/>
+              <a:uLnTx/>
+              <a:uFillTx/>
+              <a:latin typeface="Calibri" panose="020F0502020204030204"/>
+              <a:ea typeface="+mn-ea"/>
+              <a:cs typeface="+mn-cs"/>
+            </a:endParaRPr>
+          </a:p>
+        </p:txBody>
+      </p:sp>
+    </p:spTree>
+    <p:extLst>
+      <p:ext uri="{BB962C8B-B14F-4D97-AF65-F5344CB8AC3E}">
+        <p14:creationId xmlns:p14="http://schemas.microsoft.com/office/powerpoint/2010/main" val="2742785175"/>
+      </p:ext>
+    </p:extLst>
+  </p:cSld>
+  <p:clrMapOvr>
+    <a:masterClrMapping/>
+  </p:clrMapOvr>
+</p:notes>
+</file>
+
+<file path=ppt/notesSlides/notesSlide6.xml><?xml version="1.0" encoding="utf-8"?>
+<p:notes xmlns:a="http://schemas.openxmlformats.org/drawingml/2006/main" xmlns:r="http://schemas.openxmlformats.org/officeDocument/2006/relationships" xmlns:p="http://schemas.openxmlformats.org/presentationml/2006/main">
+  <p:cSld>
+    <p:spTree>
+      <p:nvGrpSpPr>
+        <p:cNvPr id="1" name=""/>
+        <p:cNvGrpSpPr/>
+        <p:nvPr/>
+      </p:nvGrpSpPr>
+      <p:grpSpPr>
+        <a:xfrm>
+          <a:off x="0" y="0"/>
+          <a:ext cx="0" cy="0"/>
+          <a:chOff x="0" y="0"/>
+          <a:chExt cx="0" cy="0"/>
+        </a:xfrm>
+      </p:grpSpPr>
+      <p:sp>
+        <p:nvSpPr>
+          <p:cNvPr id="2" name="Slide Image Placeholder 1"/>
+          <p:cNvSpPr>
+            <a:spLocks noGrp="1" noRot="1" noChangeAspect="1"/>
+          </p:cNvSpPr>
+          <p:nvPr>
+            <p:ph type="sldImg"/>
+          </p:nvPr>
+        </p:nvSpPr>
+        <p:spPr/>
+      </p:sp>
+      <p:sp>
+        <p:nvSpPr>
+          <p:cNvPr id="3" name="Notes Placeholder 2"/>
+          <p:cNvSpPr>
+            <a:spLocks noGrp="1"/>
+          </p:cNvSpPr>
+          <p:nvPr>
+            <p:ph type="body" idx="1"/>
+          </p:nvPr>
+        </p:nvSpPr>
+        <p:spPr/>
+        <p:txBody>
+          <a:bodyPr/>
+          <a:lstStyle/>
+          <a:p>
+            <a:r>
+              <a:rPr lang="en-US" sz="1200">
+                <a:solidFill>
+                  <a:prstClr val="black"/>
+                </a:solidFill>
+              </a:rPr>
+              <a:t>© Copyright Showeet.com – Free PowerPoint Templates</a:t>
+            </a:r>
+            <a:endParaRPr lang="en-US"/>
+          </a:p>
+        </p:txBody>
+      </p:sp>
+      <p:sp>
+        <p:nvSpPr>
+          <p:cNvPr id="4" name="Slide Number Placeholder 3"/>
+          <p:cNvSpPr>
+            <a:spLocks noGrp="1"/>
+          </p:cNvSpPr>
+          <p:nvPr>
+            <p:ph type="sldNum" sz="quarter" idx="10"/>
+          </p:nvPr>
+        </p:nvSpPr>
+        <p:spPr/>
+        <p:txBody>
+          <a:bodyPr/>
+          <a:lstStyle/>
+          <a:p>
+            <a:pPr marL="0" marR="0" lvl="0" indent="0" algn="r" defTabSz="914400" rtl="0" eaLnBrk="1" fontAlgn="auto" latinLnBrk="0" hangingPunct="1">
+              <a:lnSpc>
+                <a:spcPct val="100000"/>
+              </a:lnSpc>
+              <a:spcBef>
+                <a:spcPts val="0"/>
+              </a:spcBef>
+              <a:spcAft>
+                <a:spcPts val="0"/>
+              </a:spcAft>
+              <a:buClrTx/>
+              <a:buSzTx/>
+              <a:buFontTx/>
+              <a:buNone/>
+              <a:tabLst/>
+              <a:defRPr/>
+            </a:pPr>
+            <a:fld id="{46B9B405-4F4D-4594-A1A1-988AA5F62729}" type="slidenum">
+              <a:rPr kumimoji="0" lang="en-US" sz="1200" b="0" i="0" u="none" strike="noStrike" kern="1200" cap="none" spc="0" normalizeH="0" baseline="0" noProof="0" smtClean="0">
+                <a:ln>
+                  <a:noFill/>
+                </a:ln>
+                <a:solidFill>
+                  <a:prstClr val="black"/>
+                </a:solidFill>
+                <a:effectLst/>
+                <a:uLnTx/>
+                <a:uFillTx/>
+                <a:latin typeface="Calibri" panose="020F0502020204030204"/>
+                <a:ea typeface="+mn-ea"/>
+                <a:cs typeface="+mn-cs"/>
+              </a:rPr>
+              <a:pPr marL="0" marR="0" lvl="0" indent="0" algn="r" defTabSz="914400" rtl="0" eaLnBrk="1" fontAlgn="auto" latinLnBrk="0" hangingPunct="1">
+                <a:lnSpc>
+                  <a:spcPct val="100000"/>
+                </a:lnSpc>
+                <a:spcBef>
+                  <a:spcPts val="0"/>
+                </a:spcBef>
+                <a:spcAft>
+                  <a:spcPts val="0"/>
+                </a:spcAft>
+                <a:buClrTx/>
+                <a:buSzTx/>
+                <a:buFontTx/>
+                <a:buNone/>
+                <a:tabLst/>
+                <a:defRPr/>
+              </a:pPr>
               <a:t>8</a:t>
             </a:fld>
             <a:endParaRPr kumimoji="0" lang="en-US" sz="1200" b="0" i="0" u="none" strike="noStrike" kern="1200" cap="none" spc="0" normalizeH="0" baseline="0" noProof="0">
@@ -1708,7 +1859,7 @@
     </p:spTree>
     <p:extLst>
       <p:ext uri="{BB962C8B-B14F-4D97-AF65-F5344CB8AC3E}">
-        <p14:creationId xmlns:p14="http://schemas.microsoft.com/office/powerpoint/2010/main" val="2742785175"/>
+        <p14:creationId xmlns:p14="http://schemas.microsoft.com/office/powerpoint/2010/main" val="3987237274"/>
       </p:ext>
     </p:extLst>
   </p:cSld>
@@ -1718,7 +1869,7 @@
 </p:notes>
 </file>
 
-<file path=ppt/notesSlides/notesSlide6.xml><?xml version="1.0" encoding="utf-8"?>
+<file path=ppt/notesSlides/notesSlide7.xml><?xml version="1.0" encoding="utf-8"?>
 <p:notes xmlns:a="http://schemas.openxmlformats.org/drawingml/2006/main" xmlns:r="http://schemas.openxmlformats.org/officeDocument/2006/relationships" xmlns:p="http://schemas.openxmlformats.org/presentationml/2006/main">
   <p:cSld>
     <p:spTree>
@@ -1860,7 +2011,7 @@
     </p:spTree>
     <p:extLst>
       <p:ext uri="{BB962C8B-B14F-4D97-AF65-F5344CB8AC3E}">
-        <p14:creationId xmlns:p14="http://schemas.microsoft.com/office/powerpoint/2010/main" val="3987237274"/>
+        <p14:creationId xmlns:p14="http://schemas.microsoft.com/office/powerpoint/2010/main" val="3135492712"/>
       </p:ext>
     </p:extLst>
   </p:cSld>
@@ -1870,7 +2021,7 @@
 </p:notes>
 </file>
 
-<file path=ppt/notesSlides/notesSlide7.xml><?xml version="1.0" encoding="utf-8"?>
+<file path=ppt/notesSlides/notesSlide8.xml><?xml version="1.0" encoding="utf-8"?>
 <p:notes xmlns:a="http://schemas.openxmlformats.org/drawingml/2006/main" xmlns:r="http://schemas.openxmlformats.org/officeDocument/2006/relationships" xmlns:p="http://schemas.openxmlformats.org/presentationml/2006/main">
   <p:cSld>
     <p:spTree>
@@ -2012,7 +2163,7 @@
     </p:spTree>
     <p:extLst>
       <p:ext uri="{BB962C8B-B14F-4D97-AF65-F5344CB8AC3E}">
-        <p14:creationId xmlns:p14="http://schemas.microsoft.com/office/powerpoint/2010/main" val="3135492712"/>
+        <p14:creationId xmlns:p14="http://schemas.microsoft.com/office/powerpoint/2010/main" val="2122186141"/>
       </p:ext>
     </p:extLst>
   </p:cSld>
@@ -2022,7 +2173,7 @@
 </p:notes>
 </file>
 
-<file path=ppt/notesSlides/notesSlide8.xml><?xml version="1.0" encoding="utf-8"?>
+<file path=ppt/notesSlides/notesSlide9.xml><?xml version="1.0" encoding="utf-8"?>
 <p:notes xmlns:a="http://schemas.openxmlformats.org/drawingml/2006/main" xmlns:r="http://schemas.openxmlformats.org/officeDocument/2006/relationships" xmlns:p="http://schemas.openxmlformats.org/presentationml/2006/main">
   <p:cSld>
     <p:spTree>
@@ -2143,158 +2294,6 @@
                 <a:defRPr/>
               </a:pPr>
               <a:t>11</a:t>
-            </a:fld>
-            <a:endParaRPr kumimoji="0" lang="en-US" sz="1200" b="0" i="0" u="none" strike="noStrike" kern="1200" cap="none" spc="0" normalizeH="0" baseline="0" noProof="0">
-              <a:ln>
-                <a:noFill/>
-              </a:ln>
-              <a:solidFill>
-                <a:prstClr val="black"/>
-              </a:solidFill>
-              <a:effectLst/>
-              <a:uLnTx/>
-              <a:uFillTx/>
-              <a:latin typeface="Calibri" panose="020F0502020204030204"/>
-              <a:ea typeface="+mn-ea"/>
-              <a:cs typeface="+mn-cs"/>
-            </a:endParaRPr>
-          </a:p>
-        </p:txBody>
-      </p:sp>
-    </p:spTree>
-    <p:extLst>
-      <p:ext uri="{BB962C8B-B14F-4D97-AF65-F5344CB8AC3E}">
-        <p14:creationId xmlns:p14="http://schemas.microsoft.com/office/powerpoint/2010/main" val="2122186141"/>
-      </p:ext>
-    </p:extLst>
-  </p:cSld>
-  <p:clrMapOvr>
-    <a:masterClrMapping/>
-  </p:clrMapOvr>
-</p:notes>
-</file>
-
-<file path=ppt/notesSlides/notesSlide9.xml><?xml version="1.0" encoding="utf-8"?>
-<p:notes xmlns:a="http://schemas.openxmlformats.org/drawingml/2006/main" xmlns:r="http://schemas.openxmlformats.org/officeDocument/2006/relationships" xmlns:p="http://schemas.openxmlformats.org/presentationml/2006/main">
-  <p:cSld>
-    <p:spTree>
-      <p:nvGrpSpPr>
-        <p:cNvPr id="1" name=""/>
-        <p:cNvGrpSpPr/>
-        <p:nvPr/>
-      </p:nvGrpSpPr>
-      <p:grpSpPr>
-        <a:xfrm>
-          <a:off x="0" y="0"/>
-          <a:ext cx="0" cy="0"/>
-          <a:chOff x="0" y="0"/>
-          <a:chExt cx="0" cy="0"/>
-        </a:xfrm>
-      </p:grpSpPr>
-      <p:sp>
-        <p:nvSpPr>
-          <p:cNvPr id="2" name="Slide Image Placeholder 1"/>
-          <p:cNvSpPr>
-            <a:spLocks noGrp="1" noRot="1" noChangeAspect="1"/>
-          </p:cNvSpPr>
-          <p:nvPr>
-            <p:ph type="sldImg"/>
-          </p:nvPr>
-        </p:nvSpPr>
-        <p:spPr/>
-      </p:sp>
-      <p:sp>
-        <p:nvSpPr>
-          <p:cNvPr id="3" name="Notes Placeholder 2"/>
-          <p:cNvSpPr>
-            <a:spLocks noGrp="1"/>
-          </p:cNvSpPr>
-          <p:nvPr>
-            <p:ph type="body" idx="1"/>
-          </p:nvPr>
-        </p:nvSpPr>
-        <p:spPr/>
-        <p:txBody>
-          <a:bodyPr/>
-          <a:lstStyle/>
-          <a:p>
-            <a:r>
-              <a:rPr lang="en-US" sz="1200">
-                <a:solidFill>
-                  <a:prstClr val="black"/>
-                </a:solidFill>
-              </a:rPr>
-              <a:t>© Copyright Showeet.com – Free PowerPoint Templates</a:t>
-            </a:r>
-            <a:endParaRPr lang="en-US"/>
-          </a:p>
-        </p:txBody>
-      </p:sp>
-      <p:sp>
-        <p:nvSpPr>
-          <p:cNvPr id="4" name="Slide Number Placeholder 3"/>
-          <p:cNvSpPr>
-            <a:spLocks noGrp="1"/>
-          </p:cNvSpPr>
-          <p:nvPr>
-            <p:ph type="sldNum" sz="quarter" idx="10"/>
-          </p:nvPr>
-        </p:nvSpPr>
-        <p:spPr/>
-        <p:txBody>
-          <a:bodyPr/>
-          <a:lstStyle/>
-          <a:p>
-            <a:pPr marL="0" marR="0" lvl="0" indent="0" algn="r" defTabSz="914400" rtl="0" eaLnBrk="1" fontAlgn="auto" latinLnBrk="0" hangingPunct="1">
-              <a:lnSpc>
-                <a:spcPct val="100000"/>
-              </a:lnSpc>
-              <a:spcBef>
-                <a:spcPts val="0"/>
-              </a:spcBef>
-              <a:spcAft>
-                <a:spcPts val="0"/>
-              </a:spcAft>
-              <a:buClrTx/>
-              <a:buSzTx/>
-              <a:buFontTx/>
-              <a:buNone/>
-              <a:tabLst/>
-              <a:defRPr/>
-            </a:pPr>
-            <a:fld id="{46B9B405-4F4D-4594-A1A1-988AA5F62729}" type="slidenum">
-              <a:rPr kumimoji="0" lang="en-US" sz="1200" b="0" i="0" u="none" strike="noStrike" kern="1200" cap="none" spc="0" normalizeH="0" baseline="0" noProof="0" smtClean="0">
-                <a:ln>
-                  <a:noFill/>
-                </a:ln>
-                <a:solidFill>
-                  <a:prstClr val="black"/>
-                </a:solidFill>
-                <a:effectLst/>
-                <a:uLnTx/>
-                <a:uFillTx/>
-                <a:latin typeface="Calibri" panose="020F0502020204030204"/>
-                <a:ea typeface="+mn-ea"/>
-                <a:cs typeface="+mn-cs"/>
-              </a:rPr>
-              <a:pPr marL="0" marR="0" lvl="0" indent="0" algn="r" defTabSz="914400" rtl="0" eaLnBrk="1" fontAlgn="auto" latinLnBrk="0" hangingPunct="1">
-                <a:lnSpc>
-                  <a:spcPct val="100000"/>
-                </a:lnSpc>
-                <a:spcBef>
-                  <a:spcPts val="0"/>
-                </a:spcBef>
-                <a:spcAft>
-                  <a:spcPts val="0"/>
-                </a:spcAft>
-                <a:buClrTx/>
-                <a:buSzTx/>
-                <a:buFontTx/>
-                <a:buNone/>
-                <a:tabLst/>
-                <a:defRPr/>
-              </a:pPr>
-              <a:t>12</a:t>
             </a:fld>
             <a:endParaRPr kumimoji="0" lang="en-US" sz="1200" b="0" i="0" u="none" strike="noStrike" kern="1200" cap="none" spc="0" normalizeH="0" baseline="0" noProof="0">
               <a:ln>
@@ -12839,7 +12838,7 @@
           <a:p>
             <a:r>
               <a:rPr lang="en-US" dirty="0"/>
-              <a:t>Logistic Regression – Supervised – Random Over Sampler to balance the data</a:t>
+              <a:t>Decision Tree Classifier – Supervised – Random Over Sampler to balance data</a:t>
             </a:r>
           </a:p>
         </p:txBody>
@@ -12858,7 +12857,7 @@
         </p:nvSpPr>
         <p:spPr>
           <a:xfrm>
-            <a:off x="1233577" y="1353207"/>
+            <a:off x="1233577" y="1348633"/>
             <a:ext cx="3191258" cy="369332"/>
           </a:xfrm>
           <a:prstGeom prst="rect">
@@ -12893,7 +12892,7 @@
         </p:nvSpPr>
         <p:spPr>
           <a:xfrm>
-            <a:off x="1233577" y="2778846"/>
+            <a:off x="1233577" y="3013004"/>
             <a:ext cx="884345" cy="369332"/>
           </a:xfrm>
           <a:prstGeom prst="rect">
@@ -12916,10 +12915,10 @@
       </p:sp>
       <p:pic>
         <p:nvPicPr>
-          <p:cNvPr id="6" name="Picture 5">
+          <p:cNvPr id="5" name="Picture 4">
             <a:extLst>
               <a:ext uri="{FF2B5EF4-FFF2-40B4-BE49-F238E27FC236}">
-                <a16:creationId xmlns:a16="http://schemas.microsoft.com/office/drawing/2014/main" id="{1AE90603-18E9-B035-0AAE-0163FFDB2019}"/>
+                <a16:creationId xmlns:a16="http://schemas.microsoft.com/office/drawing/2014/main" id="{92108F4D-AE41-1DAE-8DEA-DF5720849942}"/>
               </a:ext>
             </a:extLst>
           </p:cNvPr>
@@ -12936,8 +12935,8 @@
         </p:blipFill>
         <p:spPr>
           <a:xfrm>
-            <a:off x="1317675" y="1965951"/>
-            <a:ext cx="2505425" cy="466790"/>
+            <a:off x="1317675" y="2082966"/>
+            <a:ext cx="2467319" cy="457264"/>
           </a:xfrm>
           <a:prstGeom prst="rect">
             <a:avLst/>
@@ -12946,10 +12945,10 @@
       </p:pic>
       <p:pic>
         <p:nvPicPr>
-          <p:cNvPr id="10" name="Picture 9">
+          <p:cNvPr id="8" name="Picture 7">
             <a:extLst>
               <a:ext uri="{FF2B5EF4-FFF2-40B4-BE49-F238E27FC236}">
-                <a16:creationId xmlns:a16="http://schemas.microsoft.com/office/drawing/2014/main" id="{D3D86A04-FC69-96AA-CA08-4A0DE0CC416D}"/>
+                <a16:creationId xmlns:a16="http://schemas.microsoft.com/office/drawing/2014/main" id="{E568FE1D-2AAB-BD6B-05A0-651CE0C68D7F}"/>
               </a:ext>
             </a:extLst>
           </p:cNvPr>
@@ -12966,8 +12965,8 @@
         </p:blipFill>
         <p:spPr>
           <a:xfrm>
-            <a:off x="1317675" y="3611249"/>
-            <a:ext cx="4086795" cy="1524213"/>
+            <a:off x="1317675" y="3835269"/>
+            <a:ext cx="4077269" cy="1590897"/>
           </a:xfrm>
           <a:prstGeom prst="rect">
             <a:avLst/>
@@ -12977,7 +12976,7 @@
     </p:spTree>
     <p:extLst>
       <p:ext uri="{BB962C8B-B14F-4D97-AF65-F5344CB8AC3E}">
-        <p14:creationId xmlns:p14="http://schemas.microsoft.com/office/powerpoint/2010/main" val="2001476496"/>
+        <p14:creationId xmlns:p14="http://schemas.microsoft.com/office/powerpoint/2010/main" val="3469983971"/>
       </p:ext>
     </p:extLst>
   </p:cSld>
@@ -13019,7 +13018,7 @@
         <p:spPr>
           <a:xfrm>
             <a:off x="1233577" y="707366"/>
-            <a:ext cx="10334446" cy="369332"/>
+            <a:ext cx="10334446" cy="646331"/>
           </a:xfrm>
           <a:prstGeom prst="rect">
             <a:avLst/>
@@ -13034,7 +13033,21 @@
           <a:p>
             <a:r>
               <a:rPr lang="en-US" dirty="0"/>
-              <a:t>Decision Tree Classifier – Supervised – Random Over Sampler to balance data</a:t>
+              <a:t>Decision Tree Classifier – Supervised – Random Over Sampler balance data with class weight</a:t>
+            </a:r>
+          </a:p>
+          <a:p>
+            <a:r>
+              <a:rPr lang="en-US" dirty="0"/>
+              <a:t>This is our </a:t>
+            </a:r>
+            <a:r>
+              <a:rPr lang="en-US" b="1" dirty="0"/>
+              <a:t>optimized</a:t>
+            </a:r>
+            <a:r>
+              <a:rPr lang="en-US" dirty="0"/>
+              <a:t> model</a:t>
             </a:r>
           </a:p>
         </p:txBody>
@@ -13111,10 +13124,10 @@
       </p:sp>
       <p:pic>
         <p:nvPicPr>
-          <p:cNvPr id="5" name="Picture 4">
+          <p:cNvPr id="3" name="Picture 2">
             <a:extLst>
               <a:ext uri="{FF2B5EF4-FFF2-40B4-BE49-F238E27FC236}">
-                <a16:creationId xmlns:a16="http://schemas.microsoft.com/office/drawing/2014/main" id="{92108F4D-AE41-1DAE-8DEA-DF5720849942}"/>
+                <a16:creationId xmlns:a16="http://schemas.microsoft.com/office/drawing/2014/main" id="{4BD4DD7B-E0F6-A685-CC1C-F26F694F34FA}"/>
               </a:ext>
             </a:extLst>
           </p:cNvPr>
@@ -13131,8 +13144,8 @@
         </p:blipFill>
         <p:spPr>
           <a:xfrm>
-            <a:off x="1317675" y="2082966"/>
-            <a:ext cx="2467319" cy="457264"/>
+            <a:off x="1317675" y="2131386"/>
+            <a:ext cx="2429214" cy="428685"/>
           </a:xfrm>
           <a:prstGeom prst="rect">
             <a:avLst/>
@@ -13141,10 +13154,10 @@
       </p:pic>
       <p:pic>
         <p:nvPicPr>
-          <p:cNvPr id="8" name="Picture 7">
+          <p:cNvPr id="7" name="Picture 6">
             <a:extLst>
               <a:ext uri="{FF2B5EF4-FFF2-40B4-BE49-F238E27FC236}">
-                <a16:creationId xmlns:a16="http://schemas.microsoft.com/office/drawing/2014/main" id="{E568FE1D-2AAB-BD6B-05A0-651CE0C68D7F}"/>
+                <a16:creationId xmlns:a16="http://schemas.microsoft.com/office/drawing/2014/main" id="{8FFC319B-FB01-56DC-7BA5-FE79A93E3AA2}"/>
               </a:ext>
             </a:extLst>
           </p:cNvPr>
@@ -13161,8 +13174,8 @@
         </p:blipFill>
         <p:spPr>
           <a:xfrm>
-            <a:off x="1317675" y="3835269"/>
-            <a:ext cx="4077269" cy="1590897"/>
+            <a:off x="1317675" y="3908944"/>
+            <a:ext cx="4143953" cy="1600423"/>
           </a:xfrm>
           <a:prstGeom prst="rect">
             <a:avLst/>
@@ -13172,7 +13185,7 @@
     </p:spTree>
     <p:extLst>
       <p:ext uri="{BB962C8B-B14F-4D97-AF65-F5344CB8AC3E}">
-        <p14:creationId xmlns:p14="http://schemas.microsoft.com/office/powerpoint/2010/main" val="3469983971"/>
+        <p14:creationId xmlns:p14="http://schemas.microsoft.com/office/powerpoint/2010/main" val="2642187075"/>
       </p:ext>
     </p:extLst>
   </p:cSld>
@@ -13214,7 +13227,7 @@
         <p:spPr>
           <a:xfrm>
             <a:off x="1233577" y="707366"/>
-            <a:ext cx="10334446" cy="646331"/>
+            <a:ext cx="10334446" cy="369332"/>
           </a:xfrm>
           <a:prstGeom prst="rect">
             <a:avLst/>
@@ -13229,21 +13242,7 @@
           <a:p>
             <a:r>
               <a:rPr lang="en-US" dirty="0"/>
-              <a:t>Decision Tree Classifier – Supervised – Random Over Sampler balance data with class weight</a:t>
-            </a:r>
-          </a:p>
-          <a:p>
-            <a:r>
-              <a:rPr lang="en-US" dirty="0"/>
-              <a:t>This is our </a:t>
-            </a:r>
-            <a:r>
-              <a:rPr lang="en-US" b="1" dirty="0"/>
-              <a:t>optimized</a:t>
-            </a:r>
-            <a:r>
-              <a:rPr lang="en-US" dirty="0"/>
-              <a:t> model</a:t>
+              <a:t>Decision Tree Classifier – Supervised – Under sampling with class weight</a:t>
             </a:r>
           </a:p>
         </p:txBody>
@@ -13320,10 +13319,10 @@
       </p:sp>
       <p:pic>
         <p:nvPicPr>
-          <p:cNvPr id="3" name="Picture 2">
+          <p:cNvPr id="8" name="Picture 7">
             <a:extLst>
               <a:ext uri="{FF2B5EF4-FFF2-40B4-BE49-F238E27FC236}">
-                <a16:creationId xmlns:a16="http://schemas.microsoft.com/office/drawing/2014/main" id="{4BD4DD7B-E0F6-A685-CC1C-F26F694F34FA}"/>
+                <a16:creationId xmlns:a16="http://schemas.microsoft.com/office/drawing/2014/main" id="{F3409E40-1902-CC23-B3ED-86B9C2BA2B01}"/>
               </a:ext>
             </a:extLst>
           </p:cNvPr>
@@ -13340,8 +13339,8 @@
         </p:blipFill>
         <p:spPr>
           <a:xfrm>
-            <a:off x="1317675" y="2131386"/>
-            <a:ext cx="2429214" cy="428685"/>
+            <a:off x="1317675" y="3886689"/>
+            <a:ext cx="4086795" cy="1581371"/>
           </a:xfrm>
           <a:prstGeom prst="rect">
             <a:avLst/>
@@ -13350,10 +13349,10 @@
       </p:pic>
       <p:pic>
         <p:nvPicPr>
-          <p:cNvPr id="7" name="Picture 6">
+          <p:cNvPr id="10" name="Picture 9">
             <a:extLst>
               <a:ext uri="{FF2B5EF4-FFF2-40B4-BE49-F238E27FC236}">
-                <a16:creationId xmlns:a16="http://schemas.microsoft.com/office/drawing/2014/main" id="{8FFC319B-FB01-56DC-7BA5-FE79A93E3AA2}"/>
+                <a16:creationId xmlns:a16="http://schemas.microsoft.com/office/drawing/2014/main" id="{F9AAA0F3-7DB6-02B2-3561-F956D15F1E04}"/>
               </a:ext>
             </a:extLst>
           </p:cNvPr>
@@ -13370,8 +13369,8 @@
         </p:blipFill>
         <p:spPr>
           <a:xfrm>
-            <a:off x="1317675" y="3908944"/>
-            <a:ext cx="4143953" cy="1600423"/>
+            <a:off x="1317675" y="2119289"/>
+            <a:ext cx="2181529" cy="504895"/>
           </a:xfrm>
           <a:prstGeom prst="rect">
             <a:avLst/>
@@ -13381,7 +13380,7 @@
     </p:spTree>
     <p:extLst>
       <p:ext uri="{BB962C8B-B14F-4D97-AF65-F5344CB8AC3E}">
-        <p14:creationId xmlns:p14="http://schemas.microsoft.com/office/powerpoint/2010/main" val="2642187075"/>
+        <p14:creationId xmlns:p14="http://schemas.microsoft.com/office/powerpoint/2010/main" val="3204657138"/>
       </p:ext>
     </p:extLst>
   </p:cSld>
@@ -13438,7 +13437,7 @@
           <a:p>
             <a:r>
               <a:rPr lang="en-US" dirty="0"/>
-              <a:t>Decision Tree Classifier – Supervised – Under sampling with class weight</a:t>
+              <a:t>Decision Tree Classifier – Supervised – Over sampling with class weight</a:t>
             </a:r>
           </a:p>
         </p:txBody>
@@ -13515,10 +13514,10 @@
       </p:sp>
       <p:pic>
         <p:nvPicPr>
-          <p:cNvPr id="8" name="Picture 7">
+          <p:cNvPr id="7" name="Picture 6">
             <a:extLst>
               <a:ext uri="{FF2B5EF4-FFF2-40B4-BE49-F238E27FC236}">
-                <a16:creationId xmlns:a16="http://schemas.microsoft.com/office/drawing/2014/main" id="{F3409E40-1902-CC23-B3ED-86B9C2BA2B01}"/>
+                <a16:creationId xmlns:a16="http://schemas.microsoft.com/office/drawing/2014/main" id="{68E0D720-10AF-1688-13B5-B6A4EDEFEE73}"/>
               </a:ext>
             </a:extLst>
           </p:cNvPr>
@@ -13535,8 +13534,8 @@
         </p:blipFill>
         <p:spPr>
           <a:xfrm>
-            <a:off x="1317675" y="3886689"/>
-            <a:ext cx="4086795" cy="1581371"/>
+            <a:off x="1317675" y="3701428"/>
+            <a:ext cx="4115374" cy="1629002"/>
           </a:xfrm>
           <a:prstGeom prst="rect">
             <a:avLst/>
@@ -13548,7 +13547,7 @@
           <p:cNvPr id="10" name="Picture 9">
             <a:extLst>
               <a:ext uri="{FF2B5EF4-FFF2-40B4-BE49-F238E27FC236}">
-                <a16:creationId xmlns:a16="http://schemas.microsoft.com/office/drawing/2014/main" id="{F9AAA0F3-7DB6-02B2-3561-F956D15F1E04}"/>
+                <a16:creationId xmlns:a16="http://schemas.microsoft.com/office/drawing/2014/main" id="{B3B716B1-381D-86B3-B3D5-D5CD819C1928}"/>
               </a:ext>
             </a:extLst>
           </p:cNvPr>
@@ -13565,8 +13564,8 @@
         </p:blipFill>
         <p:spPr>
           <a:xfrm>
-            <a:off x="1317675" y="2119289"/>
-            <a:ext cx="2181529" cy="504895"/>
+            <a:off x="1317675" y="2155905"/>
+            <a:ext cx="2438740" cy="419158"/>
           </a:xfrm>
           <a:prstGeom prst="rect">
             <a:avLst/>
@@ -13576,7 +13575,7 @@
     </p:spTree>
     <p:extLst>
       <p:ext uri="{BB962C8B-B14F-4D97-AF65-F5344CB8AC3E}">
-        <p14:creationId xmlns:p14="http://schemas.microsoft.com/office/powerpoint/2010/main" val="3204657138"/>
+        <p14:creationId xmlns:p14="http://schemas.microsoft.com/office/powerpoint/2010/main" val="1209320706"/>
       </p:ext>
     </p:extLst>
   </p:cSld>
@@ -13618,7 +13617,7 @@
         <p:spPr>
           <a:xfrm>
             <a:off x="1233577" y="707366"/>
-            <a:ext cx="10334446" cy="369332"/>
+            <a:ext cx="10334446" cy="646331"/>
           </a:xfrm>
           <a:prstGeom prst="rect">
             <a:avLst/>
@@ -13633,7 +13632,7 @@
           <a:p>
             <a:r>
               <a:rPr lang="en-US" dirty="0"/>
-              <a:t>Decision Tree Classifier – Supervised – Over sampling with class weight</a:t>
+              <a:t>Decision Tree Classifier – Supervised – Synthetic Minority Over-Sampling Technique (SMOTE) with class weight</a:t>
             </a:r>
           </a:p>
         </p:txBody>
@@ -13710,10 +13709,10 @@
       </p:sp>
       <p:pic>
         <p:nvPicPr>
-          <p:cNvPr id="7" name="Picture 6">
+          <p:cNvPr id="5" name="Picture 4">
             <a:extLst>
               <a:ext uri="{FF2B5EF4-FFF2-40B4-BE49-F238E27FC236}">
-                <a16:creationId xmlns:a16="http://schemas.microsoft.com/office/drawing/2014/main" id="{68E0D720-10AF-1688-13B5-B6A4EDEFEE73}"/>
+                <a16:creationId xmlns:a16="http://schemas.microsoft.com/office/drawing/2014/main" id="{454BDFD2-A21B-967A-74E3-1BC8A341BF55}"/>
               </a:ext>
             </a:extLst>
           </p:cNvPr>
@@ -13730,8 +13729,8 @@
         </p:blipFill>
         <p:spPr>
           <a:xfrm>
-            <a:off x="1317675" y="3701428"/>
-            <a:ext cx="4115374" cy="1629002"/>
+            <a:off x="1317675" y="3715716"/>
+            <a:ext cx="4105848" cy="1600423"/>
           </a:xfrm>
           <a:prstGeom prst="rect">
             <a:avLst/>
@@ -13740,10 +13739,10 @@
       </p:pic>
       <p:pic>
         <p:nvPicPr>
-          <p:cNvPr id="10" name="Picture 9">
+          <p:cNvPr id="8" name="Picture 7">
             <a:extLst>
               <a:ext uri="{FF2B5EF4-FFF2-40B4-BE49-F238E27FC236}">
-                <a16:creationId xmlns:a16="http://schemas.microsoft.com/office/drawing/2014/main" id="{B3B716B1-381D-86B3-B3D5-D5CD819C1928}"/>
+                <a16:creationId xmlns:a16="http://schemas.microsoft.com/office/drawing/2014/main" id="{E8E12351-9BE2-CC3B-DADE-D6DF00249B75}"/>
               </a:ext>
             </a:extLst>
           </p:cNvPr>
@@ -13760,8 +13759,8 @@
         </p:blipFill>
         <p:spPr>
           <a:xfrm>
-            <a:off x="1317675" y="2155905"/>
-            <a:ext cx="2438740" cy="419158"/>
+            <a:off x="1317675" y="2051345"/>
+            <a:ext cx="2467319" cy="543001"/>
           </a:xfrm>
           <a:prstGeom prst="rect">
             <a:avLst/>
@@ -13771,7 +13770,7 @@
     </p:spTree>
     <p:extLst>
       <p:ext uri="{BB962C8B-B14F-4D97-AF65-F5344CB8AC3E}">
-        <p14:creationId xmlns:p14="http://schemas.microsoft.com/office/powerpoint/2010/main" val="1209320706"/>
+        <p14:creationId xmlns:p14="http://schemas.microsoft.com/office/powerpoint/2010/main" val="248949194"/>
       </p:ext>
     </p:extLst>
   </p:cSld>
@@ -13800,201 +13799,6 @@
       </p:grpSpPr>
       <p:sp>
         <p:nvSpPr>
-          <p:cNvPr id="4" name="TextBox 3">
-            <a:extLst>
-              <a:ext uri="{FF2B5EF4-FFF2-40B4-BE49-F238E27FC236}">
-                <a16:creationId xmlns:a16="http://schemas.microsoft.com/office/drawing/2014/main" id="{4991F778-C5C8-B229-5B47-A6E62DE23129}"/>
-              </a:ext>
-            </a:extLst>
-          </p:cNvPr>
-          <p:cNvSpPr txBox="1"/>
-          <p:nvPr/>
-        </p:nvSpPr>
-        <p:spPr>
-          <a:xfrm>
-            <a:off x="1233577" y="707366"/>
-            <a:ext cx="10334446" cy="646331"/>
-          </a:xfrm>
-          <a:prstGeom prst="rect">
-            <a:avLst/>
-          </a:prstGeom>
-          <a:noFill/>
-        </p:spPr>
-        <p:txBody>
-          <a:bodyPr wrap="square" rtlCol="0">
-            <a:spAutoFit/>
-          </a:bodyPr>
-          <a:lstStyle/>
-          <a:p>
-            <a:r>
-              <a:rPr lang="en-US" dirty="0"/>
-              <a:t>Decision Tree Classifier – Supervised – Synthetic Minority Over-Sampling Technique (SMOTE) with class weight</a:t>
-            </a:r>
-          </a:p>
-        </p:txBody>
-      </p:sp>
-      <p:sp>
-        <p:nvSpPr>
-          <p:cNvPr id="13" name="TextBox 12">
-            <a:extLst>
-              <a:ext uri="{FF2B5EF4-FFF2-40B4-BE49-F238E27FC236}">
-                <a16:creationId xmlns:a16="http://schemas.microsoft.com/office/drawing/2014/main" id="{4B2292F8-8B97-CA1C-1C50-5B1E8CA3624E}"/>
-              </a:ext>
-            </a:extLst>
-          </p:cNvPr>
-          <p:cNvSpPr txBox="1"/>
-          <p:nvPr/>
-        </p:nvSpPr>
-        <p:spPr>
-          <a:xfrm>
-            <a:off x="1233577" y="1348633"/>
-            <a:ext cx="3191258" cy="369332"/>
-          </a:xfrm>
-          <a:prstGeom prst="rect">
-            <a:avLst/>
-          </a:prstGeom>
-          <a:noFill/>
-        </p:spPr>
-        <p:txBody>
-          <a:bodyPr wrap="none" rtlCol="0">
-            <a:spAutoFit/>
-          </a:bodyPr>
-          <a:lstStyle/>
-          <a:p>
-            <a:r>
-              <a:rPr lang="en-US" dirty="0"/>
-              <a:t>Confusion matrix with test data:</a:t>
-            </a:r>
-          </a:p>
-        </p:txBody>
-      </p:sp>
-      <p:sp>
-        <p:nvSpPr>
-          <p:cNvPr id="14" name="TextBox 13">
-            <a:extLst>
-              <a:ext uri="{FF2B5EF4-FFF2-40B4-BE49-F238E27FC236}">
-                <a16:creationId xmlns:a16="http://schemas.microsoft.com/office/drawing/2014/main" id="{ED064148-AE4F-7C27-E13A-B8BE91DD6451}"/>
-              </a:ext>
-            </a:extLst>
-          </p:cNvPr>
-          <p:cNvSpPr txBox="1"/>
-          <p:nvPr/>
-        </p:nvSpPr>
-        <p:spPr>
-          <a:xfrm>
-            <a:off x="1233577" y="3013004"/>
-            <a:ext cx="884345" cy="369332"/>
-          </a:xfrm>
-          <a:prstGeom prst="rect">
-            <a:avLst/>
-          </a:prstGeom>
-          <a:noFill/>
-        </p:spPr>
-        <p:txBody>
-          <a:bodyPr wrap="none" rtlCol="0">
-            <a:spAutoFit/>
-          </a:bodyPr>
-          <a:lstStyle/>
-          <a:p>
-            <a:r>
-              <a:rPr lang="en-US" dirty="0"/>
-              <a:t>Report:</a:t>
-            </a:r>
-          </a:p>
-        </p:txBody>
-      </p:sp>
-      <p:pic>
-        <p:nvPicPr>
-          <p:cNvPr id="5" name="Picture 4">
-            <a:extLst>
-              <a:ext uri="{FF2B5EF4-FFF2-40B4-BE49-F238E27FC236}">
-                <a16:creationId xmlns:a16="http://schemas.microsoft.com/office/drawing/2014/main" id="{454BDFD2-A21B-967A-74E3-1BC8A341BF55}"/>
-              </a:ext>
-            </a:extLst>
-          </p:cNvPr>
-          <p:cNvPicPr>
-            <a:picLocks noChangeAspect="1"/>
-          </p:cNvPicPr>
-          <p:nvPr/>
-        </p:nvPicPr>
-        <p:blipFill>
-          <a:blip r:embed="rId3"/>
-          <a:stretch>
-            <a:fillRect/>
-          </a:stretch>
-        </p:blipFill>
-        <p:spPr>
-          <a:xfrm>
-            <a:off x="1317675" y="3715716"/>
-            <a:ext cx="4105848" cy="1600423"/>
-          </a:xfrm>
-          <a:prstGeom prst="rect">
-            <a:avLst/>
-          </a:prstGeom>
-        </p:spPr>
-      </p:pic>
-      <p:pic>
-        <p:nvPicPr>
-          <p:cNvPr id="8" name="Picture 7">
-            <a:extLst>
-              <a:ext uri="{FF2B5EF4-FFF2-40B4-BE49-F238E27FC236}">
-                <a16:creationId xmlns:a16="http://schemas.microsoft.com/office/drawing/2014/main" id="{E8E12351-9BE2-CC3B-DADE-D6DF00249B75}"/>
-              </a:ext>
-            </a:extLst>
-          </p:cNvPr>
-          <p:cNvPicPr>
-            <a:picLocks noChangeAspect="1"/>
-          </p:cNvPicPr>
-          <p:nvPr/>
-        </p:nvPicPr>
-        <p:blipFill>
-          <a:blip r:embed="rId4"/>
-          <a:stretch>
-            <a:fillRect/>
-          </a:stretch>
-        </p:blipFill>
-        <p:spPr>
-          <a:xfrm>
-            <a:off x="1317675" y="2051345"/>
-            <a:ext cx="2467319" cy="543001"/>
-          </a:xfrm>
-          <a:prstGeom prst="rect">
-            <a:avLst/>
-          </a:prstGeom>
-        </p:spPr>
-      </p:pic>
-    </p:spTree>
-    <p:extLst>
-      <p:ext uri="{BB962C8B-B14F-4D97-AF65-F5344CB8AC3E}">
-        <p14:creationId xmlns:p14="http://schemas.microsoft.com/office/powerpoint/2010/main" val="248949194"/>
-      </p:ext>
-    </p:extLst>
-  </p:cSld>
-  <p:clrMapOvr>
-    <a:masterClrMapping/>
-  </p:clrMapOvr>
-</p:sld>
-</file>
-
-<file path=ppt/slides/slide16.xml><?xml version="1.0" encoding="utf-8"?>
-<p:sld xmlns:a="http://schemas.openxmlformats.org/drawingml/2006/main" xmlns:r="http://schemas.openxmlformats.org/officeDocument/2006/relationships" xmlns:p="http://schemas.openxmlformats.org/presentationml/2006/main">
-  <p:cSld>
-    <p:spTree>
-      <p:nvGrpSpPr>
-        <p:cNvPr id="1" name=""/>
-        <p:cNvGrpSpPr/>
-        <p:nvPr/>
-      </p:nvGrpSpPr>
-      <p:grpSpPr>
-        <a:xfrm>
-          <a:off x="0" y="0"/>
-          <a:ext cx="0" cy="0"/>
-          <a:chOff x="0" y="0"/>
-          <a:chExt cx="0" cy="0"/>
-        </a:xfrm>
-      </p:grpSpPr>
-      <p:sp>
-        <p:nvSpPr>
           <p:cNvPr id="2" name="Title 1">
             <a:extLst>
               <a:ext uri="{FF2B5EF4-FFF2-40B4-BE49-F238E27FC236}">
@@ -14154,7 +13958,7 @@
 </p:sld>
 </file>
 
-<file path=ppt/slides/slide17.xml><?xml version="1.0" encoding="utf-8"?>
+<file path=ppt/slides/slide16.xml><?xml version="1.0" encoding="utf-8"?>
 <p:sld xmlns:a="http://schemas.openxmlformats.org/drawingml/2006/main" xmlns:r="http://schemas.openxmlformats.org/officeDocument/2006/relationships" xmlns:p="http://schemas.openxmlformats.org/presentationml/2006/main">
   <p:cSld>
     <p:spTree>
@@ -15006,7 +14810,7 @@
           <p:cNvPr id="5" name="Content Placeholder 4">
             <a:extLst>
               <a:ext uri="{FF2B5EF4-FFF2-40B4-BE49-F238E27FC236}">
-                <a16:creationId xmlns:a16="http://schemas.microsoft.com/office/drawing/2014/main" id="{2A1553F5-7578-DF8D-E722-D8AF073012D9}"/>
+                <a16:creationId xmlns:a16="http://schemas.microsoft.com/office/drawing/2014/main" id="{0C4FC9A9-5264-D1A1-66D4-27FA94B9D911}"/>
               </a:ext>
             </a:extLst>
           </p:cNvPr>
@@ -15026,14 +14830,14 @@
         <p:spPr>
           <a:xfrm>
             <a:off x="838200" y="365129"/>
-            <a:ext cx="10515600" cy="5740732"/>
+            <a:ext cx="10515600" cy="5516724"/>
           </a:xfrm>
         </p:spPr>
       </p:pic>
     </p:spTree>
     <p:extLst>
       <p:ext uri="{BB962C8B-B14F-4D97-AF65-F5344CB8AC3E}">
-        <p14:creationId xmlns:p14="http://schemas.microsoft.com/office/powerpoint/2010/main" val="2544239131"/>
+        <p14:creationId xmlns:p14="http://schemas.microsoft.com/office/powerpoint/2010/main" val="96397319"/>
       </p:ext>
     </p:extLst>
   </p:cSld>
@@ -15062,62 +14866,103 @@
       </p:grpSpPr>
       <p:sp>
         <p:nvSpPr>
-          <p:cNvPr id="2" name="Title 1">
+          <p:cNvPr id="6" name="Title 5"/>
+          <p:cNvSpPr>
+            <a:spLocks noGrp="1"/>
+          </p:cNvSpPr>
+          <p:nvPr>
+            <p:ph type="title"/>
+          </p:nvPr>
+        </p:nvSpPr>
+        <p:spPr>
+          <a:xfrm>
+            <a:off x="5607170" y="1709742"/>
+            <a:ext cx="6271404" cy="809172"/>
+          </a:xfrm>
+        </p:spPr>
+        <p:txBody>
+          <a:bodyPr>
+            <a:normAutofit fontScale="90000"/>
+          </a:bodyPr>
+          <a:lstStyle/>
+          <a:p>
+            <a:pPr algn="l"/>
+            <a:r>
+              <a:rPr lang="en-US" dirty="0"/>
+              <a:t>Machine Learning Models Overview</a:t>
+            </a:r>
+          </a:p>
+        </p:txBody>
+      </p:sp>
+      <p:pic>
+        <p:nvPicPr>
+          <p:cNvPr id="8" name="Picture 7"/>
+          <p:cNvPicPr>
+            <a:picLocks noChangeAspect="1"/>
+          </p:cNvPicPr>
+          <p:nvPr/>
+        </p:nvPicPr>
+        <p:blipFill>
+          <a:blip r:embed="rId3">
             <a:extLst>
-              <a:ext uri="{FF2B5EF4-FFF2-40B4-BE49-F238E27FC236}">
-                <a16:creationId xmlns:a16="http://schemas.microsoft.com/office/drawing/2014/main" id="{CC63653E-CCFF-B5B8-21FF-1A0CC2A1CCFD}"/>
+              <a:ext uri="{28A0092B-C50C-407E-A947-70E740481C1C}">
+                <a14:useLocalDpi xmlns:a14="http://schemas.microsoft.com/office/drawing/2010/main" val="0"/>
               </a:ext>
             </a:extLst>
-          </p:cNvPr>
-          <p:cNvSpPr>
-            <a:spLocks noGrp="1"/>
-          </p:cNvSpPr>
-          <p:nvPr>
-            <p:ph type="title"/>
-          </p:nvPr>
-        </p:nvSpPr>
-        <p:spPr/>
-        <p:txBody>
-          <a:bodyPr/>
-          <a:lstStyle/>
-          <a:p>
-            <a:endParaRPr lang="en-US"/>
-          </a:p>
-        </p:txBody>
-      </p:sp>
-      <p:pic>
-        <p:nvPicPr>
-          <p:cNvPr id="5" name="Content Placeholder 4">
-            <a:extLst>
-              <a:ext uri="{FF2B5EF4-FFF2-40B4-BE49-F238E27FC236}">
-                <a16:creationId xmlns:a16="http://schemas.microsoft.com/office/drawing/2014/main" id="{0C4FC9A9-5264-D1A1-66D4-27FA94B9D911}"/>
-              </a:ext>
-            </a:extLst>
-          </p:cNvPr>
-          <p:cNvPicPr>
-            <a:picLocks noGrp="1" noChangeAspect="1"/>
-          </p:cNvPicPr>
-          <p:nvPr>
-            <p:ph idx="1"/>
-          </p:nvPr>
-        </p:nvPicPr>
-        <p:blipFill>
-          <a:blip r:embed="rId2"/>
+          </a:blip>
           <a:stretch>
             <a:fillRect/>
           </a:stretch>
         </p:blipFill>
         <p:spPr>
           <a:xfrm>
-            <a:off x="838200" y="365129"/>
-            <a:ext cx="10515600" cy="5516724"/>
-          </a:xfrm>
+            <a:off x="1742674" y="3338422"/>
+            <a:ext cx="3192062" cy="3519578"/>
+          </a:xfrm>
+          <a:prstGeom prst="rect">
+            <a:avLst/>
+          </a:prstGeom>
         </p:spPr>
       </p:pic>
+      <p:sp>
+        <p:nvSpPr>
+          <p:cNvPr id="2" name="TextBox 1">
+            <a:extLst>
+              <a:ext uri="{FF2B5EF4-FFF2-40B4-BE49-F238E27FC236}">
+                <a16:creationId xmlns:a16="http://schemas.microsoft.com/office/drawing/2014/main" id="{6BF1AAEA-4564-FCA6-C2F1-06BAFFCD3692}"/>
+              </a:ext>
+            </a:extLst>
+          </p:cNvPr>
+          <p:cNvSpPr txBox="1"/>
+          <p:nvPr/>
+        </p:nvSpPr>
+        <p:spPr>
+          <a:xfrm>
+            <a:off x="0" y="6550223"/>
+            <a:ext cx="2657012" cy="307777"/>
+          </a:xfrm>
+          <a:prstGeom prst="rect">
+            <a:avLst/>
+          </a:prstGeom>
+          <a:noFill/>
+        </p:spPr>
+        <p:txBody>
+          <a:bodyPr wrap="square">
+            <a:spAutoFit/>
+          </a:bodyPr>
+          <a:lstStyle/>
+          <a:p>
+            <a:r>
+              <a:rPr lang="en-US" sz="1400" dirty="0"/>
+              <a:t>© Copyright Showeet.com</a:t>
+            </a:r>
+          </a:p>
+        </p:txBody>
+      </p:sp>
     </p:spTree>
     <p:extLst>
       <p:ext uri="{BB962C8B-B14F-4D97-AF65-F5344CB8AC3E}">
-        <p14:creationId xmlns:p14="http://schemas.microsoft.com/office/powerpoint/2010/main" val="96397319"/>
+        <p14:creationId xmlns:p14="http://schemas.microsoft.com/office/powerpoint/2010/main" val="3437076806"/>
       </p:ext>
     </p:extLst>
   </p:cSld>
@@ -15146,58 +14991,63 @@
       </p:grpSpPr>
       <p:sp>
         <p:nvSpPr>
-          <p:cNvPr id="6" name="Title 5"/>
-          <p:cNvSpPr>
-            <a:spLocks noGrp="1"/>
-          </p:cNvSpPr>
-          <p:nvPr>
-            <p:ph type="title"/>
-          </p:nvPr>
-        </p:nvSpPr>
-        <p:spPr>
-          <a:xfrm>
-            <a:off x="5607170" y="1709742"/>
-            <a:ext cx="6271404" cy="809172"/>
-          </a:xfrm>
-        </p:spPr>
-        <p:txBody>
-          <a:bodyPr>
-            <a:normAutofit fontScale="90000"/>
+          <p:cNvPr id="4" name="TextBox 3">
+            <a:extLst>
+              <a:ext uri="{FF2B5EF4-FFF2-40B4-BE49-F238E27FC236}">
+                <a16:creationId xmlns:a16="http://schemas.microsoft.com/office/drawing/2014/main" id="{4991F778-C5C8-B229-5B47-A6E62DE23129}"/>
+              </a:ext>
+            </a:extLst>
+          </p:cNvPr>
+          <p:cNvSpPr txBox="1"/>
+          <p:nvPr/>
+        </p:nvSpPr>
+        <p:spPr>
+          <a:xfrm>
+            <a:off x="1233577" y="707366"/>
+            <a:ext cx="10334446" cy="369332"/>
+          </a:xfrm>
+          <a:prstGeom prst="rect">
+            <a:avLst/>
+          </a:prstGeom>
+          <a:noFill/>
+        </p:spPr>
+        <p:txBody>
+          <a:bodyPr wrap="square" rtlCol="0">
+            <a:spAutoFit/>
           </a:bodyPr>
           <a:lstStyle/>
           <a:p>
-            <a:pPr algn="l"/>
             <a:r>
               <a:rPr lang="en-US" dirty="0"/>
-              <a:t>Machine Learning Models Overview</a:t>
+              <a:t>Logistic Regression – Supervised – Original imbalanced data</a:t>
             </a:r>
           </a:p>
         </p:txBody>
       </p:sp>
       <p:pic>
         <p:nvPicPr>
-          <p:cNvPr id="8" name="Picture 7"/>
+          <p:cNvPr id="9" name="Picture 8">
+            <a:extLst>
+              <a:ext uri="{FF2B5EF4-FFF2-40B4-BE49-F238E27FC236}">
+                <a16:creationId xmlns:a16="http://schemas.microsoft.com/office/drawing/2014/main" id="{44BDD42A-9EF0-59DC-E844-CD6B82FD99BE}"/>
+              </a:ext>
+            </a:extLst>
+          </p:cNvPr>
           <p:cNvPicPr>
             <a:picLocks noChangeAspect="1"/>
           </p:cNvPicPr>
           <p:nvPr/>
         </p:nvPicPr>
         <p:blipFill>
-          <a:blip r:embed="rId3">
-            <a:extLst>
-              <a:ext uri="{28A0092B-C50C-407E-A947-70E740481C1C}">
-                <a14:useLocalDpi xmlns:a14="http://schemas.microsoft.com/office/drawing/2010/main" val="0"/>
-              </a:ext>
-            </a:extLst>
-          </a:blip>
+          <a:blip r:embed="rId3"/>
           <a:stretch>
             <a:fillRect/>
           </a:stretch>
         </p:blipFill>
         <p:spPr>
           <a:xfrm>
-            <a:off x="1742674" y="3338422"/>
-            <a:ext cx="3192062" cy="3519578"/>
+            <a:off x="1317675" y="3734774"/>
+            <a:ext cx="4096322" cy="1581371"/>
           </a:xfrm>
           <a:prstGeom prst="rect">
             <a:avLst/>
@@ -15206,10 +15056,10 @@
       </p:pic>
       <p:sp>
         <p:nvSpPr>
-          <p:cNvPr id="2" name="TextBox 1">
+          <p:cNvPr id="13" name="TextBox 12">
             <a:extLst>
               <a:ext uri="{FF2B5EF4-FFF2-40B4-BE49-F238E27FC236}">
-                <a16:creationId xmlns:a16="http://schemas.microsoft.com/office/drawing/2014/main" id="{6BF1AAEA-4564-FCA6-C2F1-06BAFFCD3692}"/>
+                <a16:creationId xmlns:a16="http://schemas.microsoft.com/office/drawing/2014/main" id="{4B2292F8-8B97-CA1C-1C50-5B1E8CA3624E}"/>
               </a:ext>
             </a:extLst>
           </p:cNvPr>
@@ -15218,8 +15068,8 @@
         </p:nvSpPr>
         <p:spPr>
           <a:xfrm>
-            <a:off x="0" y="6550223"/>
-            <a:ext cx="2657012" cy="307777"/>
+            <a:off x="1233577" y="1418582"/>
+            <a:ext cx="3191258" cy="369332"/>
           </a:xfrm>
           <a:prstGeom prst="rect">
             <a:avLst/>
@@ -15227,22 +15077,87 @@
           <a:noFill/>
         </p:spPr>
         <p:txBody>
-          <a:bodyPr wrap="square">
+          <a:bodyPr wrap="none" rtlCol="0">
             <a:spAutoFit/>
           </a:bodyPr>
           <a:lstStyle/>
           <a:p>
             <a:r>
-              <a:rPr lang="en-US" sz="1400" dirty="0"/>
-              <a:t>© Copyright Showeet.com</a:t>
-            </a:r>
-          </a:p>
-        </p:txBody>
-      </p:sp>
+              <a:rPr lang="en-US" dirty="0"/>
+              <a:t>Confusion matrix with test data:</a:t>
+            </a:r>
+          </a:p>
+        </p:txBody>
+      </p:sp>
+      <p:sp>
+        <p:nvSpPr>
+          <p:cNvPr id="14" name="TextBox 13">
+            <a:extLst>
+              <a:ext uri="{FF2B5EF4-FFF2-40B4-BE49-F238E27FC236}">
+                <a16:creationId xmlns:a16="http://schemas.microsoft.com/office/drawing/2014/main" id="{ED064148-AE4F-7C27-E13A-B8BE91DD6451}"/>
+              </a:ext>
+            </a:extLst>
+          </p:cNvPr>
+          <p:cNvSpPr txBox="1"/>
+          <p:nvPr/>
+        </p:nvSpPr>
+        <p:spPr>
+          <a:xfrm>
+            <a:off x="1233577" y="3016810"/>
+            <a:ext cx="884345" cy="369332"/>
+          </a:xfrm>
+          <a:prstGeom prst="rect">
+            <a:avLst/>
+          </a:prstGeom>
+          <a:noFill/>
+        </p:spPr>
+        <p:txBody>
+          <a:bodyPr wrap="none" rtlCol="0">
+            <a:spAutoFit/>
+          </a:bodyPr>
+          <a:lstStyle/>
+          <a:p>
+            <a:r>
+              <a:rPr lang="en-US" dirty="0"/>
+              <a:t>Report:</a:t>
+            </a:r>
+          </a:p>
+        </p:txBody>
+      </p:sp>
+      <p:pic>
+        <p:nvPicPr>
+          <p:cNvPr id="18" name="Picture 17">
+            <a:extLst>
+              <a:ext uri="{FF2B5EF4-FFF2-40B4-BE49-F238E27FC236}">
+                <a16:creationId xmlns:a16="http://schemas.microsoft.com/office/drawing/2014/main" id="{9E0027C6-D8BD-2986-E86B-2BD3F6F855EF}"/>
+              </a:ext>
+            </a:extLst>
+          </p:cNvPr>
+          <p:cNvPicPr>
+            <a:picLocks noChangeAspect="1"/>
+          </p:cNvPicPr>
+          <p:nvPr/>
+        </p:nvPicPr>
+        <p:blipFill>
+          <a:blip r:embed="rId4"/>
+          <a:stretch>
+            <a:fillRect/>
+          </a:stretch>
+        </p:blipFill>
+        <p:spPr>
+          <a:xfrm>
+            <a:off x="1317675" y="2226125"/>
+            <a:ext cx="895475" cy="352474"/>
+          </a:xfrm>
+          <a:prstGeom prst="rect">
+            <a:avLst/>
+          </a:prstGeom>
+        </p:spPr>
+      </p:pic>
     </p:spTree>
     <p:extLst>
       <p:ext uri="{BB962C8B-B14F-4D97-AF65-F5344CB8AC3E}">
-        <p14:creationId xmlns:p14="http://schemas.microsoft.com/office/powerpoint/2010/main" val="3437076806"/>
+        <p14:creationId xmlns:p14="http://schemas.microsoft.com/office/powerpoint/2010/main" val="893258212"/>
       </p:ext>
     </p:extLst>
   </p:cSld>
@@ -15299,17 +15214,87 @@
           <a:p>
             <a:r>
               <a:rPr lang="en-US" dirty="0"/>
-              <a:t>Logistic Regression – Supervised – Original imbalanced data</a:t>
+              <a:t>Logistic Regression – Supervised – Random Over Sampler to balance the data</a:t>
+            </a:r>
+          </a:p>
+        </p:txBody>
+      </p:sp>
+      <p:sp>
+        <p:nvSpPr>
+          <p:cNvPr id="13" name="TextBox 12">
+            <a:extLst>
+              <a:ext uri="{FF2B5EF4-FFF2-40B4-BE49-F238E27FC236}">
+                <a16:creationId xmlns:a16="http://schemas.microsoft.com/office/drawing/2014/main" id="{4B2292F8-8B97-CA1C-1C50-5B1E8CA3624E}"/>
+              </a:ext>
+            </a:extLst>
+          </p:cNvPr>
+          <p:cNvSpPr txBox="1"/>
+          <p:nvPr/>
+        </p:nvSpPr>
+        <p:spPr>
+          <a:xfrm>
+            <a:off x="1233577" y="1353207"/>
+            <a:ext cx="3191258" cy="369332"/>
+          </a:xfrm>
+          <a:prstGeom prst="rect">
+            <a:avLst/>
+          </a:prstGeom>
+          <a:noFill/>
+        </p:spPr>
+        <p:txBody>
+          <a:bodyPr wrap="none" rtlCol="0">
+            <a:spAutoFit/>
+          </a:bodyPr>
+          <a:lstStyle/>
+          <a:p>
+            <a:r>
+              <a:rPr lang="en-US" dirty="0"/>
+              <a:t>Confusion matrix with test data:</a:t>
+            </a:r>
+          </a:p>
+        </p:txBody>
+      </p:sp>
+      <p:sp>
+        <p:nvSpPr>
+          <p:cNvPr id="14" name="TextBox 13">
+            <a:extLst>
+              <a:ext uri="{FF2B5EF4-FFF2-40B4-BE49-F238E27FC236}">
+                <a16:creationId xmlns:a16="http://schemas.microsoft.com/office/drawing/2014/main" id="{ED064148-AE4F-7C27-E13A-B8BE91DD6451}"/>
+              </a:ext>
+            </a:extLst>
+          </p:cNvPr>
+          <p:cNvSpPr txBox="1"/>
+          <p:nvPr/>
+        </p:nvSpPr>
+        <p:spPr>
+          <a:xfrm>
+            <a:off x="1233577" y="2778846"/>
+            <a:ext cx="884345" cy="369332"/>
+          </a:xfrm>
+          <a:prstGeom prst="rect">
+            <a:avLst/>
+          </a:prstGeom>
+          <a:noFill/>
+        </p:spPr>
+        <p:txBody>
+          <a:bodyPr wrap="none" rtlCol="0">
+            <a:spAutoFit/>
+          </a:bodyPr>
+          <a:lstStyle/>
+          <a:p>
+            <a:r>
+              <a:rPr lang="en-US" dirty="0"/>
+              <a:t>Report:</a:t>
             </a:r>
           </a:p>
         </p:txBody>
       </p:sp>
       <p:pic>
         <p:nvPicPr>
-          <p:cNvPr id="9" name="Picture 8">
+          <p:cNvPr id="6" name="Picture 5">
             <a:extLst>
               <a:ext uri="{FF2B5EF4-FFF2-40B4-BE49-F238E27FC236}">
-                <a16:creationId xmlns:a16="http://schemas.microsoft.com/office/drawing/2014/main" id="{44BDD42A-9EF0-59DC-E844-CD6B82FD99BE}"/>
+                <a16:creationId xmlns:a16="http://schemas.microsoft.com/office/drawing/2014/main" id="{1AE90603-18E9-B035-0AAE-0163FFDB2019}"/>
               </a:ext>
             </a:extLst>
           </p:cNvPr>
@@ -15326,90 +15311,20 @@
         </p:blipFill>
         <p:spPr>
           <a:xfrm>
-            <a:off x="1317675" y="3734774"/>
-            <a:ext cx="4096322" cy="1581371"/>
+            <a:off x="1317675" y="1965951"/>
+            <a:ext cx="2505425" cy="466790"/>
           </a:xfrm>
           <a:prstGeom prst="rect">
             <a:avLst/>
           </a:prstGeom>
         </p:spPr>
       </p:pic>
-      <p:sp>
-        <p:nvSpPr>
-          <p:cNvPr id="13" name="TextBox 12">
+      <p:pic>
+        <p:nvPicPr>
+          <p:cNvPr id="10" name="Picture 9">
             <a:extLst>
               <a:ext uri="{FF2B5EF4-FFF2-40B4-BE49-F238E27FC236}">
-                <a16:creationId xmlns:a16="http://schemas.microsoft.com/office/drawing/2014/main" id="{4B2292F8-8B97-CA1C-1C50-5B1E8CA3624E}"/>
-              </a:ext>
-            </a:extLst>
-          </p:cNvPr>
-          <p:cNvSpPr txBox="1"/>
-          <p:nvPr/>
-        </p:nvSpPr>
-        <p:spPr>
-          <a:xfrm>
-            <a:off x="1233577" y="1418582"/>
-            <a:ext cx="3191258" cy="369332"/>
-          </a:xfrm>
-          <a:prstGeom prst="rect">
-            <a:avLst/>
-          </a:prstGeom>
-          <a:noFill/>
-        </p:spPr>
-        <p:txBody>
-          <a:bodyPr wrap="none" rtlCol="0">
-            <a:spAutoFit/>
-          </a:bodyPr>
-          <a:lstStyle/>
-          <a:p>
-            <a:r>
-              <a:rPr lang="en-US" dirty="0"/>
-              <a:t>Confusion matrix with test data:</a:t>
-            </a:r>
-          </a:p>
-        </p:txBody>
-      </p:sp>
-      <p:sp>
-        <p:nvSpPr>
-          <p:cNvPr id="14" name="TextBox 13">
-            <a:extLst>
-              <a:ext uri="{FF2B5EF4-FFF2-40B4-BE49-F238E27FC236}">
-                <a16:creationId xmlns:a16="http://schemas.microsoft.com/office/drawing/2014/main" id="{ED064148-AE4F-7C27-E13A-B8BE91DD6451}"/>
-              </a:ext>
-            </a:extLst>
-          </p:cNvPr>
-          <p:cNvSpPr txBox="1"/>
-          <p:nvPr/>
-        </p:nvSpPr>
-        <p:spPr>
-          <a:xfrm>
-            <a:off x="1233577" y="3016810"/>
-            <a:ext cx="884345" cy="369332"/>
-          </a:xfrm>
-          <a:prstGeom prst="rect">
-            <a:avLst/>
-          </a:prstGeom>
-          <a:noFill/>
-        </p:spPr>
-        <p:txBody>
-          <a:bodyPr wrap="none" rtlCol="0">
-            <a:spAutoFit/>
-          </a:bodyPr>
-          <a:lstStyle/>
-          <a:p>
-            <a:r>
-              <a:rPr lang="en-US" dirty="0"/>
-              <a:t>Report:</a:t>
-            </a:r>
-          </a:p>
-        </p:txBody>
-      </p:sp>
-      <p:pic>
-        <p:nvPicPr>
-          <p:cNvPr id="18" name="Picture 17">
-            <a:extLst>
-              <a:ext uri="{FF2B5EF4-FFF2-40B4-BE49-F238E27FC236}">
-                <a16:creationId xmlns:a16="http://schemas.microsoft.com/office/drawing/2014/main" id="{9E0027C6-D8BD-2986-E86B-2BD3F6F855EF}"/>
+                <a16:creationId xmlns:a16="http://schemas.microsoft.com/office/drawing/2014/main" id="{D3D86A04-FC69-96AA-CA08-4A0DE0CC416D}"/>
               </a:ext>
             </a:extLst>
           </p:cNvPr>
@@ -15426,8 +15341,8 @@
         </p:blipFill>
         <p:spPr>
           <a:xfrm>
-            <a:off x="1317675" y="2226125"/>
-            <a:ext cx="895475" cy="352474"/>
+            <a:off x="1317675" y="3611249"/>
+            <a:ext cx="4086795" cy="1524213"/>
           </a:xfrm>
           <a:prstGeom prst="rect">
             <a:avLst/>
@@ -15437,7 +15352,7 @@
     </p:spTree>
     <p:extLst>
       <p:ext uri="{BB962C8B-B14F-4D97-AF65-F5344CB8AC3E}">
-        <p14:creationId xmlns:p14="http://schemas.microsoft.com/office/powerpoint/2010/main" val="893258212"/>
+        <p14:creationId xmlns:p14="http://schemas.microsoft.com/office/powerpoint/2010/main" val="2001476496"/>
       </p:ext>
     </p:extLst>
   </p:cSld>
@@ -16038,21 +15953,21 @@
 </file>
 
 <file path=customXml/item1.xml><?xml version="1.0" encoding="utf-8"?>
+<?mso-contentType ?>
+<FormTemplates xmlns="http://schemas.microsoft.com/sharepoint/v3/contenttype/forms">
+  <Display>DocumentLibraryForm</Display>
+  <Edit>DocumentLibraryForm</Edit>
+  <New>DocumentLibraryForm</New>
+</FormTemplates>
+</file>
+
+<file path=customXml/item2.xml><?xml version="1.0" encoding="utf-8"?>
 <p:properties xmlns:p="http://schemas.microsoft.com/office/2006/metadata/properties" xmlns:xsi="http://www.w3.org/2001/XMLSchema-instance" xmlns:pc="http://schemas.microsoft.com/office/infopath/2007/PartnerControls">
   <documentManagement>
     <Status xmlns="71af3243-3dd4-4a8d-8c0d-dd76da1f02a5">Not started</Status>
     <MediaServiceKeyPoints xmlns="71af3243-3dd4-4a8d-8c0d-dd76da1f02a5" xsi:nil="true"/>
   </documentManagement>
 </p:properties>
-</file>
-
-<file path=customXml/item2.xml><?xml version="1.0" encoding="utf-8"?>
-<?mso-contentType ?>
-<FormTemplates xmlns="http://schemas.microsoft.com/sharepoint/v3/contenttype/forms">
-  <Display>DocumentLibraryForm</Display>
-  <Edit>DocumentLibraryForm</Edit>
-  <New>DocumentLibraryForm</New>
-</FormTemplates>
 </file>
 
 <file path=customXml/item3.xml><?xml version="1.0" encoding="utf-8"?>
@@ -16277,19 +16192,19 @@
 </file>
 
 <file path=customXml/itemProps1.xml><?xml version="1.0" encoding="utf-8"?>
+<ds:datastoreItem xmlns:ds="http://schemas.openxmlformats.org/officeDocument/2006/customXml" ds:itemID="{3C8E00D1-8EA3-4E42-801D-0253E1EAFC21}">
+  <ds:schemaRefs>
+    <ds:schemaRef ds:uri="http://schemas.microsoft.com/sharepoint/v3/contenttype/forms"/>
+  </ds:schemaRefs>
+</ds:datastoreItem>
+</file>
+
+<file path=customXml/itemProps2.xml><?xml version="1.0" encoding="utf-8"?>
 <ds:datastoreItem xmlns:ds="http://schemas.openxmlformats.org/officeDocument/2006/customXml" ds:itemID="{99919F73-B6C2-4A43-95E2-833EC48925FE}">
   <ds:schemaRefs>
     <ds:schemaRef ds:uri="http://schemas.microsoft.com/office/2006/metadata/properties"/>
     <ds:schemaRef ds:uri="http://schemas.microsoft.com/office/infopath/2007/PartnerControls"/>
     <ds:schemaRef ds:uri="71af3243-3dd4-4a8d-8c0d-dd76da1f02a5"/>
-  </ds:schemaRefs>
-</ds:datastoreItem>
-</file>
-
-<file path=customXml/itemProps2.xml><?xml version="1.0" encoding="utf-8"?>
-<ds:datastoreItem xmlns:ds="http://schemas.openxmlformats.org/officeDocument/2006/customXml" ds:itemID="{3C8E00D1-8EA3-4E42-801D-0253E1EAFC21}">
-  <ds:schemaRefs>
-    <ds:schemaRef ds:uri="http://schemas.microsoft.com/sharepoint/v3/contenttype/forms"/>
   </ds:schemaRefs>
 </ds:datastoreItem>
 </file>
